--- a/documents/Meilensteine/Meilenstein I/Meilenstein_1_Präsentation.pptx
+++ b/documents/Meilensteine/Meilenstein I/Meilenstein_1_Präsentation.pptx
@@ -21,8 +21,11 @@
     <p:sldId id="270" r:id="rId15"/>
     <p:sldId id="271" r:id="rId16"/>
     <p:sldId id="272" r:id="rId17"/>
-    <p:sldId id="265" r:id="rId18"/>
-    <p:sldId id="273" r:id="rId19"/>
+    <p:sldId id="274" r:id="rId18"/>
+    <p:sldId id="275" r:id="rId19"/>
+    <p:sldId id="276" r:id="rId20"/>
+    <p:sldId id="265" r:id="rId21"/>
+    <p:sldId id="273" r:id="rId22"/>
   </p:sldIdLst>
   <p:sldSz cx="12192000" cy="6858000"/>
   <p:notesSz cx="6858000" cy="9144000"/>
@@ -121,6 +124,11 @@
       </a:defRPr>
     </a:lvl9pPr>
   </p:defaultTextStyle>
+  <p:extLst>
+    <p:ext uri="{EFAFB233-063F-42B5-8137-9DF3F51BA10A}">
+      <p15:sldGuideLst xmlns:p15="http://schemas.microsoft.com/office/powerpoint/2012/main"/>
+    </p:ext>
+  </p:extLst>
 </p:presentation>
 </file>
 
@@ -174,7 +182,7 @@
           <a:noFill/>
           <a:extLst>
             <a:ext uri="{909E8E84-426E-40dd-AFC4-6F175D3DCCD1}">
-              <a14:hiddenFill xmlns:a14="http://schemas.microsoft.com/office/drawing/2010/main" xmlns="">
+              <a14:hiddenFill xmlns="" xmlns:a14="http://schemas.microsoft.com/office/drawing/2010/main">
                 <a:solidFill>
                   <a:srgbClr val="FFFFFF"/>
                 </a:solidFill>
@@ -234,7 +242,7 @@
             </a:ln>
             <a:extLst>
               <a:ext uri="{91240B29-F687-4f45-9708-019B960494DF}">
-                <a14:hiddenLine xmlns:a14="http://schemas.microsoft.com/office/drawing/2010/main" xmlns="" w="9525">
+                <a14:hiddenLine xmlns="" xmlns:a14="http://schemas.microsoft.com/office/drawing/2010/main" w="9525">
                   <a:solidFill>
                     <a:srgbClr val="000000"/>
                   </a:solidFill>
@@ -324,7 +332,7 @@
             </a:ln>
             <a:extLst>
               <a:ext uri="{91240B29-F687-4f45-9708-019B960494DF}">
-                <a14:hiddenLine xmlns:a14="http://schemas.microsoft.com/office/drawing/2010/main" xmlns="" w="9525">
+                <a14:hiddenLine xmlns="" xmlns:a14="http://schemas.microsoft.com/office/drawing/2010/main" w="9525">
                   <a:solidFill>
                     <a:srgbClr val="000000"/>
                   </a:solidFill>
@@ -414,7 +422,7 @@
             </a:ln>
             <a:extLst>
               <a:ext uri="{91240B29-F687-4f45-9708-019B960494DF}">
-                <a14:hiddenLine xmlns:a14="http://schemas.microsoft.com/office/drawing/2010/main" xmlns="" w="9525">
+                <a14:hiddenLine xmlns="" xmlns:a14="http://schemas.microsoft.com/office/drawing/2010/main" w="9525">
                   <a:solidFill>
                     <a:srgbClr val="000000"/>
                   </a:solidFill>
@@ -448,7 +456,7 @@
             </a:ln>
             <a:extLst>
               <a:ext uri="{91240B29-F687-4f45-9708-019B960494DF}">
-                <a14:hiddenLine xmlns:a14="http://schemas.microsoft.com/office/drawing/2010/main" xmlns="" w="9525">
+                <a14:hiddenLine xmlns="" xmlns:a14="http://schemas.microsoft.com/office/drawing/2010/main" w="9525">
                   <a:solidFill>
                     <a:srgbClr val="000000"/>
                   </a:solidFill>
@@ -538,7 +546,7 @@
             </a:ln>
             <a:extLst>
               <a:ext uri="{91240B29-F687-4f45-9708-019B960494DF}">
-                <a14:hiddenLine xmlns:a14="http://schemas.microsoft.com/office/drawing/2010/main" xmlns="" w="9525">
+                <a14:hiddenLine xmlns="" xmlns:a14="http://schemas.microsoft.com/office/drawing/2010/main" w="9525">
                   <a:solidFill>
                     <a:srgbClr val="000000"/>
                   </a:solidFill>
@@ -600,7 +608,7 @@
             </a:ln>
             <a:extLst>
               <a:ext uri="{91240B29-F687-4f45-9708-019B960494DF}">
-                <a14:hiddenLine xmlns:a14="http://schemas.microsoft.com/office/drawing/2010/main" xmlns="" w="9525">
+                <a14:hiddenLine xmlns="" xmlns:a14="http://schemas.microsoft.com/office/drawing/2010/main" w="9525">
                   <a:solidFill>
                     <a:srgbClr val="000000"/>
                   </a:solidFill>
@@ -662,7 +670,7 @@
             </a:ln>
             <a:extLst>
               <a:ext uri="{91240B29-F687-4f45-9708-019B960494DF}">
-                <a14:hiddenLine xmlns:a14="http://schemas.microsoft.com/office/drawing/2010/main" xmlns="" w="9525">
+                <a14:hiddenLine xmlns="" xmlns:a14="http://schemas.microsoft.com/office/drawing/2010/main" w="9525">
                   <a:solidFill>
                     <a:srgbClr val="000000"/>
                   </a:solidFill>
@@ -752,7 +760,7 @@
             </a:ln>
             <a:extLst>
               <a:ext uri="{91240B29-F687-4f45-9708-019B960494DF}">
-                <a14:hiddenLine xmlns:a14="http://schemas.microsoft.com/office/drawing/2010/main" xmlns="" w="9525">
+                <a14:hiddenLine xmlns="" xmlns:a14="http://schemas.microsoft.com/office/drawing/2010/main" w="9525">
                   <a:solidFill>
                     <a:srgbClr val="000000"/>
                   </a:solidFill>
@@ -814,7 +822,7 @@
             </a:ln>
             <a:extLst>
               <a:ext uri="{91240B29-F687-4f45-9708-019B960494DF}">
-                <a14:hiddenLine xmlns:a14="http://schemas.microsoft.com/office/drawing/2010/main" xmlns="" w="9525">
+                <a14:hiddenLine xmlns="" xmlns:a14="http://schemas.microsoft.com/office/drawing/2010/main" w="9525">
                   <a:solidFill>
                     <a:srgbClr val="000000"/>
                   </a:solidFill>
@@ -876,7 +884,7 @@
             </a:ln>
             <a:extLst>
               <a:ext uri="{91240B29-F687-4f45-9708-019B960494DF}">
-                <a14:hiddenLine xmlns:a14="http://schemas.microsoft.com/office/drawing/2010/main" xmlns="" w="9525">
+                <a14:hiddenLine xmlns="" xmlns:a14="http://schemas.microsoft.com/office/drawing/2010/main" w="9525">
                   <a:solidFill>
                     <a:srgbClr val="000000"/>
                   </a:solidFill>
@@ -966,7 +974,7 @@
             </a:ln>
             <a:extLst>
               <a:ext uri="{91240B29-F687-4f45-9708-019B960494DF}">
-                <a14:hiddenLine xmlns:a14="http://schemas.microsoft.com/office/drawing/2010/main" xmlns="" w="9525">
+                <a14:hiddenLine xmlns="" xmlns:a14="http://schemas.microsoft.com/office/drawing/2010/main" w="9525">
                   <a:solidFill>
                     <a:srgbClr val="000000"/>
                   </a:solidFill>
@@ -1056,7 +1064,7 @@
             </a:ln>
             <a:extLst>
               <a:ext uri="{91240B29-F687-4f45-9708-019B960494DF}">
-                <a14:hiddenLine xmlns:a14="http://schemas.microsoft.com/office/drawing/2010/main" xmlns="" w="9525">
+                <a14:hiddenLine xmlns="" xmlns:a14="http://schemas.microsoft.com/office/drawing/2010/main" w="9525">
                   <a:solidFill>
                     <a:srgbClr val="000000"/>
                   </a:solidFill>
@@ -1118,7 +1126,7 @@
             </a:ln>
             <a:extLst>
               <a:ext uri="{91240B29-F687-4f45-9708-019B960494DF}">
-                <a14:hiddenLine xmlns:a14="http://schemas.microsoft.com/office/drawing/2010/main" xmlns="" w="9525">
+                <a14:hiddenLine xmlns="" xmlns:a14="http://schemas.microsoft.com/office/drawing/2010/main" w="9525">
                   <a:solidFill>
                     <a:srgbClr val="000000"/>
                   </a:solidFill>
@@ -1228,7 +1236,7 @@
             </a:ln>
             <a:extLst>
               <a:ext uri="{91240B29-F687-4f45-9708-019B960494DF}">
-                <a14:hiddenLine xmlns:a14="http://schemas.microsoft.com/office/drawing/2010/main" xmlns="" w="9525">
+                <a14:hiddenLine xmlns="" xmlns:a14="http://schemas.microsoft.com/office/drawing/2010/main" w="9525">
                   <a:solidFill>
                     <a:srgbClr val="000000"/>
                   </a:solidFill>
@@ -1290,7 +1298,7 @@
             </a:ln>
             <a:extLst>
               <a:ext uri="{91240B29-F687-4f45-9708-019B960494DF}">
-                <a14:hiddenLine xmlns:a14="http://schemas.microsoft.com/office/drawing/2010/main" xmlns="" w="9525">
+                <a14:hiddenLine xmlns="" xmlns:a14="http://schemas.microsoft.com/office/drawing/2010/main" w="9525">
                   <a:solidFill>
                     <a:srgbClr val="000000"/>
                   </a:solidFill>
@@ -1380,7 +1388,7 @@
             </a:ln>
             <a:extLst>
               <a:ext uri="{91240B29-F687-4f45-9708-019B960494DF}">
-                <a14:hiddenLine xmlns:a14="http://schemas.microsoft.com/office/drawing/2010/main" xmlns="" w="9525">
+                <a14:hiddenLine xmlns="" xmlns:a14="http://schemas.microsoft.com/office/drawing/2010/main" w="9525">
                   <a:solidFill>
                     <a:srgbClr val="000000"/>
                   </a:solidFill>
@@ -1470,7 +1478,7 @@
             </a:ln>
             <a:extLst>
               <a:ext uri="{91240B29-F687-4f45-9708-019B960494DF}">
-                <a14:hiddenLine xmlns:a14="http://schemas.microsoft.com/office/drawing/2010/main" xmlns="" w="9525">
+                <a14:hiddenLine xmlns="" xmlns:a14="http://schemas.microsoft.com/office/drawing/2010/main" w="9525">
                   <a:solidFill>
                     <a:srgbClr val="000000"/>
                   </a:solidFill>
@@ -1532,7 +1540,7 @@
             </a:ln>
             <a:extLst>
               <a:ext uri="{91240B29-F687-4f45-9708-019B960494DF}">
-                <a14:hiddenLine xmlns:a14="http://schemas.microsoft.com/office/drawing/2010/main" xmlns="" w="9525">
+                <a14:hiddenLine xmlns="" xmlns:a14="http://schemas.microsoft.com/office/drawing/2010/main" w="9525">
                   <a:solidFill>
                     <a:srgbClr val="000000"/>
                   </a:solidFill>
@@ -1622,7 +1630,7 @@
             </a:ln>
             <a:extLst>
               <a:ext uri="{91240B29-F687-4f45-9708-019B960494DF}">
-                <a14:hiddenLine xmlns:a14="http://schemas.microsoft.com/office/drawing/2010/main" xmlns="" w="9525">
+                <a14:hiddenLine xmlns="" xmlns:a14="http://schemas.microsoft.com/office/drawing/2010/main" w="9525">
                   <a:solidFill>
                     <a:srgbClr val="000000"/>
                   </a:solidFill>
@@ -1712,7 +1720,7 @@
             </a:ln>
             <a:extLst>
               <a:ext uri="{91240B29-F687-4f45-9708-019B960494DF}">
-                <a14:hiddenLine xmlns:a14="http://schemas.microsoft.com/office/drawing/2010/main" xmlns="" w="9525">
+                <a14:hiddenLine xmlns="" xmlns:a14="http://schemas.microsoft.com/office/drawing/2010/main" w="9525">
                   <a:solidFill>
                     <a:srgbClr val="000000"/>
                   </a:solidFill>
@@ -1768,7 +1776,7 @@
             </a:ln>
             <a:extLst>
               <a:ext uri="{91240B29-F687-4f45-9708-019B960494DF}">
-                <a14:hiddenLine xmlns:a14="http://schemas.microsoft.com/office/drawing/2010/main" xmlns="" w="9525">
+                <a14:hiddenLine xmlns="" xmlns:a14="http://schemas.microsoft.com/office/drawing/2010/main" w="9525">
                   <a:solidFill>
                     <a:srgbClr val="000000"/>
                   </a:solidFill>
@@ -1858,7 +1866,7 @@
             </a:ln>
             <a:extLst>
               <a:ext uri="{91240B29-F687-4f45-9708-019B960494DF}">
-                <a14:hiddenLine xmlns:a14="http://schemas.microsoft.com/office/drawing/2010/main" xmlns="" w="9525">
+                <a14:hiddenLine xmlns="" xmlns:a14="http://schemas.microsoft.com/office/drawing/2010/main" w="9525">
                   <a:solidFill>
                     <a:srgbClr val="000000"/>
                   </a:solidFill>
@@ -1914,7 +1922,7 @@
             </a:ln>
             <a:extLst>
               <a:ext uri="{91240B29-F687-4f45-9708-019B960494DF}">
-                <a14:hiddenLine xmlns:a14="http://schemas.microsoft.com/office/drawing/2010/main" xmlns="" w="9525">
+                <a14:hiddenLine xmlns="" xmlns:a14="http://schemas.microsoft.com/office/drawing/2010/main" w="9525">
                   <a:solidFill>
                     <a:srgbClr val="000000"/>
                   </a:solidFill>
@@ -2004,7 +2012,7 @@
             </a:ln>
             <a:extLst>
               <a:ext uri="{91240B29-F687-4f45-9708-019B960494DF}">
-                <a14:hiddenLine xmlns:a14="http://schemas.microsoft.com/office/drawing/2010/main" xmlns="" w="9525">
+                <a14:hiddenLine xmlns="" xmlns:a14="http://schemas.microsoft.com/office/drawing/2010/main" w="9525">
                   <a:solidFill>
                     <a:srgbClr val="000000"/>
                   </a:solidFill>
@@ -2072,7 +2080,7 @@
             </a:ln>
             <a:extLst>
               <a:ext uri="{91240B29-F687-4f45-9708-019B960494DF}">
-                <a14:hiddenLine xmlns:a14="http://schemas.microsoft.com/office/drawing/2010/main" xmlns="" w="9525">
+                <a14:hiddenLine xmlns="" xmlns:a14="http://schemas.microsoft.com/office/drawing/2010/main" w="9525">
                   <a:solidFill>
                     <a:srgbClr val="000000"/>
                   </a:solidFill>
@@ -2162,7 +2170,7 @@
             </a:ln>
             <a:extLst>
               <a:ext uri="{91240B29-F687-4f45-9708-019B960494DF}">
-                <a14:hiddenLine xmlns:a14="http://schemas.microsoft.com/office/drawing/2010/main" xmlns="" w="9525">
+                <a14:hiddenLine xmlns="" xmlns:a14="http://schemas.microsoft.com/office/drawing/2010/main" w="9525">
                   <a:solidFill>
                     <a:srgbClr val="000000"/>
                   </a:solidFill>
@@ -2230,7 +2238,7 @@
             </a:ln>
             <a:extLst>
               <a:ext uri="{91240B29-F687-4f45-9708-019B960494DF}">
-                <a14:hiddenLine xmlns:a14="http://schemas.microsoft.com/office/drawing/2010/main" xmlns="" w="9525">
+                <a14:hiddenLine xmlns="" xmlns:a14="http://schemas.microsoft.com/office/drawing/2010/main" w="9525">
                   <a:solidFill>
                     <a:srgbClr val="000000"/>
                   </a:solidFill>
@@ -2320,7 +2328,7 @@
             </a:ln>
             <a:extLst>
               <a:ext uri="{91240B29-F687-4f45-9708-019B960494DF}">
-                <a14:hiddenLine xmlns:a14="http://schemas.microsoft.com/office/drawing/2010/main" xmlns="" w="9525">
+                <a14:hiddenLine xmlns="" xmlns:a14="http://schemas.microsoft.com/office/drawing/2010/main" w="9525">
                   <a:solidFill>
                     <a:srgbClr val="000000"/>
                   </a:solidFill>
@@ -2354,7 +2362,7 @@
             </a:ln>
             <a:extLst>
               <a:ext uri="{91240B29-F687-4f45-9708-019B960494DF}">
-                <a14:hiddenLine xmlns:a14="http://schemas.microsoft.com/office/drawing/2010/main" xmlns="" w="9525">
+                <a14:hiddenLine xmlns="" xmlns:a14="http://schemas.microsoft.com/office/drawing/2010/main" w="9525">
                   <a:solidFill>
                     <a:srgbClr val="000000"/>
                   </a:solidFill>
@@ -2444,7 +2452,7 @@
             </a:ln>
             <a:extLst>
               <a:ext uri="{91240B29-F687-4f45-9708-019B960494DF}">
-                <a14:hiddenLine xmlns:a14="http://schemas.microsoft.com/office/drawing/2010/main" xmlns="" w="9525">
+                <a14:hiddenLine xmlns="" xmlns:a14="http://schemas.microsoft.com/office/drawing/2010/main" w="9525">
                   <a:solidFill>
                     <a:srgbClr val="000000"/>
                   </a:solidFill>
@@ -2506,7 +2514,7 @@
             </a:ln>
             <a:extLst>
               <a:ext uri="{91240B29-F687-4f45-9708-019B960494DF}">
-                <a14:hiddenLine xmlns:a14="http://schemas.microsoft.com/office/drawing/2010/main" xmlns="" w="9525">
+                <a14:hiddenLine xmlns="" xmlns:a14="http://schemas.microsoft.com/office/drawing/2010/main" w="9525">
                   <a:solidFill>
                     <a:srgbClr val="000000"/>
                   </a:solidFill>
@@ -2568,7 +2576,7 @@
             </a:ln>
             <a:extLst>
               <a:ext uri="{91240B29-F687-4f45-9708-019B960494DF}">
-                <a14:hiddenLine xmlns:a14="http://schemas.microsoft.com/office/drawing/2010/main" xmlns="" w="9525">
+                <a14:hiddenLine xmlns="" xmlns:a14="http://schemas.microsoft.com/office/drawing/2010/main" w="9525">
                   <a:solidFill>
                     <a:srgbClr val="000000"/>
                   </a:solidFill>
@@ -2658,7 +2666,7 @@
             </a:ln>
             <a:extLst>
               <a:ext uri="{91240B29-F687-4f45-9708-019B960494DF}">
-                <a14:hiddenLine xmlns:a14="http://schemas.microsoft.com/office/drawing/2010/main" xmlns="" w="9525">
+                <a14:hiddenLine xmlns="" xmlns:a14="http://schemas.microsoft.com/office/drawing/2010/main" w="9525">
                   <a:solidFill>
                     <a:srgbClr val="000000"/>
                   </a:solidFill>
@@ -2726,7 +2734,7 @@
             </a:ln>
             <a:extLst>
               <a:ext uri="{91240B29-F687-4f45-9708-019B960494DF}">
-                <a14:hiddenLine xmlns:a14="http://schemas.microsoft.com/office/drawing/2010/main" xmlns="" w="9525">
+                <a14:hiddenLine xmlns="" xmlns:a14="http://schemas.microsoft.com/office/drawing/2010/main" w="9525">
                   <a:solidFill>
                     <a:srgbClr val="000000"/>
                   </a:solidFill>
@@ -2788,7 +2796,7 @@
             </a:ln>
             <a:extLst>
               <a:ext uri="{91240B29-F687-4f45-9708-019B960494DF}">
-                <a14:hiddenLine xmlns:a14="http://schemas.microsoft.com/office/drawing/2010/main" xmlns="" w="9525">
+                <a14:hiddenLine xmlns="" xmlns:a14="http://schemas.microsoft.com/office/drawing/2010/main" w="9525">
                   <a:solidFill>
                     <a:srgbClr val="000000"/>
                   </a:solidFill>
@@ -2878,7 +2886,7 @@
             </a:ln>
             <a:extLst>
               <a:ext uri="{91240B29-F687-4f45-9708-019B960494DF}">
-                <a14:hiddenLine xmlns:a14="http://schemas.microsoft.com/office/drawing/2010/main" xmlns="" w="9525">
+                <a14:hiddenLine xmlns="" xmlns:a14="http://schemas.microsoft.com/office/drawing/2010/main" w="9525">
                   <a:solidFill>
                     <a:srgbClr val="000000"/>
                   </a:solidFill>
@@ -2940,7 +2948,7 @@
             </a:ln>
             <a:extLst>
               <a:ext uri="{91240B29-F687-4f45-9708-019B960494DF}">
-                <a14:hiddenLine xmlns:a14="http://schemas.microsoft.com/office/drawing/2010/main" xmlns="" w="9525">
+                <a14:hiddenLine xmlns="" xmlns:a14="http://schemas.microsoft.com/office/drawing/2010/main" w="9525">
                   <a:solidFill>
                     <a:srgbClr val="000000"/>
                   </a:solidFill>
@@ -3030,7 +3038,7 @@
             </a:ln>
             <a:extLst>
               <a:ext uri="{91240B29-F687-4f45-9708-019B960494DF}">
-                <a14:hiddenLine xmlns:a14="http://schemas.microsoft.com/office/drawing/2010/main" xmlns="" w="9525">
+                <a14:hiddenLine xmlns="" xmlns:a14="http://schemas.microsoft.com/office/drawing/2010/main" w="9525">
                   <a:solidFill>
                     <a:srgbClr val="000000"/>
                   </a:solidFill>
@@ -3092,7 +3100,7 @@
             </a:ln>
             <a:extLst>
               <a:ext uri="{91240B29-F687-4f45-9708-019B960494DF}">
-                <a14:hiddenLine xmlns:a14="http://schemas.microsoft.com/office/drawing/2010/main" xmlns="" w="9525">
+                <a14:hiddenLine xmlns="" xmlns:a14="http://schemas.microsoft.com/office/drawing/2010/main" w="9525">
                   <a:solidFill>
                     <a:srgbClr val="000000"/>
                   </a:solidFill>
@@ -3182,7 +3190,7 @@
             </a:ln>
             <a:extLst>
               <a:ext uri="{91240B29-F687-4f45-9708-019B960494DF}">
-                <a14:hiddenLine xmlns:a14="http://schemas.microsoft.com/office/drawing/2010/main" xmlns="" w="9525">
+                <a14:hiddenLine xmlns="" xmlns:a14="http://schemas.microsoft.com/office/drawing/2010/main" w="9525">
                   <a:solidFill>
                     <a:srgbClr val="000000"/>
                   </a:solidFill>
@@ -3216,7 +3224,7 @@
             </a:ln>
             <a:extLst>
               <a:ext uri="{91240B29-F687-4f45-9708-019B960494DF}">
-                <a14:hiddenLine xmlns:a14="http://schemas.microsoft.com/office/drawing/2010/main" xmlns="" w="9525">
+                <a14:hiddenLine xmlns="" xmlns:a14="http://schemas.microsoft.com/office/drawing/2010/main" w="9525">
                   <a:solidFill>
                     <a:srgbClr val="000000"/>
                   </a:solidFill>
@@ -3281,7 +3289,7 @@
             </a:ln>
             <a:extLst>
               <a:ext uri="{91240B29-F687-4f45-9708-019B960494DF}">
-                <a14:hiddenLine xmlns:a14="http://schemas.microsoft.com/office/drawing/2010/main" xmlns="" w="9525">
+                <a14:hiddenLine xmlns="" xmlns:a14="http://schemas.microsoft.com/office/drawing/2010/main" w="9525">
                   <a:solidFill>
                     <a:srgbClr val="000000"/>
                   </a:solidFill>
@@ -3371,7 +3379,7 @@
             </a:ln>
             <a:extLst>
               <a:ext uri="{91240B29-F687-4f45-9708-019B960494DF}">
-                <a14:hiddenLine xmlns:a14="http://schemas.microsoft.com/office/drawing/2010/main" xmlns="" w="9525">
+                <a14:hiddenLine xmlns="" xmlns:a14="http://schemas.microsoft.com/office/drawing/2010/main" w="9525">
                   <a:solidFill>
                     <a:srgbClr val="000000"/>
                   </a:solidFill>
@@ -3433,7 +3441,7 @@
             </a:ln>
             <a:extLst>
               <a:ext uri="{91240B29-F687-4f45-9708-019B960494DF}">
-                <a14:hiddenLine xmlns:a14="http://schemas.microsoft.com/office/drawing/2010/main" xmlns="" w="9525">
+                <a14:hiddenLine xmlns="" xmlns:a14="http://schemas.microsoft.com/office/drawing/2010/main" w="9525">
                   <a:solidFill>
                     <a:srgbClr val="000000"/>
                   </a:solidFill>
@@ -3523,7 +3531,7 @@
             </a:ln>
             <a:extLst>
               <a:ext uri="{91240B29-F687-4f45-9708-019B960494DF}">
-                <a14:hiddenLine xmlns:a14="http://schemas.microsoft.com/office/drawing/2010/main" xmlns="" w="9525">
+                <a14:hiddenLine xmlns="" xmlns:a14="http://schemas.microsoft.com/office/drawing/2010/main" w="9525">
                   <a:solidFill>
                     <a:srgbClr val="000000"/>
                   </a:solidFill>
@@ -3613,7 +3621,7 @@
             </a:ln>
             <a:extLst>
               <a:ext uri="{91240B29-F687-4f45-9708-019B960494DF}">
-                <a14:hiddenLine xmlns:a14="http://schemas.microsoft.com/office/drawing/2010/main" xmlns="" w="9525">
+                <a14:hiddenLine xmlns="" xmlns:a14="http://schemas.microsoft.com/office/drawing/2010/main" w="9525">
                   <a:solidFill>
                     <a:srgbClr val="000000"/>
                   </a:solidFill>
@@ -3678,7 +3686,7 @@
             </a:ln>
             <a:extLst>
               <a:ext uri="{91240B29-F687-4f45-9708-019B960494DF}">
-                <a14:hiddenLine xmlns:a14="http://schemas.microsoft.com/office/drawing/2010/main" xmlns="" w="9525">
+                <a14:hiddenLine xmlns="" xmlns:a14="http://schemas.microsoft.com/office/drawing/2010/main" w="9525">
                   <a:solidFill>
                     <a:srgbClr val="000000"/>
                   </a:solidFill>
@@ -3740,7 +3748,7 @@
             </a:ln>
             <a:extLst>
               <a:ext uri="{91240B29-F687-4f45-9708-019B960494DF}">
-                <a14:hiddenLine xmlns:a14="http://schemas.microsoft.com/office/drawing/2010/main" xmlns="" w="9525">
+                <a14:hiddenLine xmlns="" xmlns:a14="http://schemas.microsoft.com/office/drawing/2010/main" w="9525">
                   <a:solidFill>
                     <a:srgbClr val="000000"/>
                   </a:solidFill>
@@ -3830,7 +3838,7 @@
             </a:ln>
             <a:extLst>
               <a:ext uri="{91240B29-F687-4f45-9708-019B960494DF}">
-                <a14:hiddenLine xmlns:a14="http://schemas.microsoft.com/office/drawing/2010/main" xmlns="" w="9525">
+                <a14:hiddenLine xmlns="" xmlns:a14="http://schemas.microsoft.com/office/drawing/2010/main" w="9525">
                   <a:solidFill>
                     <a:srgbClr val="000000"/>
                   </a:solidFill>
@@ -3920,7 +3928,7 @@
             </a:ln>
             <a:extLst>
               <a:ext uri="{91240B29-F687-4f45-9708-019B960494DF}">
-                <a14:hiddenLine xmlns:a14="http://schemas.microsoft.com/office/drawing/2010/main" xmlns="" w="9525">
+                <a14:hiddenLine xmlns="" xmlns:a14="http://schemas.microsoft.com/office/drawing/2010/main" w="9525">
                   <a:solidFill>
                     <a:srgbClr val="000000"/>
                   </a:solidFill>
@@ -3982,7 +3990,7 @@
             </a:ln>
             <a:extLst>
               <a:ext uri="{91240B29-F687-4f45-9708-019B960494DF}">
-                <a14:hiddenLine xmlns:a14="http://schemas.microsoft.com/office/drawing/2010/main" xmlns="" w="9525">
+                <a14:hiddenLine xmlns="" xmlns:a14="http://schemas.microsoft.com/office/drawing/2010/main" w="9525">
                   <a:solidFill>
                     <a:srgbClr val="000000"/>
                   </a:solidFill>
@@ -4102,7 +4110,7 @@
             </a:ln>
             <a:extLst>
               <a:ext uri="{91240B29-F687-4f45-9708-019B960494DF}">
-                <a14:hiddenLine xmlns:a14="http://schemas.microsoft.com/office/drawing/2010/main" xmlns="" w="9525">
+                <a14:hiddenLine xmlns="" xmlns:a14="http://schemas.microsoft.com/office/drawing/2010/main" w="9525">
                   <a:solidFill>
                     <a:srgbClr val="000000"/>
                   </a:solidFill>
@@ -4170,7 +4178,7 @@
             </a:ln>
             <a:extLst>
               <a:ext uri="{91240B29-F687-4f45-9708-019B960494DF}">
-                <a14:hiddenLine xmlns:a14="http://schemas.microsoft.com/office/drawing/2010/main" xmlns="" w="9525">
+                <a14:hiddenLine xmlns="" xmlns:a14="http://schemas.microsoft.com/office/drawing/2010/main" w="9525">
                   <a:solidFill>
                     <a:srgbClr val="000000"/>
                   </a:solidFill>
@@ -4260,7 +4268,7 @@
             </a:ln>
             <a:extLst>
               <a:ext uri="{91240B29-F687-4f45-9708-019B960494DF}">
-                <a14:hiddenLine xmlns:a14="http://schemas.microsoft.com/office/drawing/2010/main" xmlns="" w="9525">
+                <a14:hiddenLine xmlns="" xmlns:a14="http://schemas.microsoft.com/office/drawing/2010/main" w="9525">
                   <a:solidFill>
                     <a:srgbClr val="000000"/>
                   </a:solidFill>
@@ -4400,7 +4408,7 @@
           <a:p>
             <a:fld id="{9AB3A824-1A51-4B26-AD58-A6D8E14F6C04}" type="datetimeFigureOut">
               <a:rPr lang="en-US" smtClean="0"/>
-              <a:t>2/28/20</a:t>
+              <a:t>3/4/20</a:t>
             </a:fld>
             <a:endParaRPr lang="en-US" dirty="0"/>
           </a:p>
@@ -4672,7 +4680,7 @@
           <a:p>
             <a:fld id="{3CBC1C18-307B-4F68-A007-B5B542270E8D}" type="datetimeFigureOut">
               <a:rPr lang="en-US" smtClean="0"/>
-              <a:t>2/28/20</a:t>
+              <a:t>3/4/20</a:t>
             </a:fld>
             <a:endParaRPr lang="en-US" dirty="0"/>
           </a:p>
@@ -4875,7 +4883,7 @@
           <a:p>
             <a:fld id="{3CBC1C18-307B-4F68-A007-B5B542270E8D}" type="datetimeFigureOut">
               <a:rPr lang="en-US" smtClean="0"/>
-              <a:t>2/28/20</a:t>
+              <a:t>3/4/20</a:t>
             </a:fld>
             <a:endParaRPr lang="en-US" dirty="0"/>
           </a:p>
@@ -5145,7 +5153,7 @@
           <a:p>
             <a:fld id="{3CBC1C18-307B-4F68-A007-B5B542270E8D}" type="datetimeFigureOut">
               <a:rPr lang="en-US" smtClean="0"/>
-              <a:t>2/28/20</a:t>
+              <a:t>3/4/20</a:t>
             </a:fld>
             <a:endParaRPr lang="en-US" dirty="0"/>
           </a:p>
@@ -5586,7 +5594,7 @@
           <a:p>
             <a:fld id="{3CBC1C18-307B-4F68-A007-B5B542270E8D}" type="datetimeFigureOut">
               <a:rPr lang="en-US" smtClean="0"/>
-              <a:t>2/28/20</a:t>
+              <a:t>3/4/20</a:t>
             </a:fld>
             <a:endParaRPr lang="en-US" dirty="0"/>
           </a:p>
@@ -6139,7 +6147,7 @@
           <a:p>
             <a:fld id="{3CBC1C18-307B-4F68-A007-B5B542270E8D}" type="datetimeFigureOut">
               <a:rPr lang="en-US" smtClean="0"/>
-              <a:t>2/28/20</a:t>
+              <a:t>3/4/20</a:t>
             </a:fld>
             <a:endParaRPr lang="en-US" dirty="0"/>
           </a:p>
@@ -6866,7 +6874,7 @@
           <a:p>
             <a:fld id="{3CBC1C18-307B-4F68-A007-B5B542270E8D}" type="datetimeFigureOut">
               <a:rPr lang="en-US" smtClean="0"/>
-              <a:t>2/28/20</a:t>
+              <a:t>3/4/20</a:t>
             </a:fld>
             <a:endParaRPr lang="en-US" dirty="0"/>
           </a:p>
@@ -7043,7 +7051,7 @@
           <a:p>
             <a:fld id="{D857E33E-8B18-4087-B112-809917729534}" type="datetimeFigureOut">
               <a:rPr lang="en-US" smtClean="0"/>
-              <a:t>2/28/20</a:t>
+              <a:t>3/4/20</a:t>
             </a:fld>
             <a:endParaRPr lang="en-US" dirty="0"/>
           </a:p>
@@ -7228,7 +7236,7 @@
           <a:p>
             <a:fld id="{D3FFE419-2371-464F-8239-3959401C3561}" type="datetimeFigureOut">
               <a:rPr lang="en-US" smtClean="0"/>
-              <a:t>2/28/20</a:t>
+              <a:t>3/4/20</a:t>
             </a:fld>
             <a:endParaRPr lang="en-US" dirty="0"/>
           </a:p>
@@ -7403,7 +7411,7 @@
           <a:p>
             <a:fld id="{97D162C4-EDD9-4389-A98B-B87ECEA2A816}" type="datetimeFigureOut">
               <a:rPr lang="en-US" smtClean="0"/>
-              <a:t>2/28/20</a:t>
+              <a:t>3/4/20</a:t>
             </a:fld>
             <a:endParaRPr lang="en-US" dirty="0"/>
           </a:p>
@@ -7658,7 +7666,7 @@
           <a:p>
             <a:fld id="{3E5059C3-6A89-4494-99FF-5A4D6FFD50EB}" type="datetimeFigureOut">
               <a:rPr lang="en-US" smtClean="0"/>
-              <a:t>2/28/20</a:t>
+              <a:t>3/4/20</a:t>
             </a:fld>
             <a:endParaRPr lang="en-US" dirty="0"/>
           </a:p>
@@ -7895,7 +7903,7 @@
           <a:p>
             <a:fld id="{CA954B2F-12DE-47F5-8894-472B206D2E1E}" type="datetimeFigureOut">
               <a:rPr lang="en-US" smtClean="0"/>
-              <a:t>2/28/20</a:t>
+              <a:t>3/4/20</a:t>
             </a:fld>
             <a:endParaRPr lang="en-US" dirty="0"/>
           </a:p>
@@ -8281,7 +8289,7 @@
           <a:p>
             <a:fld id="{3CBC1C18-307B-4F68-A007-B5B542270E8D}" type="datetimeFigureOut">
               <a:rPr lang="en-US" smtClean="0"/>
-              <a:t>2/28/20</a:t>
+              <a:t>3/4/20</a:t>
             </a:fld>
             <a:endParaRPr lang="en-US" dirty="0"/>
           </a:p>
@@ -8406,7 +8414,7 @@
           <a:p>
             <a:fld id="{1FAF3416-4057-4DAA-829D-4CA07428D088}" type="datetimeFigureOut">
               <a:rPr lang="en-US" smtClean="0"/>
-              <a:t>2/28/20</a:t>
+              <a:t>3/4/20</a:t>
             </a:fld>
             <a:endParaRPr lang="en-US" dirty="0"/>
           </a:p>
@@ -8506,7 +8514,7 @@
           <a:p>
             <a:fld id="{921D9284-D300-4297-87F7-E791DCC15DB1}" type="datetimeFigureOut">
               <a:rPr lang="en-US" smtClean="0"/>
-              <a:t>2/28/20</a:t>
+              <a:t>3/4/20</a:t>
             </a:fld>
             <a:endParaRPr lang="en-US" dirty="0"/>
           </a:p>
@@ -8760,7 +8768,7 @@
           <a:p>
             <a:fld id="{37D525BB-DA17-4BA0-B3C8-3AC3ABC827E6}" type="datetimeFigureOut">
               <a:rPr lang="en-US" smtClean="0"/>
-              <a:t>2/28/20</a:t>
+              <a:t>3/4/20</a:t>
             </a:fld>
             <a:endParaRPr lang="en-US" dirty="0"/>
           </a:p>
@@ -9045,7 +9053,7 @@
           <a:p>
             <a:fld id="{B16C4C9A-3960-41CF-A4E9-2A8FB932454B}" type="datetimeFigureOut">
               <a:rPr lang="en-US" smtClean="0"/>
-              <a:t>2/28/20</a:t>
+              <a:t>3/4/20</a:t>
             </a:fld>
             <a:endParaRPr lang="en-US" dirty="0"/>
           </a:p>
@@ -9166,7 +9174,7 @@
           <a:noFill/>
           <a:extLst>
             <a:ext uri="{909E8E84-426E-40dd-AFC4-6F175D3DCCD1}">
-              <a14:hiddenFill xmlns:a14="http://schemas.microsoft.com/office/drawing/2010/main" xmlns="">
+              <a14:hiddenFill xmlns="" xmlns:a14="http://schemas.microsoft.com/office/drawing/2010/main">
                 <a:solidFill>
                   <a:srgbClr val="FFFFFF"/>
                 </a:solidFill>
@@ -9240,7 +9248,7 @@
               </a:ln>
               <a:extLst>
                 <a:ext uri="{91240B29-F687-4f45-9708-019B960494DF}">
-                  <a14:hiddenLine xmlns:a14="http://schemas.microsoft.com/office/drawing/2010/main" xmlns="" w="9525">
+                  <a14:hiddenLine xmlns="" xmlns:a14="http://schemas.microsoft.com/office/drawing/2010/main" w="9525">
                     <a:solidFill>
                       <a:srgbClr val="000000"/>
                     </a:solidFill>
@@ -9330,7 +9338,7 @@
               </a:ln>
               <a:extLst>
                 <a:ext uri="{91240B29-F687-4f45-9708-019B960494DF}">
-                  <a14:hiddenLine xmlns:a14="http://schemas.microsoft.com/office/drawing/2010/main" xmlns="" w="9525">
+                  <a14:hiddenLine xmlns="" xmlns:a14="http://schemas.microsoft.com/office/drawing/2010/main" w="9525">
                     <a:solidFill>
                       <a:srgbClr val="000000"/>
                     </a:solidFill>
@@ -9420,7 +9428,7 @@
               </a:ln>
               <a:extLst>
                 <a:ext uri="{91240B29-F687-4f45-9708-019B960494DF}">
-                  <a14:hiddenLine xmlns:a14="http://schemas.microsoft.com/office/drawing/2010/main" xmlns="" w="9525">
+                  <a14:hiddenLine xmlns="" xmlns:a14="http://schemas.microsoft.com/office/drawing/2010/main" w="9525">
                     <a:solidFill>
                       <a:srgbClr val="000000"/>
                     </a:solidFill>
@@ -9482,7 +9490,7 @@
               </a:ln>
               <a:extLst>
                 <a:ext uri="{91240B29-F687-4f45-9708-019B960494DF}">
-                  <a14:hiddenLine xmlns:a14="http://schemas.microsoft.com/office/drawing/2010/main" xmlns="" w="9525">
+                  <a14:hiddenLine xmlns="" xmlns:a14="http://schemas.microsoft.com/office/drawing/2010/main" w="9525">
                     <a:solidFill>
                       <a:srgbClr val="000000"/>
                     </a:solidFill>
@@ -9572,7 +9580,7 @@
               </a:ln>
               <a:extLst>
                 <a:ext uri="{91240B29-F687-4f45-9708-019B960494DF}">
-                  <a14:hiddenLine xmlns:a14="http://schemas.microsoft.com/office/drawing/2010/main" xmlns="" w="9525">
+                  <a14:hiddenLine xmlns="" xmlns:a14="http://schemas.microsoft.com/office/drawing/2010/main" w="9525">
                     <a:solidFill>
                       <a:srgbClr val="000000"/>
                     </a:solidFill>
@@ -9634,7 +9642,7 @@
               </a:ln>
               <a:extLst>
                 <a:ext uri="{91240B29-F687-4f45-9708-019B960494DF}">
-                  <a14:hiddenLine xmlns:a14="http://schemas.microsoft.com/office/drawing/2010/main" xmlns="" w="9525">
+                  <a14:hiddenLine xmlns="" xmlns:a14="http://schemas.microsoft.com/office/drawing/2010/main" w="9525">
                     <a:solidFill>
                       <a:srgbClr val="000000"/>
                     </a:solidFill>
@@ -9696,7 +9704,7 @@
               </a:ln>
               <a:extLst>
                 <a:ext uri="{91240B29-F687-4f45-9708-019B960494DF}">
-                  <a14:hiddenLine xmlns:a14="http://schemas.microsoft.com/office/drawing/2010/main" xmlns="" w="9525">
+                  <a14:hiddenLine xmlns="" xmlns:a14="http://schemas.microsoft.com/office/drawing/2010/main" w="9525">
                     <a:solidFill>
                       <a:srgbClr val="000000"/>
                     </a:solidFill>
@@ -9786,7 +9794,7 @@
               </a:ln>
               <a:extLst>
                 <a:ext uri="{91240B29-F687-4f45-9708-019B960494DF}">
-                  <a14:hiddenLine xmlns:a14="http://schemas.microsoft.com/office/drawing/2010/main" xmlns="" w="9525">
+                  <a14:hiddenLine xmlns="" xmlns:a14="http://schemas.microsoft.com/office/drawing/2010/main" w="9525">
                     <a:solidFill>
                       <a:srgbClr val="000000"/>
                     </a:solidFill>
@@ -9876,7 +9884,7 @@
               </a:ln>
               <a:extLst>
                 <a:ext uri="{91240B29-F687-4f45-9708-019B960494DF}">
-                  <a14:hiddenLine xmlns:a14="http://schemas.microsoft.com/office/drawing/2010/main" xmlns="" w="9525">
+                  <a14:hiddenLine xmlns="" xmlns:a14="http://schemas.microsoft.com/office/drawing/2010/main" w="9525">
                     <a:solidFill>
                       <a:srgbClr val="000000"/>
                     </a:solidFill>
@@ -9938,7 +9946,7 @@
               </a:ln>
               <a:extLst>
                 <a:ext uri="{91240B29-F687-4f45-9708-019B960494DF}">
-                  <a14:hiddenLine xmlns:a14="http://schemas.microsoft.com/office/drawing/2010/main" xmlns="" w="9525">
+                  <a14:hiddenLine xmlns="" xmlns:a14="http://schemas.microsoft.com/office/drawing/2010/main" w="9525">
                     <a:solidFill>
                       <a:srgbClr val="000000"/>
                     </a:solidFill>
@@ -10048,7 +10056,7 @@
               </a:ln>
               <a:extLst>
                 <a:ext uri="{91240B29-F687-4f45-9708-019B960494DF}">
-                  <a14:hiddenLine xmlns:a14="http://schemas.microsoft.com/office/drawing/2010/main" xmlns="" w="9525">
+                  <a14:hiddenLine xmlns="" xmlns:a14="http://schemas.microsoft.com/office/drawing/2010/main" w="9525">
                     <a:solidFill>
                       <a:srgbClr val="000000"/>
                     </a:solidFill>
@@ -10132,7 +10140,7 @@
               </a:ln>
               <a:extLst>
                 <a:ext uri="{91240B29-F687-4f45-9708-019B960494DF}">
-                  <a14:hiddenLine xmlns:a14="http://schemas.microsoft.com/office/drawing/2010/main" xmlns="" w="9525">
+                  <a14:hiddenLine xmlns="" xmlns:a14="http://schemas.microsoft.com/office/drawing/2010/main" w="9525">
                     <a:solidFill>
                       <a:srgbClr val="000000"/>
                     </a:solidFill>
@@ -10194,7 +10202,7 @@
               </a:ln>
               <a:extLst>
                 <a:ext uri="{91240B29-F687-4f45-9708-019B960494DF}">
-                  <a14:hiddenLine xmlns:a14="http://schemas.microsoft.com/office/drawing/2010/main" xmlns="" w="9525">
+                  <a14:hiddenLine xmlns="" xmlns:a14="http://schemas.microsoft.com/office/drawing/2010/main" w="9525">
                     <a:solidFill>
                       <a:srgbClr val="000000"/>
                     </a:solidFill>
@@ -10256,7 +10264,7 @@
               </a:ln>
               <a:extLst>
                 <a:ext uri="{91240B29-F687-4f45-9708-019B960494DF}">
-                  <a14:hiddenLine xmlns:a14="http://schemas.microsoft.com/office/drawing/2010/main" xmlns="" w="9525">
+                  <a14:hiddenLine xmlns="" xmlns:a14="http://schemas.microsoft.com/office/drawing/2010/main" w="9525">
                     <a:solidFill>
                       <a:srgbClr val="000000"/>
                     </a:solidFill>
@@ -10346,7 +10354,7 @@
               </a:ln>
               <a:extLst>
                 <a:ext uri="{91240B29-F687-4f45-9708-019B960494DF}">
-                  <a14:hiddenLine xmlns:a14="http://schemas.microsoft.com/office/drawing/2010/main" xmlns="" w="9525">
+                  <a14:hiddenLine xmlns="" xmlns:a14="http://schemas.microsoft.com/office/drawing/2010/main" w="9525">
                     <a:solidFill>
                       <a:srgbClr val="000000"/>
                     </a:solidFill>
@@ -10380,7 +10388,7 @@
               </a:ln>
               <a:extLst>
                 <a:ext uri="{91240B29-F687-4f45-9708-019B960494DF}">
-                  <a14:hiddenLine xmlns:a14="http://schemas.microsoft.com/office/drawing/2010/main" xmlns="" w="9525">
+                  <a14:hiddenLine xmlns="" xmlns:a14="http://schemas.microsoft.com/office/drawing/2010/main" w="9525">
                     <a:solidFill>
                       <a:srgbClr val="000000"/>
                     </a:solidFill>
@@ -10445,7 +10453,7 @@
               </a:ln>
               <a:extLst>
                 <a:ext uri="{91240B29-F687-4f45-9708-019B960494DF}">
-                  <a14:hiddenLine xmlns:a14="http://schemas.microsoft.com/office/drawing/2010/main" xmlns="" w="9525">
+                  <a14:hiddenLine xmlns="" xmlns:a14="http://schemas.microsoft.com/office/drawing/2010/main" w="9525">
                     <a:solidFill>
                       <a:srgbClr val="000000"/>
                     </a:solidFill>
@@ -10535,7 +10543,7 @@
               </a:ln>
               <a:extLst>
                 <a:ext uri="{91240B29-F687-4f45-9708-019B960494DF}">
-                  <a14:hiddenLine xmlns:a14="http://schemas.microsoft.com/office/drawing/2010/main" xmlns="" w="9525">
+                  <a14:hiddenLine xmlns="" xmlns:a14="http://schemas.microsoft.com/office/drawing/2010/main" w="9525">
                     <a:solidFill>
                       <a:srgbClr val="000000"/>
                     </a:solidFill>
@@ -10597,7 +10605,7 @@
               </a:ln>
               <a:extLst>
                 <a:ext uri="{91240B29-F687-4f45-9708-019B960494DF}">
-                  <a14:hiddenLine xmlns:a14="http://schemas.microsoft.com/office/drawing/2010/main" xmlns="" w="9525">
+                  <a14:hiddenLine xmlns="" xmlns:a14="http://schemas.microsoft.com/office/drawing/2010/main" w="9525">
                     <a:solidFill>
                       <a:srgbClr val="000000"/>
                     </a:solidFill>
@@ -10687,7 +10695,7 @@
               </a:ln>
               <a:extLst>
                 <a:ext uri="{91240B29-F687-4f45-9708-019B960494DF}">
-                  <a14:hiddenLine xmlns:a14="http://schemas.microsoft.com/office/drawing/2010/main" xmlns="" w="9525">
+                  <a14:hiddenLine xmlns="" xmlns:a14="http://schemas.microsoft.com/office/drawing/2010/main" w="9525">
                     <a:solidFill>
                       <a:srgbClr val="000000"/>
                     </a:solidFill>
@@ -10752,7 +10760,7 @@
               </a:ln>
               <a:extLst>
                 <a:ext uri="{91240B29-F687-4f45-9708-019B960494DF}">
-                  <a14:hiddenLine xmlns:a14="http://schemas.microsoft.com/office/drawing/2010/main" xmlns="" w="9525">
+                  <a14:hiddenLine xmlns="" xmlns:a14="http://schemas.microsoft.com/office/drawing/2010/main" w="9525">
                     <a:solidFill>
                       <a:srgbClr val="000000"/>
                     </a:solidFill>
@@ -10814,7 +10822,7 @@
               </a:ln>
               <a:extLst>
                 <a:ext uri="{91240B29-F687-4f45-9708-019B960494DF}">
-                  <a14:hiddenLine xmlns:a14="http://schemas.microsoft.com/office/drawing/2010/main" xmlns="" w="9525">
+                  <a14:hiddenLine xmlns="" xmlns:a14="http://schemas.microsoft.com/office/drawing/2010/main" w="9525">
                     <a:solidFill>
                       <a:srgbClr val="000000"/>
                     </a:solidFill>
@@ -10904,7 +10912,7 @@
               </a:ln>
               <a:extLst>
                 <a:ext uri="{91240B29-F687-4f45-9708-019B960494DF}">
-                  <a14:hiddenLine xmlns:a14="http://schemas.microsoft.com/office/drawing/2010/main" xmlns="" w="9525">
+                  <a14:hiddenLine xmlns="" xmlns:a14="http://schemas.microsoft.com/office/drawing/2010/main" w="9525">
                     <a:solidFill>
                       <a:srgbClr val="000000"/>
                     </a:solidFill>
@@ -10994,7 +11002,7 @@
               </a:ln>
               <a:extLst>
                 <a:ext uri="{91240B29-F687-4f45-9708-019B960494DF}">
-                  <a14:hiddenLine xmlns:a14="http://schemas.microsoft.com/office/drawing/2010/main" xmlns="" w="9525">
+                  <a14:hiddenLine xmlns="" xmlns:a14="http://schemas.microsoft.com/office/drawing/2010/main" w="9525">
                     <a:solidFill>
                       <a:srgbClr val="000000"/>
                     </a:solidFill>
@@ -11059,7 +11067,7 @@
               </a:ln>
               <a:extLst>
                 <a:ext uri="{91240B29-F687-4f45-9708-019B960494DF}">
-                  <a14:hiddenLine xmlns:a14="http://schemas.microsoft.com/office/drawing/2010/main" xmlns="" w="9525">
+                  <a14:hiddenLine xmlns="" xmlns:a14="http://schemas.microsoft.com/office/drawing/2010/main" w="9525">
                     <a:solidFill>
                       <a:srgbClr val="000000"/>
                     </a:solidFill>
@@ -11179,7 +11187,7 @@
               </a:ln>
               <a:extLst>
                 <a:ext uri="{91240B29-F687-4f45-9708-019B960494DF}">
-                  <a14:hiddenLine xmlns:a14="http://schemas.microsoft.com/office/drawing/2010/main" xmlns="" w="9525">
+                  <a14:hiddenLine xmlns="" xmlns:a14="http://schemas.microsoft.com/office/drawing/2010/main" w="9525">
                     <a:solidFill>
                       <a:srgbClr val="000000"/>
                     </a:solidFill>
@@ -11277,7 +11285,7 @@
               </a:ln>
               <a:extLst>
                 <a:ext uri="{91240B29-F687-4f45-9708-019B960494DF}">
-                  <a14:hiddenLine xmlns:a14="http://schemas.microsoft.com/office/drawing/2010/main" xmlns="" w="9525">
+                  <a14:hiddenLine xmlns="" xmlns:a14="http://schemas.microsoft.com/office/drawing/2010/main" w="9525">
                     <a:solidFill>
                       <a:srgbClr val="000000"/>
                     </a:solidFill>
@@ -11392,7 +11400,7 @@
               </a:ln>
               <a:extLst>
                 <a:ext uri="{91240B29-F687-4f45-9708-019B960494DF}">
-                  <a14:hiddenLine xmlns:a14="http://schemas.microsoft.com/office/drawing/2010/main" xmlns="" w="9525">
+                  <a14:hiddenLine xmlns="" xmlns:a14="http://schemas.microsoft.com/office/drawing/2010/main" w="9525">
                     <a:solidFill>
                       <a:srgbClr val="000000"/>
                     </a:solidFill>
@@ -11482,7 +11490,7 @@
               </a:ln>
               <a:extLst>
                 <a:ext uri="{91240B29-F687-4f45-9708-019B960494DF}">
-                  <a14:hiddenLine xmlns:a14="http://schemas.microsoft.com/office/drawing/2010/main" xmlns="" w="9525">
+                  <a14:hiddenLine xmlns="" xmlns:a14="http://schemas.microsoft.com/office/drawing/2010/main" w="9525">
                     <a:solidFill>
                       <a:srgbClr val="000000"/>
                     </a:solidFill>
@@ -11547,7 +11555,7 @@
               </a:ln>
               <a:extLst>
                 <a:ext uri="{91240B29-F687-4f45-9708-019B960494DF}">
-                  <a14:hiddenLine xmlns:a14="http://schemas.microsoft.com/office/drawing/2010/main" xmlns="" w="9525">
+                  <a14:hiddenLine xmlns="" xmlns:a14="http://schemas.microsoft.com/office/drawing/2010/main" w="9525">
                     <a:solidFill>
                       <a:srgbClr val="000000"/>
                     </a:solidFill>
@@ -11637,7 +11645,7 @@
               </a:ln>
               <a:extLst>
                 <a:ext uri="{91240B29-F687-4f45-9708-019B960494DF}">
-                  <a14:hiddenLine xmlns:a14="http://schemas.microsoft.com/office/drawing/2010/main" xmlns="" w="9525">
+                  <a14:hiddenLine xmlns="" xmlns:a14="http://schemas.microsoft.com/office/drawing/2010/main" w="9525">
                     <a:solidFill>
                       <a:srgbClr val="000000"/>
                     </a:solidFill>
@@ -11705,7 +11713,7 @@
               </a:ln>
               <a:extLst>
                 <a:ext uri="{91240B29-F687-4f45-9708-019B960494DF}">
-                  <a14:hiddenLine xmlns:a14="http://schemas.microsoft.com/office/drawing/2010/main" xmlns="" w="9525">
+                  <a14:hiddenLine xmlns="" xmlns:a14="http://schemas.microsoft.com/office/drawing/2010/main" w="9525">
                     <a:solidFill>
                       <a:srgbClr val="000000"/>
                     </a:solidFill>
@@ -11795,7 +11803,7 @@
               </a:ln>
               <a:extLst>
                 <a:ext uri="{91240B29-F687-4f45-9708-019B960494DF}">
-                  <a14:hiddenLine xmlns:a14="http://schemas.microsoft.com/office/drawing/2010/main" xmlns="" w="9525">
+                  <a14:hiddenLine xmlns="" xmlns:a14="http://schemas.microsoft.com/office/drawing/2010/main" w="9525">
                     <a:solidFill>
                       <a:srgbClr val="000000"/>
                     </a:solidFill>
@@ -11863,7 +11871,7 @@
               </a:ln>
               <a:extLst>
                 <a:ext uri="{91240B29-F687-4f45-9708-019B960494DF}">
-                  <a14:hiddenLine xmlns:a14="http://schemas.microsoft.com/office/drawing/2010/main" xmlns="" w="9525">
+                  <a14:hiddenLine xmlns="" xmlns:a14="http://schemas.microsoft.com/office/drawing/2010/main" w="9525">
                     <a:solidFill>
                       <a:srgbClr val="000000"/>
                     </a:solidFill>
@@ -11953,7 +11961,7 @@
               </a:ln>
               <a:extLst>
                 <a:ext uri="{91240B29-F687-4f45-9708-019B960494DF}">
-                  <a14:hiddenLine xmlns:a14="http://schemas.microsoft.com/office/drawing/2010/main" xmlns="" w="9525">
+                  <a14:hiddenLine xmlns="" xmlns:a14="http://schemas.microsoft.com/office/drawing/2010/main" w="9525">
                     <a:solidFill>
                       <a:srgbClr val="000000"/>
                     </a:solidFill>
@@ -11987,7 +11995,7 @@
               </a:ln>
               <a:extLst>
                 <a:ext uri="{91240B29-F687-4f45-9708-019B960494DF}">
-                  <a14:hiddenLine xmlns:a14="http://schemas.microsoft.com/office/drawing/2010/main" xmlns="" w="9525">
+                  <a14:hiddenLine xmlns="" xmlns:a14="http://schemas.microsoft.com/office/drawing/2010/main" w="9525">
                     <a:solidFill>
                       <a:srgbClr val="000000"/>
                     </a:solidFill>
@@ -12127,7 +12135,7 @@
           <a:p>
             <a:fld id="{3CBC1C18-307B-4F68-A007-B5B542270E8D}" type="datetimeFigureOut">
               <a:rPr lang="en-US" smtClean="0"/>
-              <a:t>2/28/20</a:t>
+              <a:t>3/4/20</a:t>
             </a:fld>
             <a:endParaRPr lang="en-US" dirty="0"/>
           </a:p>
@@ -19285,7 +19293,240 @@
           <p:cNvPr id="2" name="Titel 1">
             <a:extLst>
               <a:ext uri="{FF2B5EF4-FFF2-40B4-BE49-F238E27FC236}">
-                <a16:creationId xmlns:a16="http://schemas.microsoft.com/office/drawing/2014/main" id="{0ABAC4F0-599E-C84B-BFD7-F0FDAD0E7B7E}"/>
+                <a16:creationId xmlns:a16="http://schemas.microsoft.com/office/drawing/2014/main" id="{13483147-9769-0E41-94C9-2CCFE1A50053}"/>
+              </a:ext>
+            </a:extLst>
+          </p:cNvPr>
+          <p:cNvSpPr>
+            <a:spLocks noGrp="1"/>
+          </p:cNvSpPr>
+          <p:nvPr>
+            <p:ph type="title"/>
+          </p:nvPr>
+        </p:nvSpPr>
+        <p:spPr/>
+        <p:txBody>
+          <a:bodyPr/>
+          <a:lstStyle/>
+          <a:p>
+            <a:r>
+              <a:rPr lang="de-DE" dirty="0"/>
+              <a:t>Anforderungen</a:t>
+            </a:r>
+          </a:p>
+        </p:txBody>
+      </p:sp>
+      <p:sp>
+        <p:nvSpPr>
+          <p:cNvPr id="3" name="Inhaltsplatzhalter 2">
+            <a:extLst>
+              <a:ext uri="{FF2B5EF4-FFF2-40B4-BE49-F238E27FC236}">
+                <a16:creationId xmlns:a16="http://schemas.microsoft.com/office/drawing/2014/main" id="{15A6195F-098E-9847-A2F2-E2E123E5D317}"/>
+              </a:ext>
+            </a:extLst>
+          </p:cNvPr>
+          <p:cNvSpPr>
+            <a:spLocks noGrp="1"/>
+          </p:cNvSpPr>
+          <p:nvPr>
+            <p:ph idx="1"/>
+          </p:nvPr>
+        </p:nvSpPr>
+        <p:spPr/>
+        <p:txBody>
+          <a:bodyPr/>
+          <a:lstStyle/>
+          <a:p>
+            <a:r>
+              <a:rPr lang="de-CH" dirty="0"/>
+              <a:t> Abgeleitet aus Spielidee und Spielregeln - was müssen Sie implementieren?</a:t>
+            </a:r>
+          </a:p>
+          <a:p>
+            <a:r>
+              <a:rPr lang="de-CH" dirty="0"/>
+              <a:t> Überlegen Sie sich, was der spezifische Kontext von Ihrem Spiel für Implikationen hat.</a:t>
+            </a:r>
+          </a:p>
+        </p:txBody>
+      </p:sp>
+    </p:spTree>
+    <p:extLst>
+      <p:ext uri="{BB962C8B-B14F-4D97-AF65-F5344CB8AC3E}">
+        <p14:creationId xmlns:p14="http://schemas.microsoft.com/office/powerpoint/2010/main" val="3436344350"/>
+      </p:ext>
+    </p:extLst>
+  </p:cSld>
+  <p:clrMapOvr>
+    <a:masterClrMapping/>
+  </p:clrMapOvr>
+</p:sld>
+</file>
+
+<file path=ppt/slides/slide18.xml><?xml version="1.0" encoding="utf-8"?>
+<p:sld xmlns:a="http://schemas.openxmlformats.org/drawingml/2006/main" xmlns:r="http://schemas.openxmlformats.org/officeDocument/2006/relationships" xmlns:p="http://schemas.openxmlformats.org/presentationml/2006/main">
+  <p:cSld>
+    <p:bg>
+      <p:bgPr>
+        <a:blipFill>
+          <a:blip r:embed="rId2">
+            <a:duotone>
+              <a:schemeClr val="bg2">
+                <a:shade val="88000"/>
+                <a:hueMod val="106000"/>
+                <a:satMod val="140000"/>
+                <a:lumMod val="54000"/>
+              </a:schemeClr>
+              <a:schemeClr val="bg2">
+                <a:tint val="98000"/>
+                <a:hueMod val="90000"/>
+                <a:satMod val="150000"/>
+                <a:lumMod val="160000"/>
+              </a:schemeClr>
+            </a:duotone>
+          </a:blip>
+          <a:stretch/>
+        </a:blipFill>
+        <a:effectLst/>
+      </p:bgPr>
+    </p:bg>
+    <p:spTree>
+      <p:nvGrpSpPr>
+        <p:cNvPr id="1" name=""/>
+        <p:cNvGrpSpPr/>
+        <p:nvPr/>
+      </p:nvGrpSpPr>
+      <p:grpSpPr>
+        <a:xfrm>
+          <a:off x="0" y="0"/>
+          <a:ext cx="0" cy="0"/>
+          <a:chOff x="0" y="0"/>
+          <a:chExt cx="0" cy="0"/>
+        </a:xfrm>
+      </p:grpSpPr>
+      <p:sp useBgFill="1">
+        <p:nvSpPr>
+          <p:cNvPr id="11" name="Rectangle 10">
+            <a:extLst>
+              <a:ext uri="{FF2B5EF4-FFF2-40B4-BE49-F238E27FC236}">
+                <a16:creationId xmlns:a16="http://schemas.microsoft.com/office/drawing/2014/main" id="{C2E4E997-8672-4FFD-B8EC-9932A8E4714B}"/>
+              </a:ext>
+              <a:ext uri="{C183D7F6-B498-43B3-948B-1728B52AA6E4}">
+                <adec:decorative xmlns:adec="http://schemas.microsoft.com/office/drawing/2017/decorative" val="1"/>
+              </a:ext>
+            </a:extLst>
+          </p:cNvPr>
+          <p:cNvSpPr>
+            <a:spLocks noGrp="1" noRot="1" noChangeAspect="1" noMove="1" noResize="1" noEditPoints="1" noAdjustHandles="1" noChangeArrowheads="1" noChangeShapeType="1" noTextEdit="1"/>
+          </p:cNvSpPr>
+          <p:nvPr>
+            <p:extLst>
+              <p:ext uri="{386F3935-93C4-4BCD-93E2-E3B085C9AB24}">
+                <p16:designElem xmlns:p16="http://schemas.microsoft.com/office/powerpoint/2015/main" val="1"/>
+              </p:ext>
+            </p:extLst>
+          </p:nvPr>
+        </p:nvSpPr>
+        <p:spPr>
+          <a:xfrm>
+            <a:off x="0" y="0"/>
+            <a:ext cx="12192000" cy="6858000"/>
+          </a:xfrm>
+          <a:prstGeom prst="rect">
+            <a:avLst/>
+          </a:prstGeom>
+          <a:ln>
+            <a:noFill/>
+          </a:ln>
+        </p:spPr>
+        <p:style>
+          <a:lnRef idx="2">
+            <a:schemeClr val="accent1">
+              <a:shade val="50000"/>
+            </a:schemeClr>
+          </a:lnRef>
+          <a:fillRef idx="1003">
+            <a:schemeClr val="dk2"/>
+          </a:fillRef>
+          <a:effectRef idx="0">
+            <a:schemeClr val="accent1"/>
+          </a:effectRef>
+          <a:fontRef idx="minor">
+            <a:schemeClr val="lt1"/>
+          </a:fontRef>
+        </p:style>
+        <p:txBody>
+          <a:bodyPr rtlCol="0" anchor="ctr"/>
+          <a:lstStyle/>
+          <a:p>
+            <a:pPr algn="ctr"/>
+            <a:endParaRPr lang="en-US"/>
+          </a:p>
+        </p:txBody>
+      </p:sp>
+      <p:pic>
+        <p:nvPicPr>
+          <p:cNvPr id="13" name="Picture 2">
+            <a:extLst>
+              <a:ext uri="{FF2B5EF4-FFF2-40B4-BE49-F238E27FC236}">
+                <a16:creationId xmlns:a16="http://schemas.microsoft.com/office/drawing/2014/main" id="{FE6BA9E6-1D9E-4D30-B528-D49FA1342E4E}"/>
+              </a:ext>
+              <a:ext uri="{C183D7F6-B498-43B3-948B-1728B52AA6E4}">
+                <adec:decorative xmlns:adec="http://schemas.microsoft.com/office/drawing/2017/decorative" val="1"/>
+              </a:ext>
+            </a:extLst>
+          </p:cNvPr>
+          <p:cNvPicPr>
+            <a:picLocks noGrp="1" noRot="1" noChangeAspect="1" noMove="1" noResize="1" noEditPoints="1" noAdjustHandles="1" noChangeArrowheads="1" noChangeShapeType="1" noCrop="1"/>
+          </p:cNvPicPr>
+          <p:nvPr>
+            <p:extLst>
+              <p:ext uri="{386F3935-93C4-4BCD-93E2-E3B085C9AB24}">
+                <p16:designElem xmlns:p16="http://schemas.microsoft.com/office/powerpoint/2015/main" val="1"/>
+              </p:ext>
+            </p:extLst>
+          </p:nvPr>
+        </p:nvPicPr>
+        <p:blipFill>
+          <a:blip r:embed="rId3">
+            <a:alphaModFix amt="30000"/>
+            <a:extLst>
+              <a:ext uri="{28A0092B-C50C-407E-A947-70E740481C1C}">
+                <a14:useLocalDpi xmlns:a14="http://schemas.microsoft.com/office/drawing/2010/main" val="0"/>
+              </a:ext>
+            </a:extLst>
+          </a:blip>
+          <a:srcRect/>
+          <a:stretch>
+            <a:fillRect/>
+          </a:stretch>
+        </p:blipFill>
+        <p:spPr bwMode="auto">
+          <a:xfrm>
+            <a:off x="0" y="0"/>
+            <a:ext cx="12192003" cy="6858001"/>
+          </a:xfrm>
+          <a:prstGeom prst="rect">
+            <a:avLst/>
+          </a:prstGeom>
+          <a:noFill/>
+          <a:extLst>
+            <a:ext uri="{909E8E84-426E-40dd-AFC4-6F175D3DCCD1}">
+              <a14:hiddenFill xmlns="" xmlns:a16="http://schemas.microsoft.com/office/drawing/2014/main" xmlns:p14="http://schemas.microsoft.com/office/powerpoint/2010/main" xmlns:a14="http://schemas.microsoft.com/office/drawing/2010/main">
+                <a:solidFill>
+                  <a:srgbClr val="FFFFFF"/>
+                </a:solidFill>
+              </a14:hiddenFill>
+            </a:ext>
+          </a:extLst>
+        </p:spPr>
+      </p:pic>
+      <p:sp>
+        <p:nvSpPr>
+          <p:cNvPr id="2" name="Titel 1">
+            <a:extLst>
+              <a:ext uri="{FF2B5EF4-FFF2-40B4-BE49-F238E27FC236}">
+                <a16:creationId xmlns:a16="http://schemas.microsoft.com/office/drawing/2014/main" id="{550EE1BD-8FD9-7040-9AFA-5DE9F0217D06}"/>
               </a:ext>
             </a:extLst>
           </p:cNvPr>
@@ -19298,8 +19539,8 @@
         </p:nvSpPr>
         <p:spPr>
           <a:xfrm>
-            <a:off x="4105330" y="2268643"/>
-            <a:ext cx="9905998" cy="1478570"/>
+            <a:off x="1141413" y="618518"/>
+            <a:ext cx="4459286" cy="1478570"/>
           </a:xfrm>
         </p:spPr>
         <p:txBody>
@@ -19309,16 +19550,2942 @@
           <a:lstStyle/>
           <a:p>
             <a:r>
-              <a:rPr lang="de-DE" sz="5400" dirty="0"/>
-              <a:t>Fragen?</a:t>
-            </a:r>
+              <a:rPr lang="de-DE" sz="3200" dirty="0"/>
+              <a:t>Client/</a:t>
+            </a:r>
+            <a:r>
+              <a:rPr lang="de-DE" sz="3200" dirty="0" err="1"/>
+              <a:t>server</a:t>
+            </a:r>
+            <a:endParaRPr lang="de-DE" sz="3200" dirty="0"/>
           </a:p>
         </p:txBody>
       </p:sp>
+      <p:sp>
+        <p:nvSpPr>
+          <p:cNvPr id="8" name="Content Placeholder 7">
+            <a:extLst>
+              <a:ext uri="{FF2B5EF4-FFF2-40B4-BE49-F238E27FC236}">
+                <a16:creationId xmlns:a16="http://schemas.microsoft.com/office/drawing/2014/main" id="{3577604E-385A-4019-AA5B-305EC0D0C00A}"/>
+              </a:ext>
+            </a:extLst>
+          </p:cNvPr>
+          <p:cNvSpPr>
+            <a:spLocks noGrp="1"/>
+          </p:cNvSpPr>
+          <p:nvPr>
+            <p:ph idx="1"/>
+          </p:nvPr>
+        </p:nvSpPr>
+        <p:spPr>
+          <a:xfrm>
+            <a:off x="1141412" y="2249487"/>
+            <a:ext cx="4459287" cy="3965046"/>
+          </a:xfrm>
+        </p:spPr>
+        <p:txBody>
+          <a:bodyPr>
+            <a:normAutofit fontScale="70000" lnSpcReduction="20000"/>
+          </a:bodyPr>
+          <a:lstStyle/>
+          <a:p>
+            <a:r>
+              <a:rPr lang="en-US" sz="2000" dirty="0"/>
+              <a:t>P2P - </a:t>
+            </a:r>
+            <a:r>
+              <a:rPr lang="en-US" sz="2000" dirty="0" err="1"/>
+              <a:t>Hier</a:t>
+            </a:r>
+            <a:r>
+              <a:rPr lang="en-US" sz="2000" dirty="0"/>
+              <a:t> </a:t>
+            </a:r>
+            <a:r>
+              <a:rPr lang="en-US" sz="2000" dirty="0" err="1"/>
+              <a:t>stellen</a:t>
+            </a:r>
+            <a:r>
+              <a:rPr lang="en-US" sz="2000" dirty="0"/>
+              <a:t> </a:t>
+            </a:r>
+            <a:r>
+              <a:rPr lang="en-US" sz="2000" dirty="0" err="1"/>
+              <a:t>Benutzer</a:t>
+            </a:r>
+            <a:r>
+              <a:rPr lang="en-US" sz="2000" dirty="0"/>
+              <a:t> </a:t>
+            </a:r>
+            <a:r>
+              <a:rPr lang="en-US" sz="2000" dirty="0" err="1"/>
+              <a:t>eine</a:t>
+            </a:r>
+            <a:r>
+              <a:rPr lang="en-US" sz="2000" dirty="0"/>
+              <a:t> </a:t>
+            </a:r>
+            <a:r>
+              <a:rPr lang="en-US" sz="2000" dirty="0" err="1"/>
+              <a:t>direkte</a:t>
+            </a:r>
+            <a:r>
+              <a:rPr lang="en-US" sz="2000" dirty="0"/>
+              <a:t> </a:t>
+            </a:r>
+            <a:r>
+              <a:rPr lang="en-US" sz="2000" dirty="0" err="1"/>
+              <a:t>Verbindung</a:t>
+            </a:r>
+            <a:r>
+              <a:rPr lang="en-US" sz="2000" dirty="0"/>
+              <a:t> her und </a:t>
+            </a:r>
+            <a:r>
+              <a:rPr lang="en-US" sz="2000" dirty="0" err="1"/>
+              <a:t>spielen</a:t>
+            </a:r>
+            <a:r>
+              <a:rPr lang="en-US" sz="2000" dirty="0"/>
+              <a:t> </a:t>
+            </a:r>
+            <a:r>
+              <a:rPr lang="en-US" sz="2000" dirty="0" err="1"/>
+              <a:t>direkt</a:t>
+            </a:r>
+            <a:r>
+              <a:rPr lang="en-US" sz="2000" dirty="0"/>
+              <a:t> </a:t>
+            </a:r>
+            <a:r>
+              <a:rPr lang="en-US" sz="2000" dirty="0" err="1"/>
+              <a:t>ohne</a:t>
+            </a:r>
+            <a:r>
+              <a:rPr lang="en-US" sz="2000" dirty="0"/>
+              <a:t> Server in der Mitte</a:t>
+            </a:r>
+          </a:p>
+          <a:p>
+            <a:r>
+              <a:rPr lang="en-US" sz="2000" dirty="0" err="1"/>
+              <a:t>Pluspunkte</a:t>
+            </a:r>
+            <a:r>
+              <a:rPr lang="en-US" sz="2000" dirty="0"/>
+              <a:t>:</a:t>
+            </a:r>
+          </a:p>
+          <a:p>
+            <a:r>
+              <a:rPr lang="en-US" sz="2000" dirty="0"/>
+              <a:t>Die </a:t>
+            </a:r>
+            <a:r>
+              <a:rPr lang="en-US" sz="2000" dirty="0" err="1"/>
+              <a:t>Spieler</a:t>
+            </a:r>
+            <a:r>
+              <a:rPr lang="en-US" sz="2000" dirty="0"/>
+              <a:t> </a:t>
+            </a:r>
+            <a:r>
+              <a:rPr lang="en-US" sz="2000" dirty="0" err="1"/>
+              <a:t>spielen</a:t>
+            </a:r>
+            <a:r>
+              <a:rPr lang="en-US" sz="2000" dirty="0"/>
+              <a:t> </a:t>
+            </a:r>
+            <a:r>
+              <a:rPr lang="en-US" sz="2000" dirty="0" err="1"/>
+              <a:t>direkt</a:t>
+            </a:r>
+            <a:r>
+              <a:rPr lang="en-US" sz="2000" dirty="0"/>
+              <a:t> und Sie </a:t>
+            </a:r>
+            <a:r>
+              <a:rPr lang="en-US" sz="2000" dirty="0" err="1"/>
+              <a:t>müssen</a:t>
+            </a:r>
+            <a:r>
+              <a:rPr lang="en-US" sz="2000" dirty="0"/>
+              <a:t> </a:t>
+            </a:r>
+            <a:r>
+              <a:rPr lang="en-US" sz="2000" dirty="0" err="1"/>
+              <a:t>sich</a:t>
+            </a:r>
+            <a:r>
+              <a:rPr lang="en-US" sz="2000" dirty="0"/>
+              <a:t> </a:t>
+            </a:r>
+            <a:r>
+              <a:rPr lang="en-US" sz="2000" dirty="0" err="1"/>
+              <a:t>keine</a:t>
+            </a:r>
+            <a:r>
+              <a:rPr lang="en-US" sz="2000" dirty="0"/>
+              <a:t> </a:t>
+            </a:r>
+            <a:r>
+              <a:rPr lang="en-US" sz="2000" dirty="0" err="1"/>
+              <a:t>Gedanken</a:t>
+            </a:r>
+            <a:r>
+              <a:rPr lang="en-US" sz="2000" dirty="0"/>
+              <a:t> </a:t>
+            </a:r>
+            <a:r>
+              <a:rPr lang="en-US" sz="2000" dirty="0" err="1"/>
+              <a:t>über</a:t>
+            </a:r>
+            <a:r>
+              <a:rPr lang="en-US" sz="2000" dirty="0"/>
+              <a:t> den Hosting-Server und </a:t>
+            </a:r>
+            <a:r>
+              <a:rPr lang="en-US" sz="2000" dirty="0" err="1"/>
+              <a:t>alle</a:t>
+            </a:r>
+            <a:r>
+              <a:rPr lang="en-US" sz="2000" dirty="0"/>
+              <a:t> </a:t>
+            </a:r>
+            <a:r>
+              <a:rPr lang="en-US" sz="2000" dirty="0" err="1"/>
+              <a:t>damit</a:t>
+            </a:r>
+            <a:r>
+              <a:rPr lang="en-US" sz="2000" dirty="0"/>
+              <a:t> </a:t>
+            </a:r>
+            <a:r>
+              <a:rPr lang="en-US" sz="2000" dirty="0" err="1"/>
+              <a:t>verbundenen</a:t>
+            </a:r>
+            <a:r>
+              <a:rPr lang="en-US" sz="2000" dirty="0"/>
+              <a:t> </a:t>
+            </a:r>
+            <a:r>
+              <a:rPr lang="en-US" sz="2000" dirty="0" err="1"/>
+              <a:t>Probleme</a:t>
+            </a:r>
+            <a:r>
+              <a:rPr lang="en-US" sz="2000" dirty="0"/>
+              <a:t> </a:t>
+            </a:r>
+            <a:r>
+              <a:rPr lang="en-US" sz="2000" dirty="0" err="1"/>
+              <a:t>machen</a:t>
+            </a:r>
+            <a:endParaRPr lang="en-US" sz="2000" dirty="0"/>
+          </a:p>
+          <a:p>
+            <a:r>
+              <a:rPr lang="en-US" sz="2000" dirty="0" err="1"/>
+              <a:t>Minuspunkte</a:t>
+            </a:r>
+            <a:r>
+              <a:rPr lang="en-US" sz="2000" dirty="0"/>
+              <a:t>:</a:t>
+            </a:r>
+          </a:p>
+          <a:p>
+            <a:r>
+              <a:rPr lang="en-US" sz="2000" dirty="0"/>
+              <a:t>P2P-Spiele </a:t>
+            </a:r>
+            <a:r>
+              <a:rPr lang="en-US" sz="2000" dirty="0" err="1"/>
+              <a:t>sind</a:t>
+            </a:r>
+            <a:r>
+              <a:rPr lang="en-US" sz="2000" dirty="0"/>
+              <a:t> </a:t>
+            </a:r>
+            <a:r>
+              <a:rPr lang="en-US" sz="2000" dirty="0" err="1"/>
+              <a:t>anfälliger</a:t>
+            </a:r>
+            <a:r>
+              <a:rPr lang="en-US" sz="2000" dirty="0"/>
+              <a:t> </a:t>
+            </a:r>
+            <a:r>
+              <a:rPr lang="en-US" sz="2000" dirty="0" err="1"/>
+              <a:t>für</a:t>
+            </a:r>
+            <a:r>
+              <a:rPr lang="en-US" sz="2000" dirty="0"/>
+              <a:t> </a:t>
+            </a:r>
+            <a:r>
+              <a:rPr lang="en-US" sz="2000" dirty="0" err="1"/>
+              <a:t>Betrug</a:t>
+            </a:r>
+            <a:endParaRPr lang="en-US" sz="2000" dirty="0"/>
+          </a:p>
+          <a:p>
+            <a:r>
+              <a:rPr lang="en-US" sz="2000" dirty="0" err="1"/>
+              <a:t>Einer</a:t>
+            </a:r>
+            <a:r>
+              <a:rPr lang="en-US" sz="2000" dirty="0"/>
+              <a:t> der </a:t>
+            </a:r>
+            <a:r>
+              <a:rPr lang="en-US" sz="2000" dirty="0" err="1"/>
+              <a:t>Spieler</a:t>
+            </a:r>
+            <a:r>
+              <a:rPr lang="en-US" sz="2000" dirty="0"/>
+              <a:t>, der </a:t>
+            </a:r>
+            <a:r>
+              <a:rPr lang="en-US" sz="2000" dirty="0" err="1"/>
+              <a:t>zufällig</a:t>
+            </a:r>
+            <a:r>
+              <a:rPr lang="en-US" sz="2000" dirty="0"/>
+              <a:t> </a:t>
+            </a:r>
+            <a:r>
+              <a:rPr lang="en-US" sz="2000" dirty="0" err="1"/>
+              <a:t>als</a:t>
+            </a:r>
+            <a:r>
+              <a:rPr lang="en-US" sz="2000" dirty="0"/>
+              <a:t> Server </a:t>
+            </a:r>
+            <a:r>
+              <a:rPr lang="en-US" sz="2000" dirty="0" err="1"/>
+              <a:t>ausgewählt</a:t>
+            </a:r>
+            <a:r>
+              <a:rPr lang="en-US" sz="2000" dirty="0"/>
+              <a:t> </a:t>
+            </a:r>
+            <a:r>
+              <a:rPr lang="en-US" sz="2000" dirty="0" err="1"/>
+              <a:t>wird</a:t>
+            </a:r>
+            <a:r>
+              <a:rPr lang="en-US" sz="2000" dirty="0"/>
+              <a:t>, muss </a:t>
+            </a:r>
+            <a:r>
+              <a:rPr lang="en-US" sz="2000" dirty="0" err="1"/>
+              <a:t>zusätzliche</a:t>
+            </a:r>
+            <a:r>
+              <a:rPr lang="en-US" sz="2000" dirty="0"/>
+              <a:t> </a:t>
+            </a:r>
+            <a:r>
+              <a:rPr lang="en-US" sz="2000" dirty="0" err="1"/>
+              <a:t>Leistung</a:t>
+            </a:r>
+            <a:r>
+              <a:rPr lang="en-US" sz="2000" dirty="0"/>
+              <a:t> </a:t>
+            </a:r>
+            <a:r>
+              <a:rPr lang="en-US" sz="2000" dirty="0" err="1"/>
+              <a:t>für</a:t>
+            </a:r>
+            <a:r>
+              <a:rPr lang="en-US" sz="2000" dirty="0"/>
+              <a:t> die </a:t>
+            </a:r>
+            <a:r>
+              <a:rPr lang="en-US" sz="2000" dirty="0" err="1"/>
+              <a:t>Handhabung</a:t>
+            </a:r>
+            <a:r>
+              <a:rPr lang="en-US" sz="2000" dirty="0"/>
+              <a:t> der </a:t>
+            </a:r>
+            <a:r>
+              <a:rPr lang="en-US" sz="2000" dirty="0" err="1"/>
+              <a:t>Serverlogik</a:t>
+            </a:r>
+            <a:r>
+              <a:rPr lang="en-US" sz="2000" dirty="0"/>
+              <a:t> </a:t>
+            </a:r>
+            <a:r>
+              <a:rPr lang="en-US" sz="2000" dirty="0" err="1"/>
+              <a:t>bereitstellen</a:t>
+            </a:r>
+            <a:endParaRPr lang="en-US" sz="2000" dirty="0"/>
+          </a:p>
+          <a:p>
+            <a:r>
+              <a:rPr lang="en-US" sz="2000" dirty="0"/>
+              <a:t>Es </a:t>
+            </a:r>
+            <a:r>
+              <a:rPr lang="en-US" sz="2000" dirty="0" err="1"/>
+              <a:t>ist</a:t>
+            </a:r>
+            <a:r>
+              <a:rPr lang="en-US" sz="2000" dirty="0"/>
+              <a:t> </a:t>
+            </a:r>
+            <a:r>
+              <a:rPr lang="en-US" sz="2000" dirty="0" err="1"/>
+              <a:t>viel</a:t>
+            </a:r>
+            <a:r>
+              <a:rPr lang="en-US" sz="2000" dirty="0"/>
+              <a:t> </a:t>
+            </a:r>
+            <a:r>
+              <a:rPr lang="en-US" sz="2000" dirty="0" err="1"/>
+              <a:t>schwieriger</a:t>
+            </a:r>
+            <a:r>
+              <a:rPr lang="en-US" sz="2000" dirty="0"/>
+              <a:t>, 2 </a:t>
+            </a:r>
+            <a:r>
+              <a:rPr lang="en-US" sz="2000" dirty="0" err="1"/>
+              <a:t>Spieler</a:t>
+            </a:r>
+            <a:r>
+              <a:rPr lang="en-US" sz="2000" dirty="0"/>
+              <a:t> </a:t>
+            </a:r>
+            <a:r>
+              <a:rPr lang="en-US" sz="2000" dirty="0" err="1"/>
+              <a:t>direkt</a:t>
+            </a:r>
+            <a:r>
+              <a:rPr lang="en-US" sz="2000" dirty="0"/>
+              <a:t> </a:t>
+            </a:r>
+            <a:r>
+              <a:rPr lang="en-US" sz="2000" dirty="0" err="1"/>
+              <a:t>zu</a:t>
+            </a:r>
+            <a:r>
+              <a:rPr lang="en-US" sz="2000" dirty="0"/>
+              <a:t> </a:t>
+            </a:r>
+            <a:r>
+              <a:rPr lang="en-US" sz="2000" dirty="0" err="1"/>
+              <a:t>verbinden</a:t>
+            </a:r>
+            <a:r>
+              <a:rPr lang="en-US" sz="2000" dirty="0"/>
+              <a:t>, da Router und Ports </a:t>
+            </a:r>
+            <a:r>
+              <a:rPr lang="en-US" sz="2000" dirty="0" err="1"/>
+              <a:t>weitergeleitet</a:t>
+            </a:r>
+            <a:r>
+              <a:rPr lang="en-US" sz="2000" dirty="0"/>
+              <a:t> </a:t>
+            </a:r>
+            <a:r>
+              <a:rPr lang="en-US" sz="2000" dirty="0" err="1"/>
+              <a:t>werden</a:t>
+            </a:r>
+            <a:endParaRPr lang="en-US" sz="2000" dirty="0"/>
+          </a:p>
+        </p:txBody>
+      </p:sp>
+      <p:pic>
+        <p:nvPicPr>
+          <p:cNvPr id="4" name="Picture 4">
+            <a:extLst>
+              <a:ext uri="{FF2B5EF4-FFF2-40B4-BE49-F238E27FC236}">
+                <a16:creationId xmlns:a16="http://schemas.microsoft.com/office/drawing/2014/main" id="{B93665CC-7C29-9E4F-9B91-E847E2D322B0}"/>
+              </a:ext>
+            </a:extLst>
+          </p:cNvPr>
+          <p:cNvPicPr>
+            <a:picLocks noChangeAspect="1" noChangeArrowheads="1"/>
+          </p:cNvPicPr>
+          <p:nvPr/>
+        </p:nvPicPr>
+        <p:blipFill>
+          <a:blip r:embed="rId4">
+            <a:extLst>
+              <a:ext uri="{28A0092B-C50C-407E-A947-70E740481C1C}">
+                <a14:useLocalDpi xmlns:a14="http://schemas.microsoft.com/office/drawing/2010/main" val="0"/>
+              </a:ext>
+            </a:extLst>
+          </a:blip>
+          <a:stretch>
+            <a:fillRect/>
+          </a:stretch>
+        </p:blipFill>
+        <p:spPr>
+          <a:xfrm>
+            <a:off x="6096000" y="1582791"/>
+            <a:ext cx="5456279" cy="3667469"/>
+          </a:xfrm>
+          <a:prstGeom prst="round2DiagRect">
+            <a:avLst>
+              <a:gd name="adj1" fmla="val 5608"/>
+              <a:gd name="adj2" fmla="val 0"/>
+            </a:avLst>
+          </a:prstGeom>
+          <a:noFill/>
+          <a:ln w="19050" cap="sq">
+            <a:solidFill>
+              <a:schemeClr val="tx2">
+                <a:lumMod val="60000"/>
+                <a:lumOff val="40000"/>
+                <a:alpha val="60000"/>
+              </a:schemeClr>
+            </a:solidFill>
+            <a:miter lim="800000"/>
+          </a:ln>
+          <a:effectLst>
+            <a:outerShdw blurRad="88900" dist="38100" dir="5400000" algn="t" rotWithShape="0">
+              <a:prstClr val="black">
+                <a:alpha val="40000"/>
+              </a:prstClr>
+            </a:outerShdw>
+          </a:effectLst>
+        </p:spPr>
+      </p:pic>
+      <p:grpSp>
+        <p:nvGrpSpPr>
+          <p:cNvPr id="15" name="Group 14">
+            <a:extLst>
+              <a:ext uri="{FF2B5EF4-FFF2-40B4-BE49-F238E27FC236}">
+                <a16:creationId xmlns:a16="http://schemas.microsoft.com/office/drawing/2014/main" id="{453E4DEE-E996-40F8-8635-0FF43D7348F9}"/>
+              </a:ext>
+              <a:ext uri="{C183D7F6-B498-43B3-948B-1728B52AA6E4}">
+                <adec:decorative xmlns:adec="http://schemas.microsoft.com/office/drawing/2017/decorative" val="1"/>
+              </a:ext>
+            </a:extLst>
+          </p:cNvPr>
+          <p:cNvGrpSpPr>
+            <a:grpSpLocks noGrp="1" noUngrp="1" noRot="1" noChangeAspect="1" noMove="1" noResize="1"/>
+          </p:cNvGrpSpPr>
+          <p:nvPr>
+            <p:extLst>
+              <p:ext uri="{386F3935-93C4-4BCD-93E2-E3B085C9AB24}">
+                <p16:designElem xmlns:p16="http://schemas.microsoft.com/office/powerpoint/2015/main" val="1"/>
+              </p:ext>
+            </p:extLst>
+          </p:nvPr>
+        </p:nvGrpSpPr>
+        <p:grpSpPr>
+          <a:xfrm>
+            <a:off x="0" y="0"/>
+            <a:ext cx="1220788" cy="6858001"/>
+            <a:chOff x="-14288" y="0"/>
+            <a:chExt cx="1220788" cy="6858001"/>
+          </a:xfrm>
+          <a:gradFill flip="none" rotWithShape="1">
+            <a:gsLst>
+              <a:gs pos="0">
+                <a:schemeClr val="tx2"/>
+              </a:gs>
+              <a:gs pos="100000">
+                <a:schemeClr val="bg2">
+                  <a:lumMod val="60000"/>
+                  <a:lumOff val="40000"/>
+                </a:schemeClr>
+              </a:gs>
+            </a:gsLst>
+            <a:lin ang="5400000" scaled="0"/>
+            <a:tileRect/>
+          </a:gradFill>
+        </p:grpSpPr>
+        <p:sp>
+          <p:nvSpPr>
+            <p:cNvPr id="16" name="Rectangle 5">
+              <a:extLst>
+                <a:ext uri="{FF2B5EF4-FFF2-40B4-BE49-F238E27FC236}">
+                  <a16:creationId xmlns:a16="http://schemas.microsoft.com/office/drawing/2014/main" id="{08BD1D3E-43CE-49EB-A424-0738950C6424}"/>
+                </a:ext>
+                <a:ext uri="{C183D7F6-B498-43B3-948B-1728B52AA6E4}">
+                  <adec:decorative xmlns:adec="http://schemas.microsoft.com/office/drawing/2017/decorative" val="1"/>
+                </a:ext>
+              </a:extLst>
+            </p:cNvPr>
+            <p:cNvSpPr>
+              <a:spLocks noChangeArrowheads="1"/>
+            </p:cNvSpPr>
+            <p:nvPr>
+              <p:extLst>
+                <p:ext uri="{386F3935-93C4-4BCD-93E2-E3B085C9AB24}">
+                  <p16:designElem xmlns:p16="http://schemas.microsoft.com/office/powerpoint/2015/main" val="1"/>
+                </p:ext>
+              </p:extLst>
+            </p:nvPr>
+          </p:nvSpPr>
+          <p:spPr bwMode="auto">
+            <a:xfrm>
+              <a:off x="114300" y="4763"/>
+              <a:ext cx="23813" cy="2181225"/>
+            </a:xfrm>
+            <a:prstGeom prst="rect">
+              <a:avLst/>
+            </a:prstGeom>
+            <a:grpFill/>
+            <a:ln>
+              <a:noFill/>
+            </a:ln>
+            <a:extLst>
+              <a:ext uri="{91240B29-F687-4f45-9708-019B960494DF}">
+                <a14:hiddenLine xmlns="" xmlns:a16="http://schemas.microsoft.com/office/drawing/2014/main" xmlns:p14="http://schemas.microsoft.com/office/powerpoint/2010/main" xmlns:a14="http://schemas.microsoft.com/office/drawing/2010/main" w="9525">
+                  <a:solidFill>
+                    <a:srgbClr val="000000"/>
+                  </a:solidFill>
+                  <a:miter lim="800000"/>
+                  <a:headEnd/>
+                  <a:tailEnd/>
+                </a14:hiddenLine>
+              </a:ext>
+            </a:extLst>
+          </p:spPr>
+        </p:sp>
+        <p:sp>
+          <p:nvSpPr>
+            <p:cNvPr id="17" name="Freeform 6">
+              <a:extLst>
+                <a:ext uri="{FF2B5EF4-FFF2-40B4-BE49-F238E27FC236}">
+                  <a16:creationId xmlns:a16="http://schemas.microsoft.com/office/drawing/2014/main" id="{E9182037-E3FA-489A-95D5-29E4248420D8}"/>
+                </a:ext>
+                <a:ext uri="{C183D7F6-B498-43B3-948B-1728B52AA6E4}">
+                  <adec:decorative xmlns:adec="http://schemas.microsoft.com/office/drawing/2017/decorative" val="1"/>
+                </a:ext>
+              </a:extLst>
+            </p:cNvPr>
+            <p:cNvSpPr>
+              <a:spLocks noEditPoints="1"/>
+            </p:cNvSpPr>
+            <p:nvPr>
+              <p:extLst>
+                <p:ext uri="{386F3935-93C4-4BCD-93E2-E3B085C9AB24}">
+                  <p16:designElem xmlns:p16="http://schemas.microsoft.com/office/powerpoint/2015/main" val="1"/>
+                </p:ext>
+              </p:extLst>
+            </p:nvPr>
+          </p:nvSpPr>
+          <p:spPr bwMode="auto">
+            <a:xfrm>
+              <a:off x="33337" y="2176463"/>
+              <a:ext cx="190500" cy="190500"/>
+            </a:xfrm>
+            <a:custGeom>
+              <a:avLst/>
+              <a:gdLst/>
+              <a:ahLst/>
+              <a:cxnLst/>
+              <a:rect l="0" t="0" r="r" b="b"/>
+              <a:pathLst>
+                <a:path w="40" h="40">
+                  <a:moveTo>
+                    <a:pt x="20" y="40"/>
+                  </a:moveTo>
+                  <a:cubicBezTo>
+                    <a:pt x="9" y="40"/>
+                    <a:pt x="0" y="31"/>
+                    <a:pt x="0" y="20"/>
+                  </a:cubicBezTo>
+                  <a:cubicBezTo>
+                    <a:pt x="0" y="9"/>
+                    <a:pt x="9" y="0"/>
+                    <a:pt x="20" y="0"/>
+                  </a:cubicBezTo>
+                  <a:cubicBezTo>
+                    <a:pt x="31" y="0"/>
+                    <a:pt x="40" y="9"/>
+                    <a:pt x="40" y="20"/>
+                  </a:cubicBezTo>
+                  <a:cubicBezTo>
+                    <a:pt x="40" y="31"/>
+                    <a:pt x="31" y="40"/>
+                    <a:pt x="20" y="40"/>
+                  </a:cubicBezTo>
+                  <a:close/>
+                  <a:moveTo>
+                    <a:pt x="20" y="4"/>
+                  </a:moveTo>
+                  <a:cubicBezTo>
+                    <a:pt x="11" y="4"/>
+                    <a:pt x="4" y="11"/>
+                    <a:pt x="4" y="20"/>
+                  </a:cubicBezTo>
+                  <a:cubicBezTo>
+                    <a:pt x="4" y="29"/>
+                    <a:pt x="11" y="36"/>
+                    <a:pt x="20" y="36"/>
+                  </a:cubicBezTo>
+                  <a:cubicBezTo>
+                    <a:pt x="28" y="36"/>
+                    <a:pt x="36" y="29"/>
+                    <a:pt x="36" y="20"/>
+                  </a:cubicBezTo>
+                  <a:cubicBezTo>
+                    <a:pt x="36" y="11"/>
+                    <a:pt x="28" y="4"/>
+                    <a:pt x="20" y="4"/>
+                  </a:cubicBezTo>
+                  <a:close/>
+                </a:path>
+              </a:pathLst>
+            </a:custGeom>
+            <a:grpFill/>
+            <a:ln>
+              <a:noFill/>
+            </a:ln>
+            <a:extLst>
+              <a:ext uri="{91240B29-F687-4f45-9708-019B960494DF}">
+                <a14:hiddenLine xmlns="" xmlns:a16="http://schemas.microsoft.com/office/drawing/2014/main" xmlns:p14="http://schemas.microsoft.com/office/powerpoint/2010/main" xmlns:a14="http://schemas.microsoft.com/office/drawing/2010/main" w="9525">
+                  <a:solidFill>
+                    <a:srgbClr val="000000"/>
+                  </a:solidFill>
+                  <a:round/>
+                  <a:headEnd/>
+                  <a:tailEnd/>
+                </a14:hiddenLine>
+              </a:ext>
+            </a:extLst>
+          </p:spPr>
+        </p:sp>
+        <p:sp>
+          <p:nvSpPr>
+            <p:cNvPr id="18" name="Freeform 7">
+              <a:extLst>
+                <a:ext uri="{FF2B5EF4-FFF2-40B4-BE49-F238E27FC236}">
+                  <a16:creationId xmlns:a16="http://schemas.microsoft.com/office/drawing/2014/main" id="{E8864E76-AD7F-4BEE-B3F6-A78FA42AEFAC}"/>
+                </a:ext>
+                <a:ext uri="{C183D7F6-B498-43B3-948B-1728B52AA6E4}">
+                  <adec:decorative xmlns:adec="http://schemas.microsoft.com/office/drawing/2017/decorative" val="1"/>
+                </a:ext>
+              </a:extLst>
+            </p:cNvPr>
+            <p:cNvSpPr>
+              <a:spLocks noEditPoints="1"/>
+            </p:cNvSpPr>
+            <p:nvPr>
+              <p:extLst>
+                <p:ext uri="{386F3935-93C4-4BCD-93E2-E3B085C9AB24}">
+                  <p16:designElem xmlns:p16="http://schemas.microsoft.com/office/powerpoint/2015/main" val="1"/>
+                </p:ext>
+              </p:extLst>
+            </p:nvPr>
+          </p:nvSpPr>
+          <p:spPr bwMode="auto">
+            <a:xfrm>
+              <a:off x="28575" y="4021138"/>
+              <a:ext cx="190500" cy="188913"/>
+            </a:xfrm>
+            <a:custGeom>
+              <a:avLst/>
+              <a:gdLst/>
+              <a:ahLst/>
+              <a:cxnLst/>
+              <a:rect l="0" t="0" r="r" b="b"/>
+              <a:pathLst>
+                <a:path w="40" h="40">
+                  <a:moveTo>
+                    <a:pt x="20" y="40"/>
+                  </a:moveTo>
+                  <a:cubicBezTo>
+                    <a:pt x="9" y="40"/>
+                    <a:pt x="0" y="31"/>
+                    <a:pt x="0" y="20"/>
+                  </a:cubicBezTo>
+                  <a:cubicBezTo>
+                    <a:pt x="0" y="9"/>
+                    <a:pt x="9" y="0"/>
+                    <a:pt x="20" y="0"/>
+                  </a:cubicBezTo>
+                  <a:cubicBezTo>
+                    <a:pt x="31" y="0"/>
+                    <a:pt x="40" y="9"/>
+                    <a:pt x="40" y="20"/>
+                  </a:cubicBezTo>
+                  <a:cubicBezTo>
+                    <a:pt x="40" y="31"/>
+                    <a:pt x="31" y="40"/>
+                    <a:pt x="20" y="40"/>
+                  </a:cubicBezTo>
+                  <a:close/>
+                  <a:moveTo>
+                    <a:pt x="20" y="4"/>
+                  </a:moveTo>
+                  <a:cubicBezTo>
+                    <a:pt x="12" y="4"/>
+                    <a:pt x="4" y="11"/>
+                    <a:pt x="4" y="20"/>
+                  </a:cubicBezTo>
+                  <a:cubicBezTo>
+                    <a:pt x="4" y="29"/>
+                    <a:pt x="12" y="36"/>
+                    <a:pt x="20" y="36"/>
+                  </a:cubicBezTo>
+                  <a:cubicBezTo>
+                    <a:pt x="29" y="36"/>
+                    <a:pt x="36" y="29"/>
+                    <a:pt x="36" y="20"/>
+                  </a:cubicBezTo>
+                  <a:cubicBezTo>
+                    <a:pt x="36" y="11"/>
+                    <a:pt x="29" y="4"/>
+                    <a:pt x="20" y="4"/>
+                  </a:cubicBezTo>
+                  <a:close/>
+                </a:path>
+              </a:pathLst>
+            </a:custGeom>
+            <a:grpFill/>
+            <a:ln>
+              <a:noFill/>
+            </a:ln>
+            <a:extLst>
+              <a:ext uri="{91240B29-F687-4f45-9708-019B960494DF}">
+                <a14:hiddenLine xmlns="" xmlns:a16="http://schemas.microsoft.com/office/drawing/2014/main" xmlns:p14="http://schemas.microsoft.com/office/powerpoint/2010/main" xmlns:a14="http://schemas.microsoft.com/office/drawing/2010/main" w="9525">
+                  <a:solidFill>
+                    <a:srgbClr val="000000"/>
+                  </a:solidFill>
+                  <a:round/>
+                  <a:headEnd/>
+                  <a:tailEnd/>
+                </a14:hiddenLine>
+              </a:ext>
+            </a:extLst>
+          </p:spPr>
+        </p:sp>
+        <p:sp>
+          <p:nvSpPr>
+            <p:cNvPr id="19" name="Freeform 8">
+              <a:extLst>
+                <a:ext uri="{FF2B5EF4-FFF2-40B4-BE49-F238E27FC236}">
+                  <a16:creationId xmlns:a16="http://schemas.microsoft.com/office/drawing/2014/main" id="{8AD071B3-046D-4479-91FE-01E9AD7C8AAB}"/>
+                </a:ext>
+                <a:ext uri="{C183D7F6-B498-43B3-948B-1728B52AA6E4}">
+                  <adec:decorative xmlns:adec="http://schemas.microsoft.com/office/drawing/2017/decorative" val="1"/>
+                </a:ext>
+              </a:extLst>
+            </p:cNvPr>
+            <p:cNvSpPr/>
+            <p:nvPr>
+              <p:extLst>
+                <p:ext uri="{386F3935-93C4-4BCD-93E2-E3B085C9AB24}">
+                  <p16:designElem xmlns:p16="http://schemas.microsoft.com/office/powerpoint/2015/main" val="1"/>
+                </p:ext>
+              </p:extLst>
+            </p:nvPr>
+          </p:nvSpPr>
+          <p:spPr bwMode="auto">
+            <a:xfrm>
+              <a:off x="200025" y="4763"/>
+              <a:ext cx="369888" cy="1811338"/>
+            </a:xfrm>
+            <a:custGeom>
+              <a:avLst/>
+              <a:gdLst/>
+              <a:ahLst/>
+              <a:cxnLst/>
+              <a:rect l="0" t="0" r="r" b="b"/>
+              <a:pathLst>
+                <a:path w="233" h="1141">
+                  <a:moveTo>
+                    <a:pt x="218" y="1141"/>
+                  </a:moveTo>
+                  <a:lnTo>
+                    <a:pt x="0" y="626"/>
+                  </a:lnTo>
+                  <a:lnTo>
+                    <a:pt x="0" y="0"/>
+                  </a:lnTo>
+                  <a:lnTo>
+                    <a:pt x="15" y="0"/>
+                  </a:lnTo>
+                  <a:lnTo>
+                    <a:pt x="15" y="623"/>
+                  </a:lnTo>
+                  <a:lnTo>
+                    <a:pt x="233" y="1135"/>
+                  </a:lnTo>
+                  <a:lnTo>
+                    <a:pt x="218" y="1141"/>
+                  </a:lnTo>
+                  <a:close/>
+                </a:path>
+              </a:pathLst>
+            </a:custGeom>
+            <a:grpFill/>
+            <a:ln>
+              <a:noFill/>
+            </a:ln>
+            <a:extLst>
+              <a:ext uri="{91240B29-F687-4f45-9708-019B960494DF}">
+                <a14:hiddenLine xmlns="" xmlns:a16="http://schemas.microsoft.com/office/drawing/2014/main" xmlns:p14="http://schemas.microsoft.com/office/powerpoint/2010/main" xmlns:a14="http://schemas.microsoft.com/office/drawing/2010/main" w="9525">
+                  <a:solidFill>
+                    <a:srgbClr val="000000"/>
+                  </a:solidFill>
+                  <a:round/>
+                  <a:headEnd/>
+                  <a:tailEnd/>
+                </a14:hiddenLine>
+              </a:ext>
+            </a:extLst>
+          </p:spPr>
+        </p:sp>
+        <p:sp>
+          <p:nvSpPr>
+            <p:cNvPr id="20" name="Freeform 9">
+              <a:extLst>
+                <a:ext uri="{FF2B5EF4-FFF2-40B4-BE49-F238E27FC236}">
+                  <a16:creationId xmlns:a16="http://schemas.microsoft.com/office/drawing/2014/main" id="{91D776F5-E902-4A4D-A75D-A46E063C9F38}"/>
+                </a:ext>
+                <a:ext uri="{C183D7F6-B498-43B3-948B-1728B52AA6E4}">
+                  <adec:decorative xmlns:adec="http://schemas.microsoft.com/office/drawing/2017/decorative" val="1"/>
+                </a:ext>
+              </a:extLst>
+            </p:cNvPr>
+            <p:cNvSpPr>
+              <a:spLocks noEditPoints="1"/>
+            </p:cNvSpPr>
+            <p:nvPr>
+              <p:extLst>
+                <p:ext uri="{386F3935-93C4-4BCD-93E2-E3B085C9AB24}">
+                  <p16:designElem xmlns:p16="http://schemas.microsoft.com/office/powerpoint/2015/main" val="1"/>
+                </p:ext>
+              </p:extLst>
+            </p:nvPr>
+          </p:nvSpPr>
+          <p:spPr bwMode="auto">
+            <a:xfrm>
+              <a:off x="503237" y="1801813"/>
+              <a:ext cx="190500" cy="188913"/>
+            </a:xfrm>
+            <a:custGeom>
+              <a:avLst/>
+              <a:gdLst/>
+              <a:ahLst/>
+              <a:cxnLst/>
+              <a:rect l="0" t="0" r="r" b="b"/>
+              <a:pathLst>
+                <a:path w="40" h="40">
+                  <a:moveTo>
+                    <a:pt x="20" y="40"/>
+                  </a:moveTo>
+                  <a:cubicBezTo>
+                    <a:pt x="9" y="40"/>
+                    <a:pt x="0" y="31"/>
+                    <a:pt x="0" y="20"/>
+                  </a:cubicBezTo>
+                  <a:cubicBezTo>
+                    <a:pt x="0" y="9"/>
+                    <a:pt x="9" y="0"/>
+                    <a:pt x="20" y="0"/>
+                  </a:cubicBezTo>
+                  <a:cubicBezTo>
+                    <a:pt x="33" y="0"/>
+                    <a:pt x="40" y="6"/>
+                    <a:pt x="40" y="20"/>
+                  </a:cubicBezTo>
+                  <a:cubicBezTo>
+                    <a:pt x="40" y="31"/>
+                    <a:pt x="31" y="40"/>
+                    <a:pt x="20" y="40"/>
+                  </a:cubicBezTo>
+                  <a:close/>
+                  <a:moveTo>
+                    <a:pt x="20" y="4"/>
+                  </a:moveTo>
+                  <a:cubicBezTo>
+                    <a:pt x="11" y="4"/>
+                    <a:pt x="4" y="11"/>
+                    <a:pt x="4" y="20"/>
+                  </a:cubicBezTo>
+                  <a:cubicBezTo>
+                    <a:pt x="4" y="29"/>
+                    <a:pt x="11" y="36"/>
+                    <a:pt x="20" y="36"/>
+                  </a:cubicBezTo>
+                  <a:cubicBezTo>
+                    <a:pt x="28" y="36"/>
+                    <a:pt x="36" y="29"/>
+                    <a:pt x="36" y="20"/>
+                  </a:cubicBezTo>
+                  <a:cubicBezTo>
+                    <a:pt x="36" y="9"/>
+                    <a:pt x="31" y="4"/>
+                    <a:pt x="20" y="4"/>
+                  </a:cubicBezTo>
+                  <a:close/>
+                </a:path>
+              </a:pathLst>
+            </a:custGeom>
+            <a:grpFill/>
+            <a:ln>
+              <a:noFill/>
+            </a:ln>
+            <a:extLst>
+              <a:ext uri="{91240B29-F687-4f45-9708-019B960494DF}">
+                <a14:hiddenLine xmlns="" xmlns:a16="http://schemas.microsoft.com/office/drawing/2014/main" xmlns:p14="http://schemas.microsoft.com/office/powerpoint/2010/main" xmlns:a14="http://schemas.microsoft.com/office/drawing/2010/main" w="9525">
+                  <a:solidFill>
+                    <a:srgbClr val="000000"/>
+                  </a:solidFill>
+                  <a:round/>
+                  <a:headEnd/>
+                  <a:tailEnd/>
+                </a14:hiddenLine>
+              </a:ext>
+            </a:extLst>
+          </p:spPr>
+        </p:sp>
+        <p:sp>
+          <p:nvSpPr>
+            <p:cNvPr id="21" name="Freeform 10">
+              <a:extLst>
+                <a:ext uri="{FF2B5EF4-FFF2-40B4-BE49-F238E27FC236}">
+                  <a16:creationId xmlns:a16="http://schemas.microsoft.com/office/drawing/2014/main" id="{EBED8F24-A998-4952-AB68-E2074F0746FE}"/>
+                </a:ext>
+                <a:ext uri="{C183D7F6-B498-43B3-948B-1728B52AA6E4}">
+                  <adec:decorative xmlns:adec="http://schemas.microsoft.com/office/drawing/2017/decorative" val="1"/>
+                </a:ext>
+              </a:extLst>
+            </p:cNvPr>
+            <p:cNvSpPr/>
+            <p:nvPr>
+              <p:extLst>
+                <p:ext uri="{386F3935-93C4-4BCD-93E2-E3B085C9AB24}">
+                  <p16:designElem xmlns:p16="http://schemas.microsoft.com/office/powerpoint/2015/main" val="1"/>
+                </p:ext>
+              </p:extLst>
+            </p:nvPr>
+          </p:nvSpPr>
+          <p:spPr bwMode="auto">
+            <a:xfrm>
+              <a:off x="285750" y="4763"/>
+              <a:ext cx="369888" cy="1430338"/>
+            </a:xfrm>
+            <a:custGeom>
+              <a:avLst/>
+              <a:gdLst/>
+              <a:ahLst/>
+              <a:cxnLst/>
+              <a:rect l="0" t="0" r="r" b="b"/>
+              <a:pathLst>
+                <a:path w="233" h="901">
+                  <a:moveTo>
+                    <a:pt x="221" y="901"/>
+                  </a:moveTo>
+                  <a:lnTo>
+                    <a:pt x="0" y="383"/>
+                  </a:lnTo>
+                  <a:lnTo>
+                    <a:pt x="0" y="0"/>
+                  </a:lnTo>
+                  <a:lnTo>
+                    <a:pt x="18" y="0"/>
+                  </a:lnTo>
+                  <a:lnTo>
+                    <a:pt x="18" y="380"/>
+                  </a:lnTo>
+                  <a:lnTo>
+                    <a:pt x="233" y="895"/>
+                  </a:lnTo>
+                  <a:lnTo>
+                    <a:pt x="221" y="901"/>
+                  </a:lnTo>
+                  <a:close/>
+                </a:path>
+              </a:pathLst>
+            </a:custGeom>
+            <a:grpFill/>
+            <a:ln>
+              <a:noFill/>
+            </a:ln>
+            <a:extLst>
+              <a:ext uri="{91240B29-F687-4f45-9708-019B960494DF}">
+                <a14:hiddenLine xmlns="" xmlns:a16="http://schemas.microsoft.com/office/drawing/2014/main" xmlns:p14="http://schemas.microsoft.com/office/powerpoint/2010/main" xmlns:a14="http://schemas.microsoft.com/office/drawing/2010/main" w="9525">
+                  <a:solidFill>
+                    <a:srgbClr val="000000"/>
+                  </a:solidFill>
+                  <a:round/>
+                  <a:headEnd/>
+                  <a:tailEnd/>
+                </a14:hiddenLine>
+              </a:ext>
+            </a:extLst>
+          </p:spPr>
+        </p:sp>
+        <p:sp>
+          <p:nvSpPr>
+            <p:cNvPr id="22" name="Freeform 11">
+              <a:extLst>
+                <a:ext uri="{FF2B5EF4-FFF2-40B4-BE49-F238E27FC236}">
+                  <a16:creationId xmlns:a16="http://schemas.microsoft.com/office/drawing/2014/main" id="{74D7A646-8CDC-49B3-9C44-3EF38DB4264C}"/>
+                </a:ext>
+                <a:ext uri="{C183D7F6-B498-43B3-948B-1728B52AA6E4}">
+                  <adec:decorative xmlns:adec="http://schemas.microsoft.com/office/drawing/2017/decorative" val="1"/>
+                </a:ext>
+              </a:extLst>
+            </p:cNvPr>
+            <p:cNvSpPr/>
+            <p:nvPr>
+              <p:extLst>
+                <p:ext uri="{386F3935-93C4-4BCD-93E2-E3B085C9AB24}">
+                  <p16:designElem xmlns:p16="http://schemas.microsoft.com/office/powerpoint/2015/main" val="1"/>
+                </p:ext>
+              </p:extLst>
+            </p:nvPr>
+          </p:nvSpPr>
+          <p:spPr bwMode="auto">
+            <a:xfrm>
+              <a:off x="546100" y="0"/>
+              <a:ext cx="152400" cy="912813"/>
+            </a:xfrm>
+            <a:custGeom>
+              <a:avLst/>
+              <a:gdLst/>
+              <a:ahLst/>
+              <a:cxnLst/>
+              <a:rect l="0" t="0" r="r" b="b"/>
+              <a:pathLst>
+                <a:path w="96" h="575">
+                  <a:moveTo>
+                    <a:pt x="96" y="575"/>
+                  </a:moveTo>
+                  <a:lnTo>
+                    <a:pt x="78" y="575"/>
+                  </a:lnTo>
+                  <a:lnTo>
+                    <a:pt x="78" y="192"/>
+                  </a:lnTo>
+                  <a:lnTo>
+                    <a:pt x="0" y="6"/>
+                  </a:lnTo>
+                  <a:lnTo>
+                    <a:pt x="15" y="0"/>
+                  </a:lnTo>
+                  <a:lnTo>
+                    <a:pt x="96" y="189"/>
+                  </a:lnTo>
+                  <a:lnTo>
+                    <a:pt x="96" y="575"/>
+                  </a:lnTo>
+                  <a:close/>
+                </a:path>
+              </a:pathLst>
+            </a:custGeom>
+            <a:grpFill/>
+            <a:ln>
+              <a:noFill/>
+            </a:ln>
+            <a:extLst>
+              <a:ext uri="{91240B29-F687-4f45-9708-019B960494DF}">
+                <a14:hiddenLine xmlns="" xmlns:a16="http://schemas.microsoft.com/office/drawing/2014/main" xmlns:p14="http://schemas.microsoft.com/office/powerpoint/2010/main" xmlns:a14="http://schemas.microsoft.com/office/drawing/2010/main" w="9525">
+                  <a:solidFill>
+                    <a:srgbClr val="000000"/>
+                  </a:solidFill>
+                  <a:round/>
+                  <a:headEnd/>
+                  <a:tailEnd/>
+                </a14:hiddenLine>
+              </a:ext>
+            </a:extLst>
+          </p:spPr>
+        </p:sp>
+        <p:sp>
+          <p:nvSpPr>
+            <p:cNvPr id="23" name="Freeform 12">
+              <a:extLst>
+                <a:ext uri="{FF2B5EF4-FFF2-40B4-BE49-F238E27FC236}">
+                  <a16:creationId xmlns:a16="http://schemas.microsoft.com/office/drawing/2014/main" id="{D4E99D14-E4F4-419B-9AAF-8D1CEAB28A2D}"/>
+                </a:ext>
+                <a:ext uri="{C183D7F6-B498-43B3-948B-1728B52AA6E4}">
+                  <adec:decorative xmlns:adec="http://schemas.microsoft.com/office/drawing/2017/decorative" val="1"/>
+                </a:ext>
+              </a:extLst>
+            </p:cNvPr>
+            <p:cNvSpPr>
+              <a:spLocks noEditPoints="1"/>
+            </p:cNvSpPr>
+            <p:nvPr>
+              <p:extLst>
+                <p:ext uri="{386F3935-93C4-4BCD-93E2-E3B085C9AB24}">
+                  <p16:designElem xmlns:p16="http://schemas.microsoft.com/office/powerpoint/2015/main" val="1"/>
+                </p:ext>
+              </p:extLst>
+            </p:nvPr>
+          </p:nvSpPr>
+          <p:spPr bwMode="auto">
+            <a:xfrm>
+              <a:off x="588962" y="1420813"/>
+              <a:ext cx="190500" cy="190500"/>
+            </a:xfrm>
+            <a:custGeom>
+              <a:avLst/>
+              <a:gdLst/>
+              <a:ahLst/>
+              <a:cxnLst/>
+              <a:rect l="0" t="0" r="r" b="b"/>
+              <a:pathLst>
+                <a:path w="40" h="40">
+                  <a:moveTo>
+                    <a:pt x="20" y="40"/>
+                  </a:moveTo>
+                  <a:cubicBezTo>
+                    <a:pt x="9" y="40"/>
+                    <a:pt x="0" y="31"/>
+                    <a:pt x="0" y="20"/>
+                  </a:cubicBezTo>
+                  <a:cubicBezTo>
+                    <a:pt x="0" y="9"/>
+                    <a:pt x="9" y="0"/>
+                    <a:pt x="20" y="0"/>
+                  </a:cubicBezTo>
+                  <a:cubicBezTo>
+                    <a:pt x="33" y="0"/>
+                    <a:pt x="40" y="7"/>
+                    <a:pt x="40" y="20"/>
+                  </a:cubicBezTo>
+                  <a:cubicBezTo>
+                    <a:pt x="40" y="31"/>
+                    <a:pt x="31" y="40"/>
+                    <a:pt x="20" y="40"/>
+                  </a:cubicBezTo>
+                  <a:close/>
+                  <a:moveTo>
+                    <a:pt x="20" y="4"/>
+                  </a:moveTo>
+                  <a:cubicBezTo>
+                    <a:pt x="11" y="4"/>
+                    <a:pt x="4" y="11"/>
+                    <a:pt x="4" y="20"/>
+                  </a:cubicBezTo>
+                  <a:cubicBezTo>
+                    <a:pt x="4" y="29"/>
+                    <a:pt x="11" y="36"/>
+                    <a:pt x="20" y="36"/>
+                  </a:cubicBezTo>
+                  <a:cubicBezTo>
+                    <a:pt x="29" y="36"/>
+                    <a:pt x="36" y="29"/>
+                    <a:pt x="36" y="20"/>
+                  </a:cubicBezTo>
+                  <a:cubicBezTo>
+                    <a:pt x="36" y="9"/>
+                    <a:pt x="31" y="4"/>
+                    <a:pt x="20" y="4"/>
+                  </a:cubicBezTo>
+                  <a:close/>
+                </a:path>
+              </a:pathLst>
+            </a:custGeom>
+            <a:grpFill/>
+            <a:ln>
+              <a:noFill/>
+            </a:ln>
+            <a:extLst>
+              <a:ext uri="{91240B29-F687-4f45-9708-019B960494DF}">
+                <a14:hiddenLine xmlns="" xmlns:a16="http://schemas.microsoft.com/office/drawing/2014/main" xmlns:p14="http://schemas.microsoft.com/office/powerpoint/2010/main" xmlns:a14="http://schemas.microsoft.com/office/drawing/2010/main" w="9525">
+                  <a:solidFill>
+                    <a:srgbClr val="000000"/>
+                  </a:solidFill>
+                  <a:round/>
+                  <a:headEnd/>
+                  <a:tailEnd/>
+                </a14:hiddenLine>
+              </a:ext>
+            </a:extLst>
+          </p:spPr>
+        </p:sp>
+        <p:sp>
+          <p:nvSpPr>
+            <p:cNvPr id="24" name="Freeform 13">
+              <a:extLst>
+                <a:ext uri="{FF2B5EF4-FFF2-40B4-BE49-F238E27FC236}">
+                  <a16:creationId xmlns:a16="http://schemas.microsoft.com/office/drawing/2014/main" id="{377E106C-5445-4A52-9F7E-DA1738744291}"/>
+                </a:ext>
+                <a:ext uri="{C183D7F6-B498-43B3-948B-1728B52AA6E4}">
+                  <adec:decorative xmlns:adec="http://schemas.microsoft.com/office/drawing/2017/decorative" val="1"/>
+                </a:ext>
+              </a:extLst>
+            </p:cNvPr>
+            <p:cNvSpPr>
+              <a:spLocks noEditPoints="1"/>
+            </p:cNvSpPr>
+            <p:nvPr>
+              <p:extLst>
+                <p:ext uri="{386F3935-93C4-4BCD-93E2-E3B085C9AB24}">
+                  <p16:designElem xmlns:p16="http://schemas.microsoft.com/office/powerpoint/2015/main" val="1"/>
+                </p:ext>
+              </p:extLst>
+            </p:nvPr>
+          </p:nvSpPr>
+          <p:spPr bwMode="auto">
+            <a:xfrm>
+              <a:off x="588962" y="903288"/>
+              <a:ext cx="190500" cy="190500"/>
+            </a:xfrm>
+            <a:custGeom>
+              <a:avLst/>
+              <a:gdLst/>
+              <a:ahLst/>
+              <a:cxnLst/>
+              <a:rect l="0" t="0" r="r" b="b"/>
+              <a:pathLst>
+                <a:path w="40" h="40">
+                  <a:moveTo>
+                    <a:pt x="20" y="40"/>
+                  </a:moveTo>
+                  <a:cubicBezTo>
+                    <a:pt x="9" y="40"/>
+                    <a:pt x="0" y="31"/>
+                    <a:pt x="0" y="20"/>
+                  </a:cubicBezTo>
+                  <a:cubicBezTo>
+                    <a:pt x="0" y="9"/>
+                    <a:pt x="9" y="0"/>
+                    <a:pt x="20" y="0"/>
+                  </a:cubicBezTo>
+                  <a:cubicBezTo>
+                    <a:pt x="31" y="0"/>
+                    <a:pt x="40" y="9"/>
+                    <a:pt x="40" y="20"/>
+                  </a:cubicBezTo>
+                  <a:cubicBezTo>
+                    <a:pt x="40" y="31"/>
+                    <a:pt x="31" y="40"/>
+                    <a:pt x="20" y="40"/>
+                  </a:cubicBezTo>
+                  <a:close/>
+                  <a:moveTo>
+                    <a:pt x="20" y="4"/>
+                  </a:moveTo>
+                  <a:cubicBezTo>
+                    <a:pt x="11" y="4"/>
+                    <a:pt x="4" y="11"/>
+                    <a:pt x="4" y="20"/>
+                  </a:cubicBezTo>
+                  <a:cubicBezTo>
+                    <a:pt x="4" y="29"/>
+                    <a:pt x="11" y="36"/>
+                    <a:pt x="20" y="36"/>
+                  </a:cubicBezTo>
+                  <a:cubicBezTo>
+                    <a:pt x="29" y="36"/>
+                    <a:pt x="36" y="29"/>
+                    <a:pt x="36" y="20"/>
+                  </a:cubicBezTo>
+                  <a:cubicBezTo>
+                    <a:pt x="36" y="11"/>
+                    <a:pt x="29" y="4"/>
+                    <a:pt x="20" y="4"/>
+                  </a:cubicBezTo>
+                  <a:close/>
+                </a:path>
+              </a:pathLst>
+            </a:custGeom>
+            <a:grpFill/>
+            <a:ln>
+              <a:noFill/>
+            </a:ln>
+            <a:extLst>
+              <a:ext uri="{91240B29-F687-4f45-9708-019B960494DF}">
+                <a14:hiddenLine xmlns="" xmlns:a16="http://schemas.microsoft.com/office/drawing/2014/main" xmlns:p14="http://schemas.microsoft.com/office/powerpoint/2010/main" xmlns:a14="http://schemas.microsoft.com/office/drawing/2010/main" w="9525">
+                  <a:solidFill>
+                    <a:srgbClr val="000000"/>
+                  </a:solidFill>
+                  <a:round/>
+                  <a:headEnd/>
+                  <a:tailEnd/>
+                </a14:hiddenLine>
+              </a:ext>
+            </a:extLst>
+          </p:spPr>
+        </p:sp>
+        <p:sp>
+          <p:nvSpPr>
+            <p:cNvPr id="25" name="Freeform 14">
+              <a:extLst>
+                <a:ext uri="{FF2B5EF4-FFF2-40B4-BE49-F238E27FC236}">
+                  <a16:creationId xmlns:a16="http://schemas.microsoft.com/office/drawing/2014/main" id="{752BFE96-D378-4BAE-A64B-F851A34C4770}"/>
+                </a:ext>
+                <a:ext uri="{C183D7F6-B498-43B3-948B-1728B52AA6E4}">
+                  <adec:decorative xmlns:adec="http://schemas.microsoft.com/office/drawing/2017/decorative" val="1"/>
+                </a:ext>
+              </a:extLst>
+            </p:cNvPr>
+            <p:cNvSpPr/>
+            <p:nvPr>
+              <p:extLst>
+                <p:ext uri="{386F3935-93C4-4BCD-93E2-E3B085C9AB24}">
+                  <p16:designElem xmlns:p16="http://schemas.microsoft.com/office/powerpoint/2015/main" val="1"/>
+                </p:ext>
+              </p:extLst>
+            </p:nvPr>
+          </p:nvSpPr>
+          <p:spPr bwMode="auto">
+            <a:xfrm>
+              <a:off x="641350" y="0"/>
+              <a:ext cx="422275" cy="527050"/>
+            </a:xfrm>
+            <a:custGeom>
+              <a:avLst/>
+              <a:gdLst/>
+              <a:ahLst/>
+              <a:cxnLst/>
+              <a:rect l="0" t="0" r="r" b="b"/>
+              <a:pathLst>
+                <a:path w="266" h="332">
+                  <a:moveTo>
+                    <a:pt x="257" y="332"/>
+                  </a:moveTo>
+                  <a:lnTo>
+                    <a:pt x="48" y="123"/>
+                  </a:lnTo>
+                  <a:lnTo>
+                    <a:pt x="0" y="6"/>
+                  </a:lnTo>
+                  <a:lnTo>
+                    <a:pt x="15" y="0"/>
+                  </a:lnTo>
+                  <a:lnTo>
+                    <a:pt x="63" y="114"/>
+                  </a:lnTo>
+                  <a:lnTo>
+                    <a:pt x="266" y="320"/>
+                  </a:lnTo>
+                  <a:lnTo>
+                    <a:pt x="257" y="332"/>
+                  </a:lnTo>
+                  <a:close/>
+                </a:path>
+              </a:pathLst>
+            </a:custGeom>
+            <a:grpFill/>
+            <a:ln>
+              <a:noFill/>
+            </a:ln>
+            <a:extLst>
+              <a:ext uri="{91240B29-F687-4f45-9708-019B960494DF}">
+                <a14:hiddenLine xmlns="" xmlns:a16="http://schemas.microsoft.com/office/drawing/2014/main" xmlns:p14="http://schemas.microsoft.com/office/powerpoint/2010/main" xmlns:a14="http://schemas.microsoft.com/office/drawing/2010/main" w="9525">
+                  <a:solidFill>
+                    <a:srgbClr val="000000"/>
+                  </a:solidFill>
+                  <a:round/>
+                  <a:headEnd/>
+                  <a:tailEnd/>
+                </a14:hiddenLine>
+              </a:ext>
+            </a:extLst>
+          </p:spPr>
+        </p:sp>
+        <p:sp>
+          <p:nvSpPr>
+            <p:cNvPr id="26" name="Freeform 15">
+              <a:extLst>
+                <a:ext uri="{FF2B5EF4-FFF2-40B4-BE49-F238E27FC236}">
+                  <a16:creationId xmlns:a16="http://schemas.microsoft.com/office/drawing/2014/main" id="{B88FFB19-5A5E-4078-B467-9D4ABD21BD9A}"/>
+                </a:ext>
+                <a:ext uri="{C183D7F6-B498-43B3-948B-1728B52AA6E4}">
+                  <adec:decorative xmlns:adec="http://schemas.microsoft.com/office/drawing/2017/decorative" val="1"/>
+                </a:ext>
+              </a:extLst>
+            </p:cNvPr>
+            <p:cNvSpPr>
+              <a:spLocks noEditPoints="1"/>
+            </p:cNvSpPr>
+            <p:nvPr>
+              <p:extLst>
+                <p:ext uri="{386F3935-93C4-4BCD-93E2-E3B085C9AB24}">
+                  <p16:designElem xmlns:p16="http://schemas.microsoft.com/office/powerpoint/2015/main" val="1"/>
+                </p:ext>
+              </p:extLst>
+            </p:nvPr>
+          </p:nvSpPr>
+          <p:spPr bwMode="auto">
+            <a:xfrm>
+              <a:off x="1020762" y="488950"/>
+              <a:ext cx="161925" cy="147638"/>
+            </a:xfrm>
+            <a:custGeom>
+              <a:avLst/>
+              <a:gdLst/>
+              <a:ahLst/>
+              <a:cxnLst/>
+              <a:rect l="0" t="0" r="r" b="b"/>
+              <a:pathLst>
+                <a:path w="34" h="31">
+                  <a:moveTo>
+                    <a:pt x="17" y="31"/>
+                  </a:moveTo>
+                  <a:cubicBezTo>
+                    <a:pt x="13" y="31"/>
+                    <a:pt x="9" y="30"/>
+                    <a:pt x="6" y="27"/>
+                  </a:cubicBezTo>
+                  <a:cubicBezTo>
+                    <a:pt x="0" y="20"/>
+                    <a:pt x="0" y="10"/>
+                    <a:pt x="6" y="4"/>
+                  </a:cubicBezTo>
+                  <a:cubicBezTo>
+                    <a:pt x="9" y="1"/>
+                    <a:pt x="13" y="0"/>
+                    <a:pt x="17" y="0"/>
+                  </a:cubicBezTo>
+                  <a:cubicBezTo>
+                    <a:pt x="21" y="0"/>
+                    <a:pt x="25" y="1"/>
+                    <a:pt x="28" y="4"/>
+                  </a:cubicBezTo>
+                  <a:cubicBezTo>
+                    <a:pt x="34" y="10"/>
+                    <a:pt x="34" y="20"/>
+                    <a:pt x="28" y="27"/>
+                  </a:cubicBezTo>
+                  <a:cubicBezTo>
+                    <a:pt x="25" y="30"/>
+                    <a:pt x="21" y="31"/>
+                    <a:pt x="17" y="31"/>
+                  </a:cubicBezTo>
+                  <a:close/>
+                  <a:moveTo>
+                    <a:pt x="17" y="4"/>
+                  </a:moveTo>
+                  <a:cubicBezTo>
+                    <a:pt x="14" y="4"/>
+                    <a:pt x="11" y="5"/>
+                    <a:pt x="9" y="7"/>
+                  </a:cubicBezTo>
+                  <a:cubicBezTo>
+                    <a:pt x="4" y="12"/>
+                    <a:pt x="4" y="19"/>
+                    <a:pt x="9" y="24"/>
+                  </a:cubicBezTo>
+                  <a:cubicBezTo>
+                    <a:pt x="11" y="26"/>
+                    <a:pt x="14" y="27"/>
+                    <a:pt x="17" y="27"/>
+                  </a:cubicBezTo>
+                  <a:cubicBezTo>
+                    <a:pt x="20" y="27"/>
+                    <a:pt x="23" y="26"/>
+                    <a:pt x="25" y="24"/>
+                  </a:cubicBezTo>
+                  <a:cubicBezTo>
+                    <a:pt x="30" y="19"/>
+                    <a:pt x="30" y="12"/>
+                    <a:pt x="25" y="7"/>
+                  </a:cubicBezTo>
+                  <a:cubicBezTo>
+                    <a:pt x="23" y="5"/>
+                    <a:pt x="20" y="4"/>
+                    <a:pt x="17" y="4"/>
+                  </a:cubicBezTo>
+                  <a:close/>
+                </a:path>
+              </a:pathLst>
+            </a:custGeom>
+            <a:grpFill/>
+            <a:ln>
+              <a:noFill/>
+            </a:ln>
+            <a:extLst>
+              <a:ext uri="{91240B29-F687-4f45-9708-019B960494DF}">
+                <a14:hiddenLine xmlns="" xmlns:a16="http://schemas.microsoft.com/office/drawing/2014/main" xmlns:p14="http://schemas.microsoft.com/office/powerpoint/2010/main" xmlns:a14="http://schemas.microsoft.com/office/drawing/2010/main" w="9525">
+                  <a:solidFill>
+                    <a:srgbClr val="000000"/>
+                  </a:solidFill>
+                  <a:round/>
+                  <a:headEnd/>
+                  <a:tailEnd/>
+                </a14:hiddenLine>
+              </a:ext>
+            </a:extLst>
+          </p:spPr>
+        </p:sp>
+        <p:sp>
+          <p:nvSpPr>
+            <p:cNvPr id="27" name="Line 16">
+              <a:extLst>
+                <a:ext uri="{FF2B5EF4-FFF2-40B4-BE49-F238E27FC236}">
+                  <a16:creationId xmlns:a16="http://schemas.microsoft.com/office/drawing/2014/main" id="{11042975-3D19-4728-BCDA-D3F5CD633EDB}"/>
+                </a:ext>
+                <a:ext uri="{C183D7F6-B498-43B3-948B-1728B52AA6E4}">
+                  <adec:decorative xmlns:adec="http://schemas.microsoft.com/office/drawing/2017/decorative" val="1"/>
+                </a:ext>
+              </a:extLst>
+            </p:cNvPr>
+            <p:cNvSpPr>
+              <a:spLocks noChangeShapeType="1"/>
+            </p:cNvSpPr>
+            <p:nvPr>
+              <p:extLst>
+                <p:ext uri="{386F3935-93C4-4BCD-93E2-E3B085C9AB24}">
+                  <p16:designElem xmlns:p16="http://schemas.microsoft.com/office/powerpoint/2015/main" val="1"/>
+                </p:ext>
+              </p:extLst>
+            </p:nvPr>
+          </p:nvSpPr>
+          <p:spPr bwMode="auto">
+            <a:xfrm>
+              <a:off x="-4763" y="9525"/>
+              <a:ext cx="0" cy="0"/>
+            </a:xfrm>
+            <a:prstGeom prst="line">
+              <a:avLst/>
+            </a:prstGeom>
+            <a:grpFill/>
+            <a:ln w="15" cap="flat">
+              <a:solidFill>
+                <a:srgbClr val="FFFFFF"/>
+              </a:solidFill>
+              <a:prstDash val="solid"/>
+              <a:miter lim="800000"/>
+              <a:headEnd/>
+              <a:tailEnd/>
+            </a:ln>
+          </p:spPr>
+        </p:sp>
+        <p:sp>
+          <p:nvSpPr>
+            <p:cNvPr id="28" name="Freeform 17">
+              <a:extLst>
+                <a:ext uri="{FF2B5EF4-FFF2-40B4-BE49-F238E27FC236}">
+                  <a16:creationId xmlns:a16="http://schemas.microsoft.com/office/drawing/2014/main" id="{A28972BD-D2E1-4DCA-A907-2E3B6F606649}"/>
+                </a:ext>
+                <a:ext uri="{C183D7F6-B498-43B3-948B-1728B52AA6E4}">
+                  <adec:decorative xmlns:adec="http://schemas.microsoft.com/office/drawing/2017/decorative" val="1"/>
+                </a:ext>
+              </a:extLst>
+            </p:cNvPr>
+            <p:cNvSpPr/>
+            <p:nvPr>
+              <p:extLst>
+                <p:ext uri="{386F3935-93C4-4BCD-93E2-E3B085C9AB24}">
+                  <p16:designElem xmlns:p16="http://schemas.microsoft.com/office/powerpoint/2015/main" val="1"/>
+                </p:ext>
+              </p:extLst>
+            </p:nvPr>
+          </p:nvSpPr>
+          <p:spPr bwMode="auto">
+            <a:xfrm>
+              <a:off x="9525" y="1801813"/>
+              <a:ext cx="123825" cy="127000"/>
+            </a:xfrm>
+            <a:custGeom>
+              <a:avLst/>
+              <a:gdLst/>
+              <a:ahLst/>
+              <a:cxnLst/>
+              <a:rect l="0" t="0" r="r" b="b"/>
+              <a:pathLst>
+                <a:path w="78" h="80">
+                  <a:moveTo>
+                    <a:pt x="6" y="80"/>
+                  </a:moveTo>
+                  <a:lnTo>
+                    <a:pt x="0" y="71"/>
+                  </a:lnTo>
+                  <a:lnTo>
+                    <a:pt x="69" y="0"/>
+                  </a:lnTo>
+                  <a:lnTo>
+                    <a:pt x="78" y="9"/>
+                  </a:lnTo>
+                  <a:lnTo>
+                    <a:pt x="6" y="80"/>
+                  </a:lnTo>
+                  <a:close/>
+                </a:path>
+              </a:pathLst>
+            </a:custGeom>
+            <a:grpFill/>
+            <a:ln>
+              <a:noFill/>
+            </a:ln>
+            <a:extLst>
+              <a:ext uri="{91240B29-F687-4f45-9708-019B960494DF}">
+                <a14:hiddenLine xmlns="" xmlns:a16="http://schemas.microsoft.com/office/drawing/2014/main" xmlns:p14="http://schemas.microsoft.com/office/powerpoint/2010/main" xmlns:a14="http://schemas.microsoft.com/office/drawing/2010/main" w="9525">
+                  <a:solidFill>
+                    <a:srgbClr val="000000"/>
+                  </a:solidFill>
+                  <a:round/>
+                  <a:headEnd/>
+                  <a:tailEnd/>
+                </a14:hiddenLine>
+              </a:ext>
+            </a:extLst>
+          </p:spPr>
+        </p:sp>
+        <p:sp>
+          <p:nvSpPr>
+            <p:cNvPr id="29" name="Freeform 18">
+              <a:extLst>
+                <a:ext uri="{FF2B5EF4-FFF2-40B4-BE49-F238E27FC236}">
+                  <a16:creationId xmlns:a16="http://schemas.microsoft.com/office/drawing/2014/main" id="{1C806824-5C2D-4747-B038-69EE4074B366}"/>
+                </a:ext>
+                <a:ext uri="{C183D7F6-B498-43B3-948B-1728B52AA6E4}">
+                  <adec:decorative xmlns:adec="http://schemas.microsoft.com/office/drawing/2017/decorative" val="1"/>
+                </a:ext>
+              </a:extLst>
+            </p:cNvPr>
+            <p:cNvSpPr/>
+            <p:nvPr>
+              <p:extLst>
+                <p:ext uri="{386F3935-93C4-4BCD-93E2-E3B085C9AB24}">
+                  <p16:designElem xmlns:p16="http://schemas.microsoft.com/office/powerpoint/2015/main" val="1"/>
+                </p:ext>
+              </p:extLst>
+            </p:nvPr>
+          </p:nvSpPr>
+          <p:spPr bwMode="auto">
+            <a:xfrm>
+              <a:off x="-9525" y="3549650"/>
+              <a:ext cx="147638" cy="481013"/>
+            </a:xfrm>
+            <a:custGeom>
+              <a:avLst/>
+              <a:gdLst/>
+              <a:ahLst/>
+              <a:cxnLst/>
+              <a:rect l="0" t="0" r="r" b="b"/>
+              <a:pathLst>
+                <a:path w="93" h="303">
+                  <a:moveTo>
+                    <a:pt x="93" y="303"/>
+                  </a:moveTo>
+                  <a:lnTo>
+                    <a:pt x="78" y="303"/>
+                  </a:lnTo>
+                  <a:lnTo>
+                    <a:pt x="78" y="78"/>
+                  </a:lnTo>
+                  <a:lnTo>
+                    <a:pt x="0" y="12"/>
+                  </a:lnTo>
+                  <a:lnTo>
+                    <a:pt x="12" y="0"/>
+                  </a:lnTo>
+                  <a:lnTo>
+                    <a:pt x="93" y="69"/>
+                  </a:lnTo>
+                  <a:lnTo>
+                    <a:pt x="93" y="303"/>
+                  </a:lnTo>
+                  <a:close/>
+                </a:path>
+              </a:pathLst>
+            </a:custGeom>
+            <a:grpFill/>
+            <a:ln>
+              <a:noFill/>
+            </a:ln>
+            <a:extLst>
+              <a:ext uri="{91240B29-F687-4f45-9708-019B960494DF}">
+                <a14:hiddenLine xmlns="" xmlns:a16="http://schemas.microsoft.com/office/drawing/2014/main" xmlns:p14="http://schemas.microsoft.com/office/powerpoint/2010/main" xmlns:a14="http://schemas.microsoft.com/office/drawing/2010/main" w="9525">
+                  <a:solidFill>
+                    <a:srgbClr val="000000"/>
+                  </a:solidFill>
+                  <a:round/>
+                  <a:headEnd/>
+                  <a:tailEnd/>
+                </a14:hiddenLine>
+              </a:ext>
+            </a:extLst>
+          </p:spPr>
+        </p:sp>
+        <p:sp>
+          <p:nvSpPr>
+            <p:cNvPr id="30" name="Freeform 19">
+              <a:extLst>
+                <a:ext uri="{FF2B5EF4-FFF2-40B4-BE49-F238E27FC236}">
+                  <a16:creationId xmlns:a16="http://schemas.microsoft.com/office/drawing/2014/main" id="{3B33F710-16D7-4F48-BFCA-66C9CA2352CB}"/>
+                </a:ext>
+                <a:ext uri="{C183D7F6-B498-43B3-948B-1728B52AA6E4}">
+                  <adec:decorative xmlns:adec="http://schemas.microsoft.com/office/drawing/2017/decorative" val="1"/>
+                </a:ext>
+              </a:extLst>
+            </p:cNvPr>
+            <p:cNvSpPr/>
+            <p:nvPr>
+              <p:extLst>
+                <p:ext uri="{386F3935-93C4-4BCD-93E2-E3B085C9AB24}">
+                  <p16:designElem xmlns:p16="http://schemas.microsoft.com/office/powerpoint/2015/main" val="1"/>
+                </p:ext>
+              </p:extLst>
+            </p:nvPr>
+          </p:nvSpPr>
+          <p:spPr bwMode="auto">
+            <a:xfrm>
+              <a:off x="128587" y="1382713"/>
+              <a:ext cx="142875" cy="476250"/>
+            </a:xfrm>
+            <a:custGeom>
+              <a:avLst/>
+              <a:gdLst/>
+              <a:ahLst/>
+              <a:cxnLst/>
+              <a:rect l="0" t="0" r="r" b="b"/>
+              <a:pathLst>
+                <a:path w="90" h="300">
+                  <a:moveTo>
+                    <a:pt x="90" y="300"/>
+                  </a:moveTo>
+                  <a:lnTo>
+                    <a:pt x="78" y="300"/>
+                  </a:lnTo>
+                  <a:lnTo>
+                    <a:pt x="78" y="84"/>
+                  </a:lnTo>
+                  <a:lnTo>
+                    <a:pt x="0" y="9"/>
+                  </a:lnTo>
+                  <a:lnTo>
+                    <a:pt x="9" y="0"/>
+                  </a:lnTo>
+                  <a:lnTo>
+                    <a:pt x="90" y="81"/>
+                  </a:lnTo>
+                  <a:lnTo>
+                    <a:pt x="90" y="300"/>
+                  </a:lnTo>
+                  <a:close/>
+                </a:path>
+              </a:pathLst>
+            </a:custGeom>
+            <a:grpFill/>
+            <a:ln>
+              <a:noFill/>
+            </a:ln>
+            <a:extLst>
+              <a:ext uri="{91240B29-F687-4f45-9708-019B960494DF}">
+                <a14:hiddenLine xmlns="" xmlns:a16="http://schemas.microsoft.com/office/drawing/2014/main" xmlns:p14="http://schemas.microsoft.com/office/powerpoint/2010/main" xmlns:a14="http://schemas.microsoft.com/office/drawing/2010/main" w="9525">
+                  <a:solidFill>
+                    <a:srgbClr val="000000"/>
+                  </a:solidFill>
+                  <a:round/>
+                  <a:headEnd/>
+                  <a:tailEnd/>
+                </a14:hiddenLine>
+              </a:ext>
+            </a:extLst>
+          </p:spPr>
+        </p:sp>
+        <p:sp>
+          <p:nvSpPr>
+            <p:cNvPr id="31" name="Freeform 20">
+              <a:extLst>
+                <a:ext uri="{FF2B5EF4-FFF2-40B4-BE49-F238E27FC236}">
+                  <a16:creationId xmlns:a16="http://schemas.microsoft.com/office/drawing/2014/main" id="{6C8C8ED4-90FA-4E97-AAF0-D5D51E6A935E}"/>
+                </a:ext>
+                <a:ext uri="{C183D7F6-B498-43B3-948B-1728B52AA6E4}">
+                  <adec:decorative xmlns:adec="http://schemas.microsoft.com/office/drawing/2017/decorative" val="1"/>
+                </a:ext>
+              </a:extLst>
+            </p:cNvPr>
+            <p:cNvSpPr>
+              <a:spLocks noEditPoints="1"/>
+            </p:cNvSpPr>
+            <p:nvPr>
+              <p:extLst>
+                <p:ext uri="{386F3935-93C4-4BCD-93E2-E3B085C9AB24}">
+                  <p16:designElem xmlns:p16="http://schemas.microsoft.com/office/powerpoint/2015/main" val="1"/>
+                </p:ext>
+              </p:extLst>
+            </p:nvPr>
+          </p:nvSpPr>
+          <p:spPr bwMode="auto">
+            <a:xfrm>
+              <a:off x="204787" y="1849438"/>
+              <a:ext cx="114300" cy="107950"/>
+            </a:xfrm>
+            <a:custGeom>
+              <a:avLst/>
+              <a:gdLst/>
+              <a:ahLst/>
+              <a:cxnLst/>
+              <a:rect l="0" t="0" r="r" b="b"/>
+              <a:pathLst>
+                <a:path w="24" h="23">
+                  <a:moveTo>
+                    <a:pt x="12" y="23"/>
+                  </a:moveTo>
+                  <a:cubicBezTo>
+                    <a:pt x="6" y="23"/>
+                    <a:pt x="0" y="18"/>
+                    <a:pt x="0" y="12"/>
+                  </a:cubicBezTo>
+                  <a:cubicBezTo>
+                    <a:pt x="0" y="5"/>
+                    <a:pt x="6" y="0"/>
+                    <a:pt x="12" y="0"/>
+                  </a:cubicBezTo>
+                  <a:cubicBezTo>
+                    <a:pt x="18" y="0"/>
+                    <a:pt x="24" y="5"/>
+                    <a:pt x="24" y="12"/>
+                  </a:cubicBezTo>
+                  <a:cubicBezTo>
+                    <a:pt x="24" y="18"/>
+                    <a:pt x="18" y="23"/>
+                    <a:pt x="12" y="23"/>
+                  </a:cubicBezTo>
+                  <a:close/>
+                  <a:moveTo>
+                    <a:pt x="12" y="4"/>
+                  </a:moveTo>
+                  <a:cubicBezTo>
+                    <a:pt x="8" y="4"/>
+                    <a:pt x="4" y="8"/>
+                    <a:pt x="4" y="12"/>
+                  </a:cubicBezTo>
+                  <a:cubicBezTo>
+                    <a:pt x="4" y="16"/>
+                    <a:pt x="8" y="19"/>
+                    <a:pt x="12" y="19"/>
+                  </a:cubicBezTo>
+                  <a:cubicBezTo>
+                    <a:pt x="16" y="19"/>
+                    <a:pt x="20" y="16"/>
+                    <a:pt x="20" y="12"/>
+                  </a:cubicBezTo>
+                  <a:cubicBezTo>
+                    <a:pt x="20" y="8"/>
+                    <a:pt x="16" y="4"/>
+                    <a:pt x="12" y="4"/>
+                  </a:cubicBezTo>
+                  <a:close/>
+                </a:path>
+              </a:pathLst>
+            </a:custGeom>
+            <a:grpFill/>
+            <a:ln>
+              <a:noFill/>
+            </a:ln>
+            <a:extLst>
+              <a:ext uri="{91240B29-F687-4f45-9708-019B960494DF}">
+                <a14:hiddenLine xmlns="" xmlns:a16="http://schemas.microsoft.com/office/drawing/2014/main" xmlns:p14="http://schemas.microsoft.com/office/powerpoint/2010/main" xmlns:a14="http://schemas.microsoft.com/office/drawing/2010/main" w="9525">
+                  <a:solidFill>
+                    <a:srgbClr val="000000"/>
+                  </a:solidFill>
+                  <a:round/>
+                  <a:headEnd/>
+                  <a:tailEnd/>
+                </a14:hiddenLine>
+              </a:ext>
+            </a:extLst>
+          </p:spPr>
+        </p:sp>
+        <p:sp>
+          <p:nvSpPr>
+            <p:cNvPr id="32" name="Rectangle 21">
+              <a:extLst>
+                <a:ext uri="{FF2B5EF4-FFF2-40B4-BE49-F238E27FC236}">
+                  <a16:creationId xmlns:a16="http://schemas.microsoft.com/office/drawing/2014/main" id="{6C5EB9C1-B25F-4172-8A96-5950ECC828FC}"/>
+                </a:ext>
+                <a:ext uri="{C183D7F6-B498-43B3-948B-1728B52AA6E4}">
+                  <adec:decorative xmlns:adec="http://schemas.microsoft.com/office/drawing/2017/decorative" val="1"/>
+                </a:ext>
+              </a:extLst>
+            </p:cNvPr>
+            <p:cNvSpPr>
+              <a:spLocks noChangeArrowheads="1"/>
+            </p:cNvSpPr>
+            <p:nvPr>
+              <p:extLst>
+                <p:ext uri="{386F3935-93C4-4BCD-93E2-E3B085C9AB24}">
+                  <p16:designElem xmlns:p16="http://schemas.microsoft.com/office/powerpoint/2015/main" val="1"/>
+                </p:ext>
+              </p:extLst>
+            </p:nvPr>
+          </p:nvSpPr>
+          <p:spPr bwMode="auto">
+            <a:xfrm>
+              <a:off x="133350" y="4662488"/>
+              <a:ext cx="23813" cy="2181225"/>
+            </a:xfrm>
+            <a:prstGeom prst="rect">
+              <a:avLst/>
+            </a:prstGeom>
+            <a:grpFill/>
+            <a:ln>
+              <a:noFill/>
+            </a:ln>
+            <a:extLst>
+              <a:ext uri="{91240B29-F687-4f45-9708-019B960494DF}">
+                <a14:hiddenLine xmlns="" xmlns:a16="http://schemas.microsoft.com/office/drawing/2014/main" xmlns:p14="http://schemas.microsoft.com/office/powerpoint/2010/main" xmlns:a14="http://schemas.microsoft.com/office/drawing/2010/main" w="9525">
+                  <a:solidFill>
+                    <a:srgbClr val="000000"/>
+                  </a:solidFill>
+                  <a:miter lim="800000"/>
+                  <a:headEnd/>
+                  <a:tailEnd/>
+                </a14:hiddenLine>
+              </a:ext>
+            </a:extLst>
+          </p:spPr>
+        </p:sp>
+        <p:sp>
+          <p:nvSpPr>
+            <p:cNvPr id="33" name="Freeform 22">
+              <a:extLst>
+                <a:ext uri="{FF2B5EF4-FFF2-40B4-BE49-F238E27FC236}">
+                  <a16:creationId xmlns:a16="http://schemas.microsoft.com/office/drawing/2014/main" id="{097E6E8A-9373-4655-882B-21715CCE97EE}"/>
+                </a:ext>
+                <a:ext uri="{C183D7F6-B498-43B3-948B-1728B52AA6E4}">
+                  <adec:decorative xmlns:adec="http://schemas.microsoft.com/office/drawing/2017/decorative" val="1"/>
+                </a:ext>
+              </a:extLst>
+            </p:cNvPr>
+            <p:cNvSpPr/>
+            <p:nvPr>
+              <p:extLst>
+                <p:ext uri="{386F3935-93C4-4BCD-93E2-E3B085C9AB24}">
+                  <p16:designElem xmlns:p16="http://schemas.microsoft.com/office/powerpoint/2015/main" val="1"/>
+                </p:ext>
+              </p:extLst>
+            </p:nvPr>
+          </p:nvSpPr>
+          <p:spPr bwMode="auto">
+            <a:xfrm>
+              <a:off x="223837" y="5041900"/>
+              <a:ext cx="369888" cy="1801813"/>
+            </a:xfrm>
+            <a:custGeom>
+              <a:avLst/>
+              <a:gdLst/>
+              <a:ahLst/>
+              <a:cxnLst/>
+              <a:rect l="0" t="0" r="r" b="b"/>
+              <a:pathLst>
+                <a:path w="233" h="1135">
+                  <a:moveTo>
+                    <a:pt x="15" y="1135"/>
+                  </a:moveTo>
+                  <a:lnTo>
+                    <a:pt x="0" y="1135"/>
+                  </a:lnTo>
+                  <a:lnTo>
+                    <a:pt x="0" y="515"/>
+                  </a:lnTo>
+                  <a:lnTo>
+                    <a:pt x="0" y="512"/>
+                  </a:lnTo>
+                  <a:lnTo>
+                    <a:pt x="218" y="0"/>
+                  </a:lnTo>
+                  <a:lnTo>
+                    <a:pt x="233" y="6"/>
+                  </a:lnTo>
+                  <a:lnTo>
+                    <a:pt x="15" y="518"/>
+                  </a:lnTo>
+                  <a:lnTo>
+                    <a:pt x="15" y="1135"/>
+                  </a:lnTo>
+                  <a:close/>
+                </a:path>
+              </a:pathLst>
+            </a:custGeom>
+            <a:grpFill/>
+            <a:ln>
+              <a:noFill/>
+            </a:ln>
+            <a:extLst>
+              <a:ext uri="{91240B29-F687-4f45-9708-019B960494DF}">
+                <a14:hiddenLine xmlns="" xmlns:a16="http://schemas.microsoft.com/office/drawing/2014/main" xmlns:p14="http://schemas.microsoft.com/office/powerpoint/2010/main" xmlns:a14="http://schemas.microsoft.com/office/drawing/2010/main" w="9525">
+                  <a:solidFill>
+                    <a:srgbClr val="000000"/>
+                  </a:solidFill>
+                  <a:round/>
+                  <a:headEnd/>
+                  <a:tailEnd/>
+                </a14:hiddenLine>
+              </a:ext>
+            </a:extLst>
+          </p:spPr>
+        </p:sp>
+        <p:sp>
+          <p:nvSpPr>
+            <p:cNvPr id="34" name="Freeform 23">
+              <a:extLst>
+                <a:ext uri="{FF2B5EF4-FFF2-40B4-BE49-F238E27FC236}">
+                  <a16:creationId xmlns:a16="http://schemas.microsoft.com/office/drawing/2014/main" id="{EB8CC766-1206-4372-ACAF-8230AF4D5421}"/>
+                </a:ext>
+                <a:ext uri="{C183D7F6-B498-43B3-948B-1728B52AA6E4}">
+                  <adec:decorative xmlns:adec="http://schemas.microsoft.com/office/drawing/2017/decorative" val="1"/>
+                </a:ext>
+              </a:extLst>
+            </p:cNvPr>
+            <p:cNvSpPr>
+              <a:spLocks noEditPoints="1"/>
+            </p:cNvSpPr>
+            <p:nvPr>
+              <p:extLst>
+                <p:ext uri="{386F3935-93C4-4BCD-93E2-E3B085C9AB24}">
+                  <p16:designElem xmlns:p16="http://schemas.microsoft.com/office/powerpoint/2015/main" val="1"/>
+                </p:ext>
+              </p:extLst>
+            </p:nvPr>
+          </p:nvSpPr>
+          <p:spPr bwMode="auto">
+            <a:xfrm>
+              <a:off x="52387" y="4481513"/>
+              <a:ext cx="190500" cy="190500"/>
+            </a:xfrm>
+            <a:custGeom>
+              <a:avLst/>
+              <a:gdLst/>
+              <a:ahLst/>
+              <a:cxnLst/>
+              <a:rect l="0" t="0" r="r" b="b"/>
+              <a:pathLst>
+                <a:path w="40" h="40">
+                  <a:moveTo>
+                    <a:pt x="20" y="40"/>
+                  </a:moveTo>
+                  <a:cubicBezTo>
+                    <a:pt x="9" y="40"/>
+                    <a:pt x="0" y="31"/>
+                    <a:pt x="0" y="20"/>
+                  </a:cubicBezTo>
+                  <a:cubicBezTo>
+                    <a:pt x="0" y="9"/>
+                    <a:pt x="9" y="0"/>
+                    <a:pt x="20" y="0"/>
+                  </a:cubicBezTo>
+                  <a:cubicBezTo>
+                    <a:pt x="31" y="0"/>
+                    <a:pt x="40" y="9"/>
+                    <a:pt x="40" y="20"/>
+                  </a:cubicBezTo>
+                  <a:cubicBezTo>
+                    <a:pt x="40" y="31"/>
+                    <a:pt x="31" y="40"/>
+                    <a:pt x="20" y="40"/>
+                  </a:cubicBezTo>
+                  <a:close/>
+                  <a:moveTo>
+                    <a:pt x="20" y="4"/>
+                  </a:moveTo>
+                  <a:cubicBezTo>
+                    <a:pt x="11" y="4"/>
+                    <a:pt x="4" y="11"/>
+                    <a:pt x="4" y="20"/>
+                  </a:cubicBezTo>
+                  <a:cubicBezTo>
+                    <a:pt x="4" y="29"/>
+                    <a:pt x="11" y="36"/>
+                    <a:pt x="20" y="36"/>
+                  </a:cubicBezTo>
+                  <a:cubicBezTo>
+                    <a:pt x="28" y="36"/>
+                    <a:pt x="36" y="29"/>
+                    <a:pt x="36" y="20"/>
+                  </a:cubicBezTo>
+                  <a:cubicBezTo>
+                    <a:pt x="36" y="11"/>
+                    <a:pt x="28" y="4"/>
+                    <a:pt x="20" y="4"/>
+                  </a:cubicBezTo>
+                  <a:close/>
+                </a:path>
+              </a:pathLst>
+            </a:custGeom>
+            <a:grpFill/>
+            <a:ln>
+              <a:noFill/>
+            </a:ln>
+            <a:extLst>
+              <a:ext uri="{91240B29-F687-4f45-9708-019B960494DF}">
+                <a14:hiddenLine xmlns="" xmlns:a16="http://schemas.microsoft.com/office/drawing/2014/main" xmlns:p14="http://schemas.microsoft.com/office/powerpoint/2010/main" xmlns:a14="http://schemas.microsoft.com/office/drawing/2010/main" w="9525">
+                  <a:solidFill>
+                    <a:srgbClr val="000000"/>
+                  </a:solidFill>
+                  <a:round/>
+                  <a:headEnd/>
+                  <a:tailEnd/>
+                </a14:hiddenLine>
+              </a:ext>
+            </a:extLst>
+          </p:spPr>
+        </p:sp>
+        <p:sp>
+          <p:nvSpPr>
+            <p:cNvPr id="35" name="Freeform 24">
+              <a:extLst>
+                <a:ext uri="{FF2B5EF4-FFF2-40B4-BE49-F238E27FC236}">
+                  <a16:creationId xmlns:a16="http://schemas.microsoft.com/office/drawing/2014/main" id="{1C8E2511-2489-47B2-9C19-C410910DD901}"/>
+                </a:ext>
+                <a:ext uri="{C183D7F6-B498-43B3-948B-1728B52AA6E4}">
+                  <adec:decorative xmlns:adec="http://schemas.microsoft.com/office/drawing/2017/decorative" val="1"/>
+                </a:ext>
+              </a:extLst>
+            </p:cNvPr>
+            <p:cNvSpPr/>
+            <p:nvPr>
+              <p:extLst>
+                <p:ext uri="{386F3935-93C4-4BCD-93E2-E3B085C9AB24}">
+                  <p16:designElem xmlns:p16="http://schemas.microsoft.com/office/powerpoint/2015/main" val="1"/>
+                </p:ext>
+              </p:extLst>
+            </p:nvPr>
+          </p:nvSpPr>
+          <p:spPr bwMode="auto">
+            <a:xfrm>
+              <a:off x="-14288" y="5627688"/>
+              <a:ext cx="85725" cy="1216025"/>
+            </a:xfrm>
+            <a:custGeom>
+              <a:avLst/>
+              <a:gdLst/>
+              <a:ahLst/>
+              <a:cxnLst/>
+              <a:rect l="0" t="0" r="r" b="b"/>
+              <a:pathLst>
+                <a:path w="54" h="766">
+                  <a:moveTo>
+                    <a:pt x="54" y="766"/>
+                  </a:moveTo>
+                  <a:lnTo>
+                    <a:pt x="36" y="766"/>
+                  </a:lnTo>
+                  <a:lnTo>
+                    <a:pt x="36" y="149"/>
+                  </a:lnTo>
+                  <a:lnTo>
+                    <a:pt x="0" y="3"/>
+                  </a:lnTo>
+                  <a:lnTo>
+                    <a:pt x="18" y="0"/>
+                  </a:lnTo>
+                  <a:lnTo>
+                    <a:pt x="54" y="146"/>
+                  </a:lnTo>
+                  <a:lnTo>
+                    <a:pt x="54" y="766"/>
+                  </a:lnTo>
+                  <a:close/>
+                </a:path>
+              </a:pathLst>
+            </a:custGeom>
+            <a:grpFill/>
+            <a:ln>
+              <a:noFill/>
+            </a:ln>
+            <a:extLst>
+              <a:ext uri="{91240B29-F687-4f45-9708-019B960494DF}">
+                <a14:hiddenLine xmlns="" xmlns:a16="http://schemas.microsoft.com/office/drawing/2014/main" xmlns:p14="http://schemas.microsoft.com/office/powerpoint/2010/main" xmlns:a14="http://schemas.microsoft.com/office/drawing/2010/main" w="9525">
+                  <a:solidFill>
+                    <a:srgbClr val="000000"/>
+                  </a:solidFill>
+                  <a:round/>
+                  <a:headEnd/>
+                  <a:tailEnd/>
+                </a14:hiddenLine>
+              </a:ext>
+            </a:extLst>
+          </p:spPr>
+        </p:sp>
+        <p:sp>
+          <p:nvSpPr>
+            <p:cNvPr id="36" name="Freeform 25">
+              <a:extLst>
+                <a:ext uri="{FF2B5EF4-FFF2-40B4-BE49-F238E27FC236}">
+                  <a16:creationId xmlns:a16="http://schemas.microsoft.com/office/drawing/2014/main" id="{D7820196-0A47-47EF-832C-A688E8977D60}"/>
+                </a:ext>
+                <a:ext uri="{C183D7F6-B498-43B3-948B-1728B52AA6E4}">
+                  <adec:decorative xmlns:adec="http://schemas.microsoft.com/office/drawing/2017/decorative" val="1"/>
+                </a:ext>
+              </a:extLst>
+            </p:cNvPr>
+            <p:cNvSpPr>
+              <a:spLocks noEditPoints="1"/>
+            </p:cNvSpPr>
+            <p:nvPr>
+              <p:extLst>
+                <p:ext uri="{386F3935-93C4-4BCD-93E2-E3B085C9AB24}">
+                  <p16:designElem xmlns:p16="http://schemas.microsoft.com/office/powerpoint/2015/main" val="1"/>
+                </p:ext>
+              </p:extLst>
+            </p:nvPr>
+          </p:nvSpPr>
+          <p:spPr bwMode="auto">
+            <a:xfrm>
+              <a:off x="527050" y="4867275"/>
+              <a:ext cx="190500" cy="188913"/>
+            </a:xfrm>
+            <a:custGeom>
+              <a:avLst/>
+              <a:gdLst/>
+              <a:ahLst/>
+              <a:cxnLst/>
+              <a:rect l="0" t="0" r="r" b="b"/>
+              <a:pathLst>
+                <a:path w="40" h="40">
+                  <a:moveTo>
+                    <a:pt x="20" y="40"/>
+                  </a:moveTo>
+                  <a:cubicBezTo>
+                    <a:pt x="9" y="40"/>
+                    <a:pt x="0" y="31"/>
+                    <a:pt x="0" y="20"/>
+                  </a:cubicBezTo>
+                  <a:cubicBezTo>
+                    <a:pt x="0" y="9"/>
+                    <a:pt x="9" y="0"/>
+                    <a:pt x="20" y="0"/>
+                  </a:cubicBezTo>
+                  <a:cubicBezTo>
+                    <a:pt x="31" y="0"/>
+                    <a:pt x="40" y="9"/>
+                    <a:pt x="40" y="20"/>
+                  </a:cubicBezTo>
+                  <a:cubicBezTo>
+                    <a:pt x="40" y="31"/>
+                    <a:pt x="31" y="40"/>
+                    <a:pt x="20" y="40"/>
+                  </a:cubicBezTo>
+                  <a:close/>
+                  <a:moveTo>
+                    <a:pt x="20" y="4"/>
+                  </a:moveTo>
+                  <a:cubicBezTo>
+                    <a:pt x="11" y="4"/>
+                    <a:pt x="4" y="11"/>
+                    <a:pt x="4" y="20"/>
+                  </a:cubicBezTo>
+                  <a:cubicBezTo>
+                    <a:pt x="4" y="29"/>
+                    <a:pt x="11" y="36"/>
+                    <a:pt x="20" y="36"/>
+                  </a:cubicBezTo>
+                  <a:cubicBezTo>
+                    <a:pt x="29" y="36"/>
+                    <a:pt x="36" y="29"/>
+                    <a:pt x="36" y="20"/>
+                  </a:cubicBezTo>
+                  <a:cubicBezTo>
+                    <a:pt x="36" y="11"/>
+                    <a:pt x="29" y="4"/>
+                    <a:pt x="20" y="4"/>
+                  </a:cubicBezTo>
+                  <a:close/>
+                </a:path>
+              </a:pathLst>
+            </a:custGeom>
+            <a:grpFill/>
+            <a:ln>
+              <a:noFill/>
+            </a:ln>
+            <a:extLst>
+              <a:ext uri="{91240B29-F687-4f45-9708-019B960494DF}">
+                <a14:hiddenLine xmlns="" xmlns:a16="http://schemas.microsoft.com/office/drawing/2014/main" xmlns:p14="http://schemas.microsoft.com/office/powerpoint/2010/main" xmlns:a14="http://schemas.microsoft.com/office/drawing/2010/main" w="9525">
+                  <a:solidFill>
+                    <a:srgbClr val="000000"/>
+                  </a:solidFill>
+                  <a:round/>
+                  <a:headEnd/>
+                  <a:tailEnd/>
+                </a14:hiddenLine>
+              </a:ext>
+            </a:extLst>
+          </p:spPr>
+        </p:sp>
+        <p:sp>
+          <p:nvSpPr>
+            <p:cNvPr id="37" name="Freeform 26">
+              <a:extLst>
+                <a:ext uri="{FF2B5EF4-FFF2-40B4-BE49-F238E27FC236}">
+                  <a16:creationId xmlns:a16="http://schemas.microsoft.com/office/drawing/2014/main" id="{4982E0BF-34AE-48A3-AD6B-E0F3CD05DB34}"/>
+                </a:ext>
+                <a:ext uri="{C183D7F6-B498-43B3-948B-1728B52AA6E4}">
+                  <adec:decorative xmlns:adec="http://schemas.microsoft.com/office/drawing/2017/decorative" val="1"/>
+                </a:ext>
+              </a:extLst>
+            </p:cNvPr>
+            <p:cNvSpPr/>
+            <p:nvPr>
+              <p:extLst>
+                <p:ext uri="{386F3935-93C4-4BCD-93E2-E3B085C9AB24}">
+                  <p16:designElem xmlns:p16="http://schemas.microsoft.com/office/powerpoint/2015/main" val="1"/>
+                </p:ext>
+              </p:extLst>
+            </p:nvPr>
+          </p:nvSpPr>
+          <p:spPr bwMode="auto">
+            <a:xfrm>
+              <a:off x="309562" y="5422900"/>
+              <a:ext cx="374650" cy="1425575"/>
+            </a:xfrm>
+            <a:custGeom>
+              <a:avLst/>
+              <a:gdLst/>
+              <a:ahLst/>
+              <a:cxnLst/>
+              <a:rect l="0" t="0" r="r" b="b"/>
+              <a:pathLst>
+                <a:path w="236" h="898">
+                  <a:moveTo>
+                    <a:pt x="18" y="898"/>
+                  </a:moveTo>
+                  <a:lnTo>
+                    <a:pt x="0" y="898"/>
+                  </a:lnTo>
+                  <a:lnTo>
+                    <a:pt x="0" y="515"/>
+                  </a:lnTo>
+                  <a:lnTo>
+                    <a:pt x="3" y="512"/>
+                  </a:lnTo>
+                  <a:lnTo>
+                    <a:pt x="221" y="0"/>
+                  </a:lnTo>
+                  <a:lnTo>
+                    <a:pt x="236" y="6"/>
+                  </a:lnTo>
+                  <a:lnTo>
+                    <a:pt x="18" y="518"/>
+                  </a:lnTo>
+                  <a:lnTo>
+                    <a:pt x="18" y="898"/>
+                  </a:lnTo>
+                  <a:close/>
+                </a:path>
+              </a:pathLst>
+            </a:custGeom>
+            <a:grpFill/>
+            <a:ln>
+              <a:noFill/>
+            </a:ln>
+            <a:extLst>
+              <a:ext uri="{91240B29-F687-4f45-9708-019B960494DF}">
+                <a14:hiddenLine xmlns="" xmlns:a16="http://schemas.microsoft.com/office/drawing/2014/main" xmlns:p14="http://schemas.microsoft.com/office/powerpoint/2010/main" xmlns:a14="http://schemas.microsoft.com/office/drawing/2010/main" w="9525">
+                  <a:solidFill>
+                    <a:srgbClr val="000000"/>
+                  </a:solidFill>
+                  <a:round/>
+                  <a:headEnd/>
+                  <a:tailEnd/>
+                </a14:hiddenLine>
+              </a:ext>
+            </a:extLst>
+          </p:spPr>
+        </p:sp>
+        <p:sp>
+          <p:nvSpPr>
+            <p:cNvPr id="38" name="Freeform 27">
+              <a:extLst>
+                <a:ext uri="{FF2B5EF4-FFF2-40B4-BE49-F238E27FC236}">
+                  <a16:creationId xmlns:a16="http://schemas.microsoft.com/office/drawing/2014/main" id="{CD34643B-9DF2-4310-8868-48252C3393F0}"/>
+                </a:ext>
+                <a:ext uri="{C183D7F6-B498-43B3-948B-1728B52AA6E4}">
+                  <adec:decorative xmlns:adec="http://schemas.microsoft.com/office/drawing/2017/decorative" val="1"/>
+                </a:ext>
+              </a:extLst>
+            </p:cNvPr>
+            <p:cNvSpPr/>
+            <p:nvPr>
+              <p:extLst>
+                <p:ext uri="{386F3935-93C4-4BCD-93E2-E3B085C9AB24}">
+                  <p16:designElem xmlns:p16="http://schemas.microsoft.com/office/powerpoint/2015/main" val="1"/>
+                </p:ext>
+              </p:extLst>
+            </p:nvPr>
+          </p:nvSpPr>
+          <p:spPr bwMode="auto">
+            <a:xfrm>
+              <a:off x="569912" y="5945188"/>
+              <a:ext cx="152400" cy="912813"/>
+            </a:xfrm>
+            <a:custGeom>
+              <a:avLst/>
+              <a:gdLst/>
+              <a:ahLst/>
+              <a:cxnLst/>
+              <a:rect l="0" t="0" r="r" b="b"/>
+              <a:pathLst>
+                <a:path w="96" h="575">
+                  <a:moveTo>
+                    <a:pt x="15" y="575"/>
+                  </a:moveTo>
+                  <a:lnTo>
+                    <a:pt x="0" y="569"/>
+                  </a:lnTo>
+                  <a:lnTo>
+                    <a:pt x="81" y="383"/>
+                  </a:lnTo>
+                  <a:lnTo>
+                    <a:pt x="81" y="0"/>
+                  </a:lnTo>
+                  <a:lnTo>
+                    <a:pt x="96" y="0"/>
+                  </a:lnTo>
+                  <a:lnTo>
+                    <a:pt x="96" y="386"/>
+                  </a:lnTo>
+                  <a:lnTo>
+                    <a:pt x="15" y="575"/>
+                  </a:lnTo>
+                  <a:close/>
+                </a:path>
+              </a:pathLst>
+            </a:custGeom>
+            <a:grpFill/>
+            <a:ln>
+              <a:noFill/>
+            </a:ln>
+            <a:extLst>
+              <a:ext uri="{91240B29-F687-4f45-9708-019B960494DF}">
+                <a14:hiddenLine xmlns="" xmlns:a16="http://schemas.microsoft.com/office/drawing/2014/main" xmlns:p14="http://schemas.microsoft.com/office/powerpoint/2010/main" xmlns:a14="http://schemas.microsoft.com/office/drawing/2010/main" w="9525">
+                  <a:solidFill>
+                    <a:srgbClr val="000000"/>
+                  </a:solidFill>
+                  <a:round/>
+                  <a:headEnd/>
+                  <a:tailEnd/>
+                </a14:hiddenLine>
+              </a:ext>
+            </a:extLst>
+          </p:spPr>
+        </p:sp>
+        <p:sp>
+          <p:nvSpPr>
+            <p:cNvPr id="39" name="Freeform 28">
+              <a:extLst>
+                <a:ext uri="{FF2B5EF4-FFF2-40B4-BE49-F238E27FC236}">
+                  <a16:creationId xmlns:a16="http://schemas.microsoft.com/office/drawing/2014/main" id="{4E020C4E-AF64-44A8-B830-779541D8D549}"/>
+                </a:ext>
+                <a:ext uri="{C183D7F6-B498-43B3-948B-1728B52AA6E4}">
+                  <adec:decorative xmlns:adec="http://schemas.microsoft.com/office/drawing/2017/decorative" val="1"/>
+                </a:ext>
+              </a:extLst>
+            </p:cNvPr>
+            <p:cNvSpPr>
+              <a:spLocks noEditPoints="1"/>
+            </p:cNvSpPr>
+            <p:nvPr>
+              <p:extLst>
+                <p:ext uri="{386F3935-93C4-4BCD-93E2-E3B085C9AB24}">
+                  <p16:designElem xmlns:p16="http://schemas.microsoft.com/office/powerpoint/2015/main" val="1"/>
+                </p:ext>
+              </p:extLst>
+            </p:nvPr>
+          </p:nvSpPr>
+          <p:spPr bwMode="auto">
+            <a:xfrm>
+              <a:off x="612775" y="5246688"/>
+              <a:ext cx="190500" cy="190500"/>
+            </a:xfrm>
+            <a:custGeom>
+              <a:avLst/>
+              <a:gdLst/>
+              <a:ahLst/>
+              <a:cxnLst/>
+              <a:rect l="0" t="0" r="r" b="b"/>
+              <a:pathLst>
+                <a:path w="40" h="40">
+                  <a:moveTo>
+                    <a:pt x="20" y="40"/>
+                  </a:moveTo>
+                  <a:cubicBezTo>
+                    <a:pt x="9" y="40"/>
+                    <a:pt x="0" y="31"/>
+                    <a:pt x="0" y="20"/>
+                  </a:cubicBezTo>
+                  <a:cubicBezTo>
+                    <a:pt x="0" y="9"/>
+                    <a:pt x="9" y="0"/>
+                    <a:pt x="20" y="0"/>
+                  </a:cubicBezTo>
+                  <a:cubicBezTo>
+                    <a:pt x="31" y="0"/>
+                    <a:pt x="40" y="9"/>
+                    <a:pt x="40" y="20"/>
+                  </a:cubicBezTo>
+                  <a:cubicBezTo>
+                    <a:pt x="40" y="31"/>
+                    <a:pt x="31" y="40"/>
+                    <a:pt x="20" y="40"/>
+                  </a:cubicBezTo>
+                  <a:close/>
+                  <a:moveTo>
+                    <a:pt x="20" y="4"/>
+                  </a:moveTo>
+                  <a:cubicBezTo>
+                    <a:pt x="12" y="4"/>
+                    <a:pt x="4" y="11"/>
+                    <a:pt x="4" y="20"/>
+                  </a:cubicBezTo>
+                  <a:cubicBezTo>
+                    <a:pt x="4" y="29"/>
+                    <a:pt x="12" y="36"/>
+                    <a:pt x="20" y="36"/>
+                  </a:cubicBezTo>
+                  <a:cubicBezTo>
+                    <a:pt x="29" y="36"/>
+                    <a:pt x="36" y="29"/>
+                    <a:pt x="36" y="20"/>
+                  </a:cubicBezTo>
+                  <a:cubicBezTo>
+                    <a:pt x="36" y="11"/>
+                    <a:pt x="29" y="4"/>
+                    <a:pt x="20" y="4"/>
+                  </a:cubicBezTo>
+                  <a:close/>
+                </a:path>
+              </a:pathLst>
+            </a:custGeom>
+            <a:grpFill/>
+            <a:ln>
+              <a:noFill/>
+            </a:ln>
+            <a:extLst>
+              <a:ext uri="{91240B29-F687-4f45-9708-019B960494DF}">
+                <a14:hiddenLine xmlns="" xmlns:a16="http://schemas.microsoft.com/office/drawing/2014/main" xmlns:p14="http://schemas.microsoft.com/office/powerpoint/2010/main" xmlns:a14="http://schemas.microsoft.com/office/drawing/2010/main" w="9525">
+                  <a:solidFill>
+                    <a:srgbClr val="000000"/>
+                  </a:solidFill>
+                  <a:round/>
+                  <a:headEnd/>
+                  <a:tailEnd/>
+                </a14:hiddenLine>
+              </a:ext>
+            </a:extLst>
+          </p:spPr>
+        </p:sp>
+        <p:sp>
+          <p:nvSpPr>
+            <p:cNvPr id="40" name="Freeform 29">
+              <a:extLst>
+                <a:ext uri="{FF2B5EF4-FFF2-40B4-BE49-F238E27FC236}">
+                  <a16:creationId xmlns:a16="http://schemas.microsoft.com/office/drawing/2014/main" id="{D97BC3D3-B1B3-4825-9169-BBEF1DBCF055}"/>
+                </a:ext>
+                <a:ext uri="{C183D7F6-B498-43B3-948B-1728B52AA6E4}">
+                  <adec:decorative xmlns:adec="http://schemas.microsoft.com/office/drawing/2017/decorative" val="1"/>
+                </a:ext>
+              </a:extLst>
+            </p:cNvPr>
+            <p:cNvSpPr>
+              <a:spLocks noEditPoints="1"/>
+            </p:cNvSpPr>
+            <p:nvPr>
+              <p:extLst>
+                <p:ext uri="{386F3935-93C4-4BCD-93E2-E3B085C9AB24}">
+                  <p16:designElem xmlns:p16="http://schemas.microsoft.com/office/powerpoint/2015/main" val="1"/>
+                </p:ext>
+              </p:extLst>
+            </p:nvPr>
+          </p:nvSpPr>
+          <p:spPr bwMode="auto">
+            <a:xfrm>
+              <a:off x="612775" y="5764213"/>
+              <a:ext cx="190500" cy="190500"/>
+            </a:xfrm>
+            <a:custGeom>
+              <a:avLst/>
+              <a:gdLst/>
+              <a:ahLst/>
+              <a:cxnLst/>
+              <a:rect l="0" t="0" r="r" b="b"/>
+              <a:pathLst>
+                <a:path w="40" h="40">
+                  <a:moveTo>
+                    <a:pt x="20" y="40"/>
+                  </a:moveTo>
+                  <a:cubicBezTo>
+                    <a:pt x="9" y="40"/>
+                    <a:pt x="0" y="31"/>
+                    <a:pt x="0" y="20"/>
+                  </a:cubicBezTo>
+                  <a:cubicBezTo>
+                    <a:pt x="0" y="9"/>
+                    <a:pt x="9" y="0"/>
+                    <a:pt x="20" y="0"/>
+                  </a:cubicBezTo>
+                  <a:cubicBezTo>
+                    <a:pt x="31" y="0"/>
+                    <a:pt x="40" y="9"/>
+                    <a:pt x="40" y="20"/>
+                  </a:cubicBezTo>
+                  <a:cubicBezTo>
+                    <a:pt x="40" y="31"/>
+                    <a:pt x="31" y="40"/>
+                    <a:pt x="20" y="40"/>
+                  </a:cubicBezTo>
+                  <a:close/>
+                  <a:moveTo>
+                    <a:pt x="20" y="4"/>
+                  </a:moveTo>
+                  <a:cubicBezTo>
+                    <a:pt x="12" y="4"/>
+                    <a:pt x="4" y="11"/>
+                    <a:pt x="4" y="20"/>
+                  </a:cubicBezTo>
+                  <a:cubicBezTo>
+                    <a:pt x="4" y="29"/>
+                    <a:pt x="12" y="36"/>
+                    <a:pt x="20" y="36"/>
+                  </a:cubicBezTo>
+                  <a:cubicBezTo>
+                    <a:pt x="29" y="36"/>
+                    <a:pt x="36" y="29"/>
+                    <a:pt x="36" y="20"/>
+                  </a:cubicBezTo>
+                  <a:cubicBezTo>
+                    <a:pt x="36" y="11"/>
+                    <a:pt x="29" y="4"/>
+                    <a:pt x="20" y="4"/>
+                  </a:cubicBezTo>
+                  <a:close/>
+                </a:path>
+              </a:pathLst>
+            </a:custGeom>
+            <a:grpFill/>
+            <a:ln>
+              <a:noFill/>
+            </a:ln>
+            <a:extLst>
+              <a:ext uri="{91240B29-F687-4f45-9708-019B960494DF}">
+                <a14:hiddenLine xmlns="" xmlns:a16="http://schemas.microsoft.com/office/drawing/2014/main" xmlns:p14="http://schemas.microsoft.com/office/powerpoint/2010/main" xmlns:a14="http://schemas.microsoft.com/office/drawing/2010/main" w="9525">
+                  <a:solidFill>
+                    <a:srgbClr val="000000"/>
+                  </a:solidFill>
+                  <a:round/>
+                  <a:headEnd/>
+                  <a:tailEnd/>
+                </a14:hiddenLine>
+              </a:ext>
+            </a:extLst>
+          </p:spPr>
+        </p:sp>
+        <p:sp>
+          <p:nvSpPr>
+            <p:cNvPr id="41" name="Freeform 30">
+              <a:extLst>
+                <a:ext uri="{FF2B5EF4-FFF2-40B4-BE49-F238E27FC236}">
+                  <a16:creationId xmlns:a16="http://schemas.microsoft.com/office/drawing/2014/main" id="{A750DC4F-1DAF-470E-98C6-6C68DEB93363}"/>
+                </a:ext>
+                <a:ext uri="{C183D7F6-B498-43B3-948B-1728B52AA6E4}">
+                  <adec:decorative xmlns:adec="http://schemas.microsoft.com/office/drawing/2017/decorative" val="1"/>
+                </a:ext>
+              </a:extLst>
+            </p:cNvPr>
+            <p:cNvSpPr/>
+            <p:nvPr>
+              <p:extLst>
+                <p:ext uri="{386F3935-93C4-4BCD-93E2-E3B085C9AB24}">
+                  <p16:designElem xmlns:p16="http://schemas.microsoft.com/office/powerpoint/2015/main" val="1"/>
+                </p:ext>
+              </p:extLst>
+            </p:nvPr>
+          </p:nvSpPr>
+          <p:spPr bwMode="auto">
+            <a:xfrm>
+              <a:off x="669925" y="6330950"/>
+              <a:ext cx="417513" cy="517525"/>
+            </a:xfrm>
+            <a:custGeom>
+              <a:avLst/>
+              <a:gdLst/>
+              <a:ahLst/>
+              <a:cxnLst/>
+              <a:rect l="0" t="0" r="r" b="b"/>
+              <a:pathLst>
+                <a:path w="263" h="326">
+                  <a:moveTo>
+                    <a:pt x="15" y="326"/>
+                  </a:moveTo>
+                  <a:lnTo>
+                    <a:pt x="0" y="320"/>
+                  </a:lnTo>
+                  <a:lnTo>
+                    <a:pt x="45" y="206"/>
+                  </a:lnTo>
+                  <a:lnTo>
+                    <a:pt x="48" y="206"/>
+                  </a:lnTo>
+                  <a:lnTo>
+                    <a:pt x="254" y="0"/>
+                  </a:lnTo>
+                  <a:lnTo>
+                    <a:pt x="263" y="12"/>
+                  </a:lnTo>
+                  <a:lnTo>
+                    <a:pt x="60" y="215"/>
+                  </a:lnTo>
+                  <a:lnTo>
+                    <a:pt x="15" y="326"/>
+                  </a:lnTo>
+                  <a:close/>
+                </a:path>
+              </a:pathLst>
+            </a:custGeom>
+            <a:grpFill/>
+            <a:ln>
+              <a:noFill/>
+            </a:ln>
+            <a:extLst>
+              <a:ext uri="{91240B29-F687-4f45-9708-019B960494DF}">
+                <a14:hiddenLine xmlns="" xmlns:a16="http://schemas.microsoft.com/office/drawing/2014/main" xmlns:p14="http://schemas.microsoft.com/office/powerpoint/2010/main" xmlns:a14="http://schemas.microsoft.com/office/drawing/2010/main" w="9525">
+                  <a:solidFill>
+                    <a:srgbClr val="000000"/>
+                  </a:solidFill>
+                  <a:round/>
+                  <a:headEnd/>
+                  <a:tailEnd/>
+                </a14:hiddenLine>
+              </a:ext>
+            </a:extLst>
+          </p:spPr>
+        </p:sp>
+        <p:sp>
+          <p:nvSpPr>
+            <p:cNvPr id="42" name="Freeform 31">
+              <a:extLst>
+                <a:ext uri="{FF2B5EF4-FFF2-40B4-BE49-F238E27FC236}">
+                  <a16:creationId xmlns:a16="http://schemas.microsoft.com/office/drawing/2014/main" id="{2F99594A-5BBD-4E10-A818-8BE52B7D952C}"/>
+                </a:ext>
+                <a:ext uri="{C183D7F6-B498-43B3-948B-1728B52AA6E4}">
+                  <adec:decorative xmlns:adec="http://schemas.microsoft.com/office/drawing/2017/decorative" val="1"/>
+                </a:ext>
+              </a:extLst>
+            </p:cNvPr>
+            <p:cNvSpPr>
+              <a:spLocks noEditPoints="1"/>
+            </p:cNvSpPr>
+            <p:nvPr>
+              <p:extLst>
+                <p:ext uri="{386F3935-93C4-4BCD-93E2-E3B085C9AB24}">
+                  <p16:designElem xmlns:p16="http://schemas.microsoft.com/office/powerpoint/2015/main" val="1"/>
+                </p:ext>
+              </p:extLst>
+            </p:nvPr>
+          </p:nvSpPr>
+          <p:spPr bwMode="auto">
+            <a:xfrm>
+              <a:off x="1049337" y="6221413"/>
+              <a:ext cx="157163" cy="147638"/>
+            </a:xfrm>
+            <a:custGeom>
+              <a:avLst/>
+              <a:gdLst/>
+              <a:ahLst/>
+              <a:cxnLst/>
+              <a:rect l="0" t="0" r="r" b="b"/>
+              <a:pathLst>
+                <a:path w="33" h="31">
+                  <a:moveTo>
+                    <a:pt x="16" y="31"/>
+                  </a:moveTo>
+                  <a:cubicBezTo>
+                    <a:pt x="12" y="31"/>
+                    <a:pt x="8" y="29"/>
+                    <a:pt x="5" y="26"/>
+                  </a:cubicBezTo>
+                  <a:cubicBezTo>
+                    <a:pt x="2" y="24"/>
+                    <a:pt x="0" y="20"/>
+                    <a:pt x="0" y="15"/>
+                  </a:cubicBezTo>
+                  <a:cubicBezTo>
+                    <a:pt x="0" y="11"/>
+                    <a:pt x="2" y="7"/>
+                    <a:pt x="5" y="4"/>
+                  </a:cubicBezTo>
+                  <a:cubicBezTo>
+                    <a:pt x="8" y="1"/>
+                    <a:pt x="12" y="0"/>
+                    <a:pt x="16" y="0"/>
+                  </a:cubicBezTo>
+                  <a:cubicBezTo>
+                    <a:pt x="20" y="0"/>
+                    <a:pt x="24" y="1"/>
+                    <a:pt x="27" y="4"/>
+                  </a:cubicBezTo>
+                  <a:cubicBezTo>
+                    <a:pt x="33" y="10"/>
+                    <a:pt x="33" y="20"/>
+                    <a:pt x="27" y="26"/>
+                  </a:cubicBezTo>
+                  <a:cubicBezTo>
+                    <a:pt x="24" y="29"/>
+                    <a:pt x="20" y="31"/>
+                    <a:pt x="16" y="31"/>
+                  </a:cubicBezTo>
+                  <a:close/>
+                  <a:moveTo>
+                    <a:pt x="16" y="4"/>
+                  </a:moveTo>
+                  <a:cubicBezTo>
+                    <a:pt x="13" y="4"/>
+                    <a:pt x="10" y="5"/>
+                    <a:pt x="8" y="7"/>
+                  </a:cubicBezTo>
+                  <a:cubicBezTo>
+                    <a:pt x="6" y="9"/>
+                    <a:pt x="4" y="12"/>
+                    <a:pt x="4" y="15"/>
+                  </a:cubicBezTo>
+                  <a:cubicBezTo>
+                    <a:pt x="4" y="19"/>
+                    <a:pt x="6" y="21"/>
+                    <a:pt x="8" y="24"/>
+                  </a:cubicBezTo>
+                  <a:cubicBezTo>
+                    <a:pt x="10" y="26"/>
+                    <a:pt x="13" y="27"/>
+                    <a:pt x="16" y="27"/>
+                  </a:cubicBezTo>
+                  <a:cubicBezTo>
+                    <a:pt x="19" y="27"/>
+                    <a:pt x="22" y="26"/>
+                    <a:pt x="24" y="24"/>
+                  </a:cubicBezTo>
+                  <a:cubicBezTo>
+                    <a:pt x="29" y="19"/>
+                    <a:pt x="29" y="12"/>
+                    <a:pt x="24" y="7"/>
+                  </a:cubicBezTo>
+                  <a:cubicBezTo>
+                    <a:pt x="22" y="5"/>
+                    <a:pt x="19" y="4"/>
+                    <a:pt x="16" y="4"/>
+                  </a:cubicBezTo>
+                  <a:close/>
+                </a:path>
+              </a:pathLst>
+            </a:custGeom>
+            <a:grpFill/>
+            <a:ln>
+              <a:noFill/>
+            </a:ln>
+            <a:extLst>
+              <a:ext uri="{91240B29-F687-4f45-9708-019B960494DF}">
+                <a14:hiddenLine xmlns="" xmlns:a16="http://schemas.microsoft.com/office/drawing/2014/main" xmlns:p14="http://schemas.microsoft.com/office/powerpoint/2010/main" xmlns:a14="http://schemas.microsoft.com/office/drawing/2010/main" w="9525">
+                  <a:solidFill>
+                    <a:srgbClr val="000000"/>
+                  </a:solidFill>
+                  <a:round/>
+                  <a:headEnd/>
+                  <a:tailEnd/>
+                </a14:hiddenLine>
+              </a:ext>
+            </a:extLst>
+          </p:spPr>
+        </p:sp>
+      </p:grpSp>
     </p:spTree>
     <p:extLst>
       <p:ext uri="{BB962C8B-B14F-4D97-AF65-F5344CB8AC3E}">
-        <p14:creationId xmlns:p14="http://schemas.microsoft.com/office/powerpoint/2010/main" val="1940052306"/>
+        <p14:creationId xmlns:p14="http://schemas.microsoft.com/office/powerpoint/2010/main" val="2792991017"/>
       </p:ext>
     </p:extLst>
   </p:cSld>
@@ -19328,7 +22495,7 @@
 </p:sld>
 </file>
 
-<file path=ppt/slides/slide18.xml><?xml version="1.0" encoding="utf-8"?>
+<file path=ppt/slides/slide19.xml><?xml version="1.0" encoding="utf-8"?>
 <p:sld xmlns:a="http://schemas.openxmlformats.org/drawingml/2006/main" xmlns:r="http://schemas.openxmlformats.org/officeDocument/2006/relationships" xmlns:p="http://schemas.openxmlformats.org/presentationml/2006/main">
   <p:cSld>
     <p:spTree>
@@ -19350,7 +22517,7 @@
           <p:cNvPr id="2" name="Titel 1">
             <a:extLst>
               <a:ext uri="{FF2B5EF4-FFF2-40B4-BE49-F238E27FC236}">
-                <a16:creationId xmlns:a16="http://schemas.microsoft.com/office/drawing/2014/main" id="{6110DCC2-8A8F-C240-BA6A-BDD8B345BBBF}"/>
+                <a16:creationId xmlns:a16="http://schemas.microsoft.com/office/drawing/2014/main" id="{BEC9EF60-B7F3-4D45-B772-642698EAD3F1}"/>
               </a:ext>
             </a:extLst>
           </p:cNvPr>
@@ -19361,21 +22528,67 @@
             <p:ph type="title"/>
           </p:nvPr>
         </p:nvSpPr>
-        <p:spPr>
-          <a:xfrm>
-            <a:off x="1060506" y="1364753"/>
-            <a:ext cx="11131494" cy="3606640"/>
-          </a:xfrm>
-        </p:spPr>
+        <p:spPr/>
         <p:txBody>
-          <a:bodyPr>
-            <a:normAutofit/>
-          </a:bodyPr>
+          <a:bodyPr/>
           <a:lstStyle/>
           <a:p>
             <a:r>
-              <a:rPr lang="de-DE" sz="4400" dirty="0"/>
-              <a:t>Vielen dank für eure Aufmerksamkeit!</a:t>
+              <a:rPr lang="de-DE" dirty="0" err="1"/>
+              <a:t>organisation</a:t>
+            </a:r>
+            <a:endParaRPr lang="de-DE" dirty="0"/>
+          </a:p>
+        </p:txBody>
+      </p:sp>
+      <p:sp>
+        <p:nvSpPr>
+          <p:cNvPr id="3" name="Inhaltsplatzhalter 2">
+            <a:extLst>
+              <a:ext uri="{FF2B5EF4-FFF2-40B4-BE49-F238E27FC236}">
+                <a16:creationId xmlns:a16="http://schemas.microsoft.com/office/drawing/2014/main" id="{C253C894-A10A-6948-A977-7538A9145706}"/>
+              </a:ext>
+            </a:extLst>
+          </p:cNvPr>
+          <p:cNvSpPr>
+            <a:spLocks noGrp="1"/>
+          </p:cNvSpPr>
+          <p:nvPr>
+            <p:ph idx="1"/>
+          </p:nvPr>
+        </p:nvSpPr>
+        <p:spPr/>
+        <p:txBody>
+          <a:bodyPr/>
+          <a:lstStyle/>
+          <a:p>
+            <a:r>
+              <a:rPr lang="de-DE" dirty="0"/>
+              <a:t>Tagebuch:</a:t>
+            </a:r>
+          </a:p>
+          <a:p>
+            <a:r>
+              <a:rPr lang="de-DE" dirty="0"/>
+              <a:t>GUI:</a:t>
+            </a:r>
+          </a:p>
+          <a:p>
+            <a:r>
+              <a:rPr lang="de-DE" dirty="0"/>
+              <a:t>Networking:</a:t>
+            </a:r>
+          </a:p>
+          <a:p>
+            <a:r>
+              <a:rPr lang="de-DE" dirty="0"/>
+              <a:t>Präsentationen:</a:t>
+            </a:r>
+          </a:p>
+          <a:p>
+            <a:r>
+              <a:rPr lang="de-DE" dirty="0"/>
+              <a:t>Implementation:</a:t>
             </a:r>
           </a:p>
         </p:txBody>
@@ -19383,7 +22596,7 @@
     </p:spTree>
     <p:extLst>
       <p:ext uri="{BB962C8B-B14F-4D97-AF65-F5344CB8AC3E}">
-        <p14:creationId xmlns:p14="http://schemas.microsoft.com/office/powerpoint/2010/main" val="245925274"/>
+        <p14:creationId xmlns:p14="http://schemas.microsoft.com/office/powerpoint/2010/main" val="567593180"/>
       </p:ext>
     </p:extLst>
   </p:cSld>
@@ -19516,6 +22729,136 @@
     <p:extLst>
       <p:ext uri="{BB962C8B-B14F-4D97-AF65-F5344CB8AC3E}">
         <p14:creationId xmlns:p14="http://schemas.microsoft.com/office/powerpoint/2010/main" val="16802499"/>
+      </p:ext>
+    </p:extLst>
+  </p:cSld>
+  <p:clrMapOvr>
+    <a:masterClrMapping/>
+  </p:clrMapOvr>
+</p:sld>
+</file>
+
+<file path=ppt/slides/slide20.xml><?xml version="1.0" encoding="utf-8"?>
+<p:sld xmlns:a="http://schemas.openxmlformats.org/drawingml/2006/main" xmlns:r="http://schemas.openxmlformats.org/officeDocument/2006/relationships" xmlns:p="http://schemas.openxmlformats.org/presentationml/2006/main">
+  <p:cSld>
+    <p:spTree>
+      <p:nvGrpSpPr>
+        <p:cNvPr id="1" name=""/>
+        <p:cNvGrpSpPr/>
+        <p:nvPr/>
+      </p:nvGrpSpPr>
+      <p:grpSpPr>
+        <a:xfrm>
+          <a:off x="0" y="0"/>
+          <a:ext cx="0" cy="0"/>
+          <a:chOff x="0" y="0"/>
+          <a:chExt cx="0" cy="0"/>
+        </a:xfrm>
+      </p:grpSpPr>
+      <p:sp>
+        <p:nvSpPr>
+          <p:cNvPr id="2" name="Titel 1">
+            <a:extLst>
+              <a:ext uri="{FF2B5EF4-FFF2-40B4-BE49-F238E27FC236}">
+                <a16:creationId xmlns:a16="http://schemas.microsoft.com/office/drawing/2014/main" id="{0ABAC4F0-599E-C84B-BFD7-F0FDAD0E7B7E}"/>
+              </a:ext>
+            </a:extLst>
+          </p:cNvPr>
+          <p:cNvSpPr>
+            <a:spLocks noGrp="1"/>
+          </p:cNvSpPr>
+          <p:nvPr>
+            <p:ph type="title"/>
+          </p:nvPr>
+        </p:nvSpPr>
+        <p:spPr>
+          <a:xfrm>
+            <a:off x="4105330" y="2268643"/>
+            <a:ext cx="9905998" cy="1478570"/>
+          </a:xfrm>
+        </p:spPr>
+        <p:txBody>
+          <a:bodyPr>
+            <a:normAutofit/>
+          </a:bodyPr>
+          <a:lstStyle/>
+          <a:p>
+            <a:r>
+              <a:rPr lang="de-DE" sz="5400" dirty="0"/>
+              <a:t>Fragen?</a:t>
+            </a:r>
+          </a:p>
+        </p:txBody>
+      </p:sp>
+    </p:spTree>
+    <p:extLst>
+      <p:ext uri="{BB962C8B-B14F-4D97-AF65-F5344CB8AC3E}">
+        <p14:creationId xmlns:p14="http://schemas.microsoft.com/office/powerpoint/2010/main" val="1940052306"/>
+      </p:ext>
+    </p:extLst>
+  </p:cSld>
+  <p:clrMapOvr>
+    <a:masterClrMapping/>
+  </p:clrMapOvr>
+</p:sld>
+</file>
+
+<file path=ppt/slides/slide21.xml><?xml version="1.0" encoding="utf-8"?>
+<p:sld xmlns:a="http://schemas.openxmlformats.org/drawingml/2006/main" xmlns:r="http://schemas.openxmlformats.org/officeDocument/2006/relationships" xmlns:p="http://schemas.openxmlformats.org/presentationml/2006/main">
+  <p:cSld>
+    <p:spTree>
+      <p:nvGrpSpPr>
+        <p:cNvPr id="1" name=""/>
+        <p:cNvGrpSpPr/>
+        <p:nvPr/>
+      </p:nvGrpSpPr>
+      <p:grpSpPr>
+        <a:xfrm>
+          <a:off x="0" y="0"/>
+          <a:ext cx="0" cy="0"/>
+          <a:chOff x="0" y="0"/>
+          <a:chExt cx="0" cy="0"/>
+        </a:xfrm>
+      </p:grpSpPr>
+      <p:sp>
+        <p:nvSpPr>
+          <p:cNvPr id="2" name="Titel 1">
+            <a:extLst>
+              <a:ext uri="{FF2B5EF4-FFF2-40B4-BE49-F238E27FC236}">
+                <a16:creationId xmlns:a16="http://schemas.microsoft.com/office/drawing/2014/main" id="{6110DCC2-8A8F-C240-BA6A-BDD8B345BBBF}"/>
+              </a:ext>
+            </a:extLst>
+          </p:cNvPr>
+          <p:cNvSpPr>
+            <a:spLocks noGrp="1"/>
+          </p:cNvSpPr>
+          <p:nvPr>
+            <p:ph type="title"/>
+          </p:nvPr>
+        </p:nvSpPr>
+        <p:spPr>
+          <a:xfrm>
+            <a:off x="1060506" y="1364753"/>
+            <a:ext cx="11131494" cy="3606640"/>
+          </a:xfrm>
+        </p:spPr>
+        <p:txBody>
+          <a:bodyPr>
+            <a:normAutofit/>
+          </a:bodyPr>
+          <a:lstStyle/>
+          <a:p>
+            <a:r>
+              <a:rPr lang="de-DE" sz="4400" dirty="0"/>
+              <a:t>Vielen dank für eure Aufmerksamkeit!</a:t>
+            </a:r>
+          </a:p>
+        </p:txBody>
+      </p:sp>
+    </p:spTree>
+    <p:extLst>
+      <p:ext uri="{BB962C8B-B14F-4D97-AF65-F5344CB8AC3E}">
+        <p14:creationId xmlns:p14="http://schemas.microsoft.com/office/powerpoint/2010/main" val="245925274"/>
       </p:ext>
     </p:extLst>
   </p:cSld>
@@ -19697,7 +23040,12 @@
             <p:ph idx="1"/>
           </p:nvPr>
         </p:nvSpPr>
-        <p:spPr/>
+        <p:spPr>
+          <a:xfrm>
+            <a:off x="1141412" y="1818289"/>
+            <a:ext cx="9905999" cy="4421193"/>
+          </a:xfrm>
+        </p:spPr>
         <p:txBody>
           <a:bodyPr>
             <a:normAutofit fontScale="92500" lnSpcReduction="10000"/>
@@ -19737,13 +23085,25 @@
           <a:p>
             <a:r>
               <a:rPr lang="de-DE" dirty="0"/>
-              <a:t>Fragen?</a:t>
+              <a:t>Anforderungen</a:t>
             </a:r>
           </a:p>
           <a:p>
             <a:r>
               <a:rPr lang="de-DE" dirty="0"/>
-              <a:t>Abschluss</a:t>
+              <a:t>Client/Server</a:t>
+            </a:r>
+          </a:p>
+          <a:p>
+            <a:r>
+              <a:rPr lang="de-DE" dirty="0"/>
+              <a:t>Organisation</a:t>
+            </a:r>
+          </a:p>
+          <a:p>
+            <a:r>
+              <a:rPr lang="de-DE" dirty="0"/>
+              <a:t>Fragen?/Abschluss</a:t>
             </a:r>
           </a:p>
         </p:txBody>
@@ -20172,7 +23532,28 @@
           <a:bodyPr/>
           <a:lstStyle/>
           <a:p>
-            <a:endParaRPr lang="de-DE"/>
+            <a:r>
+              <a:rPr lang="de-DE" dirty="0"/>
+              <a:t>Es gibt eine „Bank“, welche die Karten bei sich hat</a:t>
+            </a:r>
+          </a:p>
+          <a:p>
+            <a:r>
+              <a:rPr lang="de-DE" dirty="0"/>
+              <a:t>Es könne mindestens 3 und maximal 5 Personen teilnehmen</a:t>
+            </a:r>
+          </a:p>
+          <a:p>
+            <a:r>
+              <a:rPr lang="de-DE" dirty="0"/>
+              <a:t>Der Gewinner erhält Punkte (Geld)</a:t>
+            </a:r>
+          </a:p>
+          <a:p>
+            <a:r>
+              <a:rPr lang="de-DE" dirty="0"/>
+              <a:t>Der Verlier kriegt Punkte abgezogen</a:t>
+            </a:r>
           </a:p>
         </p:txBody>
       </p:sp>

--- a/documents/Meilensteine/Meilenstein I/Meilenstein_1_Präsentation.pptx
+++ b/documents/Meilensteine/Meilenstein I/Meilenstein_1_Präsentation.pptx
@@ -32,8 +32,8 @@
     <p:sldId id="276" r:id="rId26"/>
     <p:sldId id="279" r:id="rId27"/>
     <p:sldId id="290" r:id="rId28"/>
-    <p:sldId id="265" r:id="rId29"/>
-    <p:sldId id="273" r:id="rId30"/>
+    <p:sldId id="273" r:id="rId29"/>
+    <p:sldId id="265" r:id="rId30"/>
   </p:sldIdLst>
   <p:sldSz cx="12192000" cy="6858000"/>
   <p:notesSz cx="6858000" cy="9144000"/>
@@ -190,7 +190,7 @@
           <a:noFill/>
           <a:extLst>
             <a:ext uri="{909E8E84-426E-40dd-AFC4-6F175D3DCCD1}">
-              <a14:hiddenFill xmlns="" xmlns:a14="http://schemas.microsoft.com/office/drawing/2010/main">
+              <a14:hiddenFill xmlns:a14="http://schemas.microsoft.com/office/drawing/2010/main" xmlns="">
                 <a:solidFill>
                   <a:srgbClr val="FFFFFF"/>
                 </a:solidFill>
@@ -250,7 +250,7 @@
             </a:ln>
             <a:extLst>
               <a:ext uri="{91240B29-F687-4f45-9708-019B960494DF}">
-                <a14:hiddenLine xmlns="" xmlns:a14="http://schemas.microsoft.com/office/drawing/2010/main" w="9525">
+                <a14:hiddenLine xmlns:a14="http://schemas.microsoft.com/office/drawing/2010/main" xmlns="" w="9525">
                   <a:solidFill>
                     <a:srgbClr val="000000"/>
                   </a:solidFill>
@@ -340,7 +340,7 @@
             </a:ln>
             <a:extLst>
               <a:ext uri="{91240B29-F687-4f45-9708-019B960494DF}">
-                <a14:hiddenLine xmlns="" xmlns:a14="http://schemas.microsoft.com/office/drawing/2010/main" w="9525">
+                <a14:hiddenLine xmlns:a14="http://schemas.microsoft.com/office/drawing/2010/main" xmlns="" w="9525">
                   <a:solidFill>
                     <a:srgbClr val="000000"/>
                   </a:solidFill>
@@ -430,7 +430,7 @@
             </a:ln>
             <a:extLst>
               <a:ext uri="{91240B29-F687-4f45-9708-019B960494DF}">
-                <a14:hiddenLine xmlns="" xmlns:a14="http://schemas.microsoft.com/office/drawing/2010/main" w="9525">
+                <a14:hiddenLine xmlns:a14="http://schemas.microsoft.com/office/drawing/2010/main" xmlns="" w="9525">
                   <a:solidFill>
                     <a:srgbClr val="000000"/>
                   </a:solidFill>
@@ -464,7 +464,7 @@
             </a:ln>
             <a:extLst>
               <a:ext uri="{91240B29-F687-4f45-9708-019B960494DF}">
-                <a14:hiddenLine xmlns="" xmlns:a14="http://schemas.microsoft.com/office/drawing/2010/main" w="9525">
+                <a14:hiddenLine xmlns:a14="http://schemas.microsoft.com/office/drawing/2010/main" xmlns="" w="9525">
                   <a:solidFill>
                     <a:srgbClr val="000000"/>
                   </a:solidFill>
@@ -554,7 +554,7 @@
             </a:ln>
             <a:extLst>
               <a:ext uri="{91240B29-F687-4f45-9708-019B960494DF}">
-                <a14:hiddenLine xmlns="" xmlns:a14="http://schemas.microsoft.com/office/drawing/2010/main" w="9525">
+                <a14:hiddenLine xmlns:a14="http://schemas.microsoft.com/office/drawing/2010/main" xmlns="" w="9525">
                   <a:solidFill>
                     <a:srgbClr val="000000"/>
                   </a:solidFill>
@@ -616,7 +616,7 @@
             </a:ln>
             <a:extLst>
               <a:ext uri="{91240B29-F687-4f45-9708-019B960494DF}">
-                <a14:hiddenLine xmlns="" xmlns:a14="http://schemas.microsoft.com/office/drawing/2010/main" w="9525">
+                <a14:hiddenLine xmlns:a14="http://schemas.microsoft.com/office/drawing/2010/main" xmlns="" w="9525">
                   <a:solidFill>
                     <a:srgbClr val="000000"/>
                   </a:solidFill>
@@ -678,7 +678,7 @@
             </a:ln>
             <a:extLst>
               <a:ext uri="{91240B29-F687-4f45-9708-019B960494DF}">
-                <a14:hiddenLine xmlns="" xmlns:a14="http://schemas.microsoft.com/office/drawing/2010/main" w="9525">
+                <a14:hiddenLine xmlns:a14="http://schemas.microsoft.com/office/drawing/2010/main" xmlns="" w="9525">
                   <a:solidFill>
                     <a:srgbClr val="000000"/>
                   </a:solidFill>
@@ -768,7 +768,7 @@
             </a:ln>
             <a:extLst>
               <a:ext uri="{91240B29-F687-4f45-9708-019B960494DF}">
-                <a14:hiddenLine xmlns="" xmlns:a14="http://schemas.microsoft.com/office/drawing/2010/main" w="9525">
+                <a14:hiddenLine xmlns:a14="http://schemas.microsoft.com/office/drawing/2010/main" xmlns="" w="9525">
                   <a:solidFill>
                     <a:srgbClr val="000000"/>
                   </a:solidFill>
@@ -830,7 +830,7 @@
             </a:ln>
             <a:extLst>
               <a:ext uri="{91240B29-F687-4f45-9708-019B960494DF}">
-                <a14:hiddenLine xmlns="" xmlns:a14="http://schemas.microsoft.com/office/drawing/2010/main" w="9525">
+                <a14:hiddenLine xmlns:a14="http://schemas.microsoft.com/office/drawing/2010/main" xmlns="" w="9525">
                   <a:solidFill>
                     <a:srgbClr val="000000"/>
                   </a:solidFill>
@@ -892,7 +892,7 @@
             </a:ln>
             <a:extLst>
               <a:ext uri="{91240B29-F687-4f45-9708-019B960494DF}">
-                <a14:hiddenLine xmlns="" xmlns:a14="http://schemas.microsoft.com/office/drawing/2010/main" w="9525">
+                <a14:hiddenLine xmlns:a14="http://schemas.microsoft.com/office/drawing/2010/main" xmlns="" w="9525">
                   <a:solidFill>
                     <a:srgbClr val="000000"/>
                   </a:solidFill>
@@ -982,7 +982,7 @@
             </a:ln>
             <a:extLst>
               <a:ext uri="{91240B29-F687-4f45-9708-019B960494DF}">
-                <a14:hiddenLine xmlns="" xmlns:a14="http://schemas.microsoft.com/office/drawing/2010/main" w="9525">
+                <a14:hiddenLine xmlns:a14="http://schemas.microsoft.com/office/drawing/2010/main" xmlns="" w="9525">
                   <a:solidFill>
                     <a:srgbClr val="000000"/>
                   </a:solidFill>
@@ -1072,7 +1072,7 @@
             </a:ln>
             <a:extLst>
               <a:ext uri="{91240B29-F687-4f45-9708-019B960494DF}">
-                <a14:hiddenLine xmlns="" xmlns:a14="http://schemas.microsoft.com/office/drawing/2010/main" w="9525">
+                <a14:hiddenLine xmlns:a14="http://schemas.microsoft.com/office/drawing/2010/main" xmlns="" w="9525">
                   <a:solidFill>
                     <a:srgbClr val="000000"/>
                   </a:solidFill>
@@ -1134,7 +1134,7 @@
             </a:ln>
             <a:extLst>
               <a:ext uri="{91240B29-F687-4f45-9708-019B960494DF}">
-                <a14:hiddenLine xmlns="" xmlns:a14="http://schemas.microsoft.com/office/drawing/2010/main" w="9525">
+                <a14:hiddenLine xmlns:a14="http://schemas.microsoft.com/office/drawing/2010/main" xmlns="" w="9525">
                   <a:solidFill>
                     <a:srgbClr val="000000"/>
                   </a:solidFill>
@@ -1244,7 +1244,7 @@
             </a:ln>
             <a:extLst>
               <a:ext uri="{91240B29-F687-4f45-9708-019B960494DF}">
-                <a14:hiddenLine xmlns="" xmlns:a14="http://schemas.microsoft.com/office/drawing/2010/main" w="9525">
+                <a14:hiddenLine xmlns:a14="http://schemas.microsoft.com/office/drawing/2010/main" xmlns="" w="9525">
                   <a:solidFill>
                     <a:srgbClr val="000000"/>
                   </a:solidFill>
@@ -1306,7 +1306,7 @@
             </a:ln>
             <a:extLst>
               <a:ext uri="{91240B29-F687-4f45-9708-019B960494DF}">
-                <a14:hiddenLine xmlns="" xmlns:a14="http://schemas.microsoft.com/office/drawing/2010/main" w="9525">
+                <a14:hiddenLine xmlns:a14="http://schemas.microsoft.com/office/drawing/2010/main" xmlns="" w="9525">
                   <a:solidFill>
                     <a:srgbClr val="000000"/>
                   </a:solidFill>
@@ -1396,7 +1396,7 @@
             </a:ln>
             <a:extLst>
               <a:ext uri="{91240B29-F687-4f45-9708-019B960494DF}">
-                <a14:hiddenLine xmlns="" xmlns:a14="http://schemas.microsoft.com/office/drawing/2010/main" w="9525">
+                <a14:hiddenLine xmlns:a14="http://schemas.microsoft.com/office/drawing/2010/main" xmlns="" w="9525">
                   <a:solidFill>
                     <a:srgbClr val="000000"/>
                   </a:solidFill>
@@ -1486,7 +1486,7 @@
             </a:ln>
             <a:extLst>
               <a:ext uri="{91240B29-F687-4f45-9708-019B960494DF}">
-                <a14:hiddenLine xmlns="" xmlns:a14="http://schemas.microsoft.com/office/drawing/2010/main" w="9525">
+                <a14:hiddenLine xmlns:a14="http://schemas.microsoft.com/office/drawing/2010/main" xmlns="" w="9525">
                   <a:solidFill>
                     <a:srgbClr val="000000"/>
                   </a:solidFill>
@@ -1548,7 +1548,7 @@
             </a:ln>
             <a:extLst>
               <a:ext uri="{91240B29-F687-4f45-9708-019B960494DF}">
-                <a14:hiddenLine xmlns="" xmlns:a14="http://schemas.microsoft.com/office/drawing/2010/main" w="9525">
+                <a14:hiddenLine xmlns:a14="http://schemas.microsoft.com/office/drawing/2010/main" xmlns="" w="9525">
                   <a:solidFill>
                     <a:srgbClr val="000000"/>
                   </a:solidFill>
@@ -1638,7 +1638,7 @@
             </a:ln>
             <a:extLst>
               <a:ext uri="{91240B29-F687-4f45-9708-019B960494DF}">
-                <a14:hiddenLine xmlns="" xmlns:a14="http://schemas.microsoft.com/office/drawing/2010/main" w="9525">
+                <a14:hiddenLine xmlns:a14="http://schemas.microsoft.com/office/drawing/2010/main" xmlns="" w="9525">
                   <a:solidFill>
                     <a:srgbClr val="000000"/>
                   </a:solidFill>
@@ -1728,7 +1728,7 @@
             </a:ln>
             <a:extLst>
               <a:ext uri="{91240B29-F687-4f45-9708-019B960494DF}">
-                <a14:hiddenLine xmlns="" xmlns:a14="http://schemas.microsoft.com/office/drawing/2010/main" w="9525">
+                <a14:hiddenLine xmlns:a14="http://schemas.microsoft.com/office/drawing/2010/main" xmlns="" w="9525">
                   <a:solidFill>
                     <a:srgbClr val="000000"/>
                   </a:solidFill>
@@ -1784,7 +1784,7 @@
             </a:ln>
             <a:extLst>
               <a:ext uri="{91240B29-F687-4f45-9708-019B960494DF}">
-                <a14:hiddenLine xmlns="" xmlns:a14="http://schemas.microsoft.com/office/drawing/2010/main" w="9525">
+                <a14:hiddenLine xmlns:a14="http://schemas.microsoft.com/office/drawing/2010/main" xmlns="" w="9525">
                   <a:solidFill>
                     <a:srgbClr val="000000"/>
                   </a:solidFill>
@@ -1874,7 +1874,7 @@
             </a:ln>
             <a:extLst>
               <a:ext uri="{91240B29-F687-4f45-9708-019B960494DF}">
-                <a14:hiddenLine xmlns="" xmlns:a14="http://schemas.microsoft.com/office/drawing/2010/main" w="9525">
+                <a14:hiddenLine xmlns:a14="http://schemas.microsoft.com/office/drawing/2010/main" xmlns="" w="9525">
                   <a:solidFill>
                     <a:srgbClr val="000000"/>
                   </a:solidFill>
@@ -1930,7 +1930,7 @@
             </a:ln>
             <a:extLst>
               <a:ext uri="{91240B29-F687-4f45-9708-019B960494DF}">
-                <a14:hiddenLine xmlns="" xmlns:a14="http://schemas.microsoft.com/office/drawing/2010/main" w="9525">
+                <a14:hiddenLine xmlns:a14="http://schemas.microsoft.com/office/drawing/2010/main" xmlns="" w="9525">
                   <a:solidFill>
                     <a:srgbClr val="000000"/>
                   </a:solidFill>
@@ -2020,7 +2020,7 @@
             </a:ln>
             <a:extLst>
               <a:ext uri="{91240B29-F687-4f45-9708-019B960494DF}">
-                <a14:hiddenLine xmlns="" xmlns:a14="http://schemas.microsoft.com/office/drawing/2010/main" w="9525">
+                <a14:hiddenLine xmlns:a14="http://schemas.microsoft.com/office/drawing/2010/main" xmlns="" w="9525">
                   <a:solidFill>
                     <a:srgbClr val="000000"/>
                   </a:solidFill>
@@ -2088,7 +2088,7 @@
             </a:ln>
             <a:extLst>
               <a:ext uri="{91240B29-F687-4f45-9708-019B960494DF}">
-                <a14:hiddenLine xmlns="" xmlns:a14="http://schemas.microsoft.com/office/drawing/2010/main" w="9525">
+                <a14:hiddenLine xmlns:a14="http://schemas.microsoft.com/office/drawing/2010/main" xmlns="" w="9525">
                   <a:solidFill>
                     <a:srgbClr val="000000"/>
                   </a:solidFill>
@@ -2178,7 +2178,7 @@
             </a:ln>
             <a:extLst>
               <a:ext uri="{91240B29-F687-4f45-9708-019B960494DF}">
-                <a14:hiddenLine xmlns="" xmlns:a14="http://schemas.microsoft.com/office/drawing/2010/main" w="9525">
+                <a14:hiddenLine xmlns:a14="http://schemas.microsoft.com/office/drawing/2010/main" xmlns="" w="9525">
                   <a:solidFill>
                     <a:srgbClr val="000000"/>
                   </a:solidFill>
@@ -2246,7 +2246,7 @@
             </a:ln>
             <a:extLst>
               <a:ext uri="{91240B29-F687-4f45-9708-019B960494DF}">
-                <a14:hiddenLine xmlns="" xmlns:a14="http://schemas.microsoft.com/office/drawing/2010/main" w="9525">
+                <a14:hiddenLine xmlns:a14="http://schemas.microsoft.com/office/drawing/2010/main" xmlns="" w="9525">
                   <a:solidFill>
                     <a:srgbClr val="000000"/>
                   </a:solidFill>
@@ -2336,7 +2336,7 @@
             </a:ln>
             <a:extLst>
               <a:ext uri="{91240B29-F687-4f45-9708-019B960494DF}">
-                <a14:hiddenLine xmlns="" xmlns:a14="http://schemas.microsoft.com/office/drawing/2010/main" w="9525">
+                <a14:hiddenLine xmlns:a14="http://schemas.microsoft.com/office/drawing/2010/main" xmlns="" w="9525">
                   <a:solidFill>
                     <a:srgbClr val="000000"/>
                   </a:solidFill>
@@ -2370,7 +2370,7 @@
             </a:ln>
             <a:extLst>
               <a:ext uri="{91240B29-F687-4f45-9708-019B960494DF}">
-                <a14:hiddenLine xmlns="" xmlns:a14="http://schemas.microsoft.com/office/drawing/2010/main" w="9525">
+                <a14:hiddenLine xmlns:a14="http://schemas.microsoft.com/office/drawing/2010/main" xmlns="" w="9525">
                   <a:solidFill>
                     <a:srgbClr val="000000"/>
                   </a:solidFill>
@@ -2460,7 +2460,7 @@
             </a:ln>
             <a:extLst>
               <a:ext uri="{91240B29-F687-4f45-9708-019B960494DF}">
-                <a14:hiddenLine xmlns="" xmlns:a14="http://schemas.microsoft.com/office/drawing/2010/main" w="9525">
+                <a14:hiddenLine xmlns:a14="http://schemas.microsoft.com/office/drawing/2010/main" xmlns="" w="9525">
                   <a:solidFill>
                     <a:srgbClr val="000000"/>
                   </a:solidFill>
@@ -2522,7 +2522,7 @@
             </a:ln>
             <a:extLst>
               <a:ext uri="{91240B29-F687-4f45-9708-019B960494DF}">
-                <a14:hiddenLine xmlns="" xmlns:a14="http://schemas.microsoft.com/office/drawing/2010/main" w="9525">
+                <a14:hiddenLine xmlns:a14="http://schemas.microsoft.com/office/drawing/2010/main" xmlns="" w="9525">
                   <a:solidFill>
                     <a:srgbClr val="000000"/>
                   </a:solidFill>
@@ -2584,7 +2584,7 @@
             </a:ln>
             <a:extLst>
               <a:ext uri="{91240B29-F687-4f45-9708-019B960494DF}">
-                <a14:hiddenLine xmlns="" xmlns:a14="http://schemas.microsoft.com/office/drawing/2010/main" w="9525">
+                <a14:hiddenLine xmlns:a14="http://schemas.microsoft.com/office/drawing/2010/main" xmlns="" w="9525">
                   <a:solidFill>
                     <a:srgbClr val="000000"/>
                   </a:solidFill>
@@ -2674,7 +2674,7 @@
             </a:ln>
             <a:extLst>
               <a:ext uri="{91240B29-F687-4f45-9708-019B960494DF}">
-                <a14:hiddenLine xmlns="" xmlns:a14="http://schemas.microsoft.com/office/drawing/2010/main" w="9525">
+                <a14:hiddenLine xmlns:a14="http://schemas.microsoft.com/office/drawing/2010/main" xmlns="" w="9525">
                   <a:solidFill>
                     <a:srgbClr val="000000"/>
                   </a:solidFill>
@@ -2742,7 +2742,7 @@
             </a:ln>
             <a:extLst>
               <a:ext uri="{91240B29-F687-4f45-9708-019B960494DF}">
-                <a14:hiddenLine xmlns="" xmlns:a14="http://schemas.microsoft.com/office/drawing/2010/main" w="9525">
+                <a14:hiddenLine xmlns:a14="http://schemas.microsoft.com/office/drawing/2010/main" xmlns="" w="9525">
                   <a:solidFill>
                     <a:srgbClr val="000000"/>
                   </a:solidFill>
@@ -2804,7 +2804,7 @@
             </a:ln>
             <a:extLst>
               <a:ext uri="{91240B29-F687-4f45-9708-019B960494DF}">
-                <a14:hiddenLine xmlns="" xmlns:a14="http://schemas.microsoft.com/office/drawing/2010/main" w="9525">
+                <a14:hiddenLine xmlns:a14="http://schemas.microsoft.com/office/drawing/2010/main" xmlns="" w="9525">
                   <a:solidFill>
                     <a:srgbClr val="000000"/>
                   </a:solidFill>
@@ -2894,7 +2894,7 @@
             </a:ln>
             <a:extLst>
               <a:ext uri="{91240B29-F687-4f45-9708-019B960494DF}">
-                <a14:hiddenLine xmlns="" xmlns:a14="http://schemas.microsoft.com/office/drawing/2010/main" w="9525">
+                <a14:hiddenLine xmlns:a14="http://schemas.microsoft.com/office/drawing/2010/main" xmlns="" w="9525">
                   <a:solidFill>
                     <a:srgbClr val="000000"/>
                   </a:solidFill>
@@ -2956,7 +2956,7 @@
             </a:ln>
             <a:extLst>
               <a:ext uri="{91240B29-F687-4f45-9708-019B960494DF}">
-                <a14:hiddenLine xmlns="" xmlns:a14="http://schemas.microsoft.com/office/drawing/2010/main" w="9525">
+                <a14:hiddenLine xmlns:a14="http://schemas.microsoft.com/office/drawing/2010/main" xmlns="" w="9525">
                   <a:solidFill>
                     <a:srgbClr val="000000"/>
                   </a:solidFill>
@@ -3046,7 +3046,7 @@
             </a:ln>
             <a:extLst>
               <a:ext uri="{91240B29-F687-4f45-9708-019B960494DF}">
-                <a14:hiddenLine xmlns="" xmlns:a14="http://schemas.microsoft.com/office/drawing/2010/main" w="9525">
+                <a14:hiddenLine xmlns:a14="http://schemas.microsoft.com/office/drawing/2010/main" xmlns="" w="9525">
                   <a:solidFill>
                     <a:srgbClr val="000000"/>
                   </a:solidFill>
@@ -3108,7 +3108,7 @@
             </a:ln>
             <a:extLst>
               <a:ext uri="{91240B29-F687-4f45-9708-019B960494DF}">
-                <a14:hiddenLine xmlns="" xmlns:a14="http://schemas.microsoft.com/office/drawing/2010/main" w="9525">
+                <a14:hiddenLine xmlns:a14="http://schemas.microsoft.com/office/drawing/2010/main" xmlns="" w="9525">
                   <a:solidFill>
                     <a:srgbClr val="000000"/>
                   </a:solidFill>
@@ -3198,7 +3198,7 @@
             </a:ln>
             <a:extLst>
               <a:ext uri="{91240B29-F687-4f45-9708-019B960494DF}">
-                <a14:hiddenLine xmlns="" xmlns:a14="http://schemas.microsoft.com/office/drawing/2010/main" w="9525">
+                <a14:hiddenLine xmlns:a14="http://schemas.microsoft.com/office/drawing/2010/main" xmlns="" w="9525">
                   <a:solidFill>
                     <a:srgbClr val="000000"/>
                   </a:solidFill>
@@ -3232,7 +3232,7 @@
             </a:ln>
             <a:extLst>
               <a:ext uri="{91240B29-F687-4f45-9708-019B960494DF}">
-                <a14:hiddenLine xmlns="" xmlns:a14="http://schemas.microsoft.com/office/drawing/2010/main" w="9525">
+                <a14:hiddenLine xmlns:a14="http://schemas.microsoft.com/office/drawing/2010/main" xmlns="" w="9525">
                   <a:solidFill>
                     <a:srgbClr val="000000"/>
                   </a:solidFill>
@@ -3297,7 +3297,7 @@
             </a:ln>
             <a:extLst>
               <a:ext uri="{91240B29-F687-4f45-9708-019B960494DF}">
-                <a14:hiddenLine xmlns="" xmlns:a14="http://schemas.microsoft.com/office/drawing/2010/main" w="9525">
+                <a14:hiddenLine xmlns:a14="http://schemas.microsoft.com/office/drawing/2010/main" xmlns="" w="9525">
                   <a:solidFill>
                     <a:srgbClr val="000000"/>
                   </a:solidFill>
@@ -3387,7 +3387,7 @@
             </a:ln>
             <a:extLst>
               <a:ext uri="{91240B29-F687-4f45-9708-019B960494DF}">
-                <a14:hiddenLine xmlns="" xmlns:a14="http://schemas.microsoft.com/office/drawing/2010/main" w="9525">
+                <a14:hiddenLine xmlns:a14="http://schemas.microsoft.com/office/drawing/2010/main" xmlns="" w="9525">
                   <a:solidFill>
                     <a:srgbClr val="000000"/>
                   </a:solidFill>
@@ -3449,7 +3449,7 @@
             </a:ln>
             <a:extLst>
               <a:ext uri="{91240B29-F687-4f45-9708-019B960494DF}">
-                <a14:hiddenLine xmlns="" xmlns:a14="http://schemas.microsoft.com/office/drawing/2010/main" w="9525">
+                <a14:hiddenLine xmlns:a14="http://schemas.microsoft.com/office/drawing/2010/main" xmlns="" w="9525">
                   <a:solidFill>
                     <a:srgbClr val="000000"/>
                   </a:solidFill>
@@ -3539,7 +3539,7 @@
             </a:ln>
             <a:extLst>
               <a:ext uri="{91240B29-F687-4f45-9708-019B960494DF}">
-                <a14:hiddenLine xmlns="" xmlns:a14="http://schemas.microsoft.com/office/drawing/2010/main" w="9525">
+                <a14:hiddenLine xmlns:a14="http://schemas.microsoft.com/office/drawing/2010/main" xmlns="" w="9525">
                   <a:solidFill>
                     <a:srgbClr val="000000"/>
                   </a:solidFill>
@@ -3629,7 +3629,7 @@
             </a:ln>
             <a:extLst>
               <a:ext uri="{91240B29-F687-4f45-9708-019B960494DF}">
-                <a14:hiddenLine xmlns="" xmlns:a14="http://schemas.microsoft.com/office/drawing/2010/main" w="9525">
+                <a14:hiddenLine xmlns:a14="http://schemas.microsoft.com/office/drawing/2010/main" xmlns="" w="9525">
                   <a:solidFill>
                     <a:srgbClr val="000000"/>
                   </a:solidFill>
@@ -3694,7 +3694,7 @@
             </a:ln>
             <a:extLst>
               <a:ext uri="{91240B29-F687-4f45-9708-019B960494DF}">
-                <a14:hiddenLine xmlns="" xmlns:a14="http://schemas.microsoft.com/office/drawing/2010/main" w="9525">
+                <a14:hiddenLine xmlns:a14="http://schemas.microsoft.com/office/drawing/2010/main" xmlns="" w="9525">
                   <a:solidFill>
                     <a:srgbClr val="000000"/>
                   </a:solidFill>
@@ -3756,7 +3756,7 @@
             </a:ln>
             <a:extLst>
               <a:ext uri="{91240B29-F687-4f45-9708-019B960494DF}">
-                <a14:hiddenLine xmlns="" xmlns:a14="http://schemas.microsoft.com/office/drawing/2010/main" w="9525">
+                <a14:hiddenLine xmlns:a14="http://schemas.microsoft.com/office/drawing/2010/main" xmlns="" w="9525">
                   <a:solidFill>
                     <a:srgbClr val="000000"/>
                   </a:solidFill>
@@ -3846,7 +3846,7 @@
             </a:ln>
             <a:extLst>
               <a:ext uri="{91240B29-F687-4f45-9708-019B960494DF}">
-                <a14:hiddenLine xmlns="" xmlns:a14="http://schemas.microsoft.com/office/drawing/2010/main" w="9525">
+                <a14:hiddenLine xmlns:a14="http://schemas.microsoft.com/office/drawing/2010/main" xmlns="" w="9525">
                   <a:solidFill>
                     <a:srgbClr val="000000"/>
                   </a:solidFill>
@@ -3936,7 +3936,7 @@
             </a:ln>
             <a:extLst>
               <a:ext uri="{91240B29-F687-4f45-9708-019B960494DF}">
-                <a14:hiddenLine xmlns="" xmlns:a14="http://schemas.microsoft.com/office/drawing/2010/main" w="9525">
+                <a14:hiddenLine xmlns:a14="http://schemas.microsoft.com/office/drawing/2010/main" xmlns="" w="9525">
                   <a:solidFill>
                     <a:srgbClr val="000000"/>
                   </a:solidFill>
@@ -3998,7 +3998,7 @@
             </a:ln>
             <a:extLst>
               <a:ext uri="{91240B29-F687-4f45-9708-019B960494DF}">
-                <a14:hiddenLine xmlns="" xmlns:a14="http://schemas.microsoft.com/office/drawing/2010/main" w="9525">
+                <a14:hiddenLine xmlns:a14="http://schemas.microsoft.com/office/drawing/2010/main" xmlns="" w="9525">
                   <a:solidFill>
                     <a:srgbClr val="000000"/>
                   </a:solidFill>
@@ -4118,7 +4118,7 @@
             </a:ln>
             <a:extLst>
               <a:ext uri="{91240B29-F687-4f45-9708-019B960494DF}">
-                <a14:hiddenLine xmlns="" xmlns:a14="http://schemas.microsoft.com/office/drawing/2010/main" w="9525">
+                <a14:hiddenLine xmlns:a14="http://schemas.microsoft.com/office/drawing/2010/main" xmlns="" w="9525">
                   <a:solidFill>
                     <a:srgbClr val="000000"/>
                   </a:solidFill>
@@ -4186,7 +4186,7 @@
             </a:ln>
             <a:extLst>
               <a:ext uri="{91240B29-F687-4f45-9708-019B960494DF}">
-                <a14:hiddenLine xmlns="" xmlns:a14="http://schemas.microsoft.com/office/drawing/2010/main" w="9525">
+                <a14:hiddenLine xmlns:a14="http://schemas.microsoft.com/office/drawing/2010/main" xmlns="" w="9525">
                   <a:solidFill>
                     <a:srgbClr val="000000"/>
                   </a:solidFill>
@@ -4276,7 +4276,7 @@
             </a:ln>
             <a:extLst>
               <a:ext uri="{91240B29-F687-4f45-9708-019B960494DF}">
-                <a14:hiddenLine xmlns="" xmlns:a14="http://schemas.microsoft.com/office/drawing/2010/main" w="9525">
+                <a14:hiddenLine xmlns:a14="http://schemas.microsoft.com/office/drawing/2010/main" xmlns="" w="9525">
                   <a:solidFill>
                     <a:srgbClr val="000000"/>
                   </a:solidFill>
@@ -4416,7 +4416,7 @@
           <a:p>
             <a:fld id="{9AB3A824-1A51-4B26-AD58-A6D8E14F6C04}" type="datetimeFigureOut">
               <a:rPr lang="en-US" smtClean="0"/>
-              <a:t>3/6/20</a:t>
+              <a:t>3/9/20</a:t>
             </a:fld>
             <a:endParaRPr lang="en-US" dirty="0"/>
           </a:p>
@@ -4688,7 +4688,7 @@
           <a:p>
             <a:fld id="{3CBC1C18-307B-4F68-A007-B5B542270E8D}" type="datetimeFigureOut">
               <a:rPr lang="en-US" smtClean="0"/>
-              <a:t>3/6/20</a:t>
+              <a:t>3/9/20</a:t>
             </a:fld>
             <a:endParaRPr lang="en-US" dirty="0"/>
           </a:p>
@@ -4891,7 +4891,7 @@
           <a:p>
             <a:fld id="{3CBC1C18-307B-4F68-A007-B5B542270E8D}" type="datetimeFigureOut">
               <a:rPr lang="en-US" smtClean="0"/>
-              <a:t>3/6/20</a:t>
+              <a:t>3/9/20</a:t>
             </a:fld>
             <a:endParaRPr lang="en-US" dirty="0"/>
           </a:p>
@@ -5161,7 +5161,7 @@
           <a:p>
             <a:fld id="{3CBC1C18-307B-4F68-A007-B5B542270E8D}" type="datetimeFigureOut">
               <a:rPr lang="en-US" smtClean="0"/>
-              <a:t>3/6/20</a:t>
+              <a:t>3/9/20</a:t>
             </a:fld>
             <a:endParaRPr lang="en-US" dirty="0"/>
           </a:p>
@@ -5602,7 +5602,7 @@
           <a:p>
             <a:fld id="{3CBC1C18-307B-4F68-A007-B5B542270E8D}" type="datetimeFigureOut">
               <a:rPr lang="en-US" smtClean="0"/>
-              <a:t>3/6/20</a:t>
+              <a:t>3/9/20</a:t>
             </a:fld>
             <a:endParaRPr lang="en-US" dirty="0"/>
           </a:p>
@@ -6155,7 +6155,7 @@
           <a:p>
             <a:fld id="{3CBC1C18-307B-4F68-A007-B5B542270E8D}" type="datetimeFigureOut">
               <a:rPr lang="en-US" smtClean="0"/>
-              <a:t>3/6/20</a:t>
+              <a:t>3/9/20</a:t>
             </a:fld>
             <a:endParaRPr lang="en-US" dirty="0"/>
           </a:p>
@@ -6882,7 +6882,7 @@
           <a:p>
             <a:fld id="{3CBC1C18-307B-4F68-A007-B5B542270E8D}" type="datetimeFigureOut">
               <a:rPr lang="en-US" smtClean="0"/>
-              <a:t>3/6/20</a:t>
+              <a:t>3/9/20</a:t>
             </a:fld>
             <a:endParaRPr lang="en-US" dirty="0"/>
           </a:p>
@@ -7059,7 +7059,7 @@
           <a:p>
             <a:fld id="{D857E33E-8B18-4087-B112-809917729534}" type="datetimeFigureOut">
               <a:rPr lang="en-US" smtClean="0"/>
-              <a:t>3/6/20</a:t>
+              <a:t>3/9/20</a:t>
             </a:fld>
             <a:endParaRPr lang="en-US" dirty="0"/>
           </a:p>
@@ -7244,7 +7244,7 @@
           <a:p>
             <a:fld id="{D3FFE419-2371-464F-8239-3959401C3561}" type="datetimeFigureOut">
               <a:rPr lang="en-US" smtClean="0"/>
-              <a:t>3/6/20</a:t>
+              <a:t>3/9/20</a:t>
             </a:fld>
             <a:endParaRPr lang="en-US" dirty="0"/>
           </a:p>
@@ -7419,7 +7419,7 @@
           <a:p>
             <a:fld id="{97D162C4-EDD9-4389-A98B-B87ECEA2A816}" type="datetimeFigureOut">
               <a:rPr lang="en-US" smtClean="0"/>
-              <a:t>3/6/20</a:t>
+              <a:t>3/9/20</a:t>
             </a:fld>
             <a:endParaRPr lang="en-US" dirty="0"/>
           </a:p>
@@ -7674,7 +7674,7 @@
           <a:p>
             <a:fld id="{3E5059C3-6A89-4494-99FF-5A4D6FFD50EB}" type="datetimeFigureOut">
               <a:rPr lang="en-US" smtClean="0"/>
-              <a:t>3/6/20</a:t>
+              <a:t>3/9/20</a:t>
             </a:fld>
             <a:endParaRPr lang="en-US" dirty="0"/>
           </a:p>
@@ -7911,7 +7911,7 @@
           <a:p>
             <a:fld id="{CA954B2F-12DE-47F5-8894-472B206D2E1E}" type="datetimeFigureOut">
               <a:rPr lang="en-US" smtClean="0"/>
-              <a:t>3/6/20</a:t>
+              <a:t>3/9/20</a:t>
             </a:fld>
             <a:endParaRPr lang="en-US" dirty="0"/>
           </a:p>
@@ -8297,7 +8297,7 @@
           <a:p>
             <a:fld id="{3CBC1C18-307B-4F68-A007-B5B542270E8D}" type="datetimeFigureOut">
               <a:rPr lang="en-US" smtClean="0"/>
-              <a:t>3/6/20</a:t>
+              <a:t>3/9/20</a:t>
             </a:fld>
             <a:endParaRPr lang="en-US" dirty="0"/>
           </a:p>
@@ -8422,7 +8422,7 @@
           <a:p>
             <a:fld id="{1FAF3416-4057-4DAA-829D-4CA07428D088}" type="datetimeFigureOut">
               <a:rPr lang="en-US" smtClean="0"/>
-              <a:t>3/6/20</a:t>
+              <a:t>3/9/20</a:t>
             </a:fld>
             <a:endParaRPr lang="en-US" dirty="0"/>
           </a:p>
@@ -8522,7 +8522,7 @@
           <a:p>
             <a:fld id="{921D9284-D300-4297-87F7-E791DCC15DB1}" type="datetimeFigureOut">
               <a:rPr lang="en-US" smtClean="0"/>
-              <a:t>3/6/20</a:t>
+              <a:t>3/9/20</a:t>
             </a:fld>
             <a:endParaRPr lang="en-US" dirty="0"/>
           </a:p>
@@ -8776,7 +8776,7 @@
           <a:p>
             <a:fld id="{37D525BB-DA17-4BA0-B3C8-3AC3ABC827E6}" type="datetimeFigureOut">
               <a:rPr lang="en-US" smtClean="0"/>
-              <a:t>3/6/20</a:t>
+              <a:t>3/9/20</a:t>
             </a:fld>
             <a:endParaRPr lang="en-US" dirty="0"/>
           </a:p>
@@ -9061,7 +9061,7 @@
           <a:p>
             <a:fld id="{B16C4C9A-3960-41CF-A4E9-2A8FB932454B}" type="datetimeFigureOut">
               <a:rPr lang="en-US" smtClean="0"/>
-              <a:t>3/6/20</a:t>
+              <a:t>3/9/20</a:t>
             </a:fld>
             <a:endParaRPr lang="en-US" dirty="0"/>
           </a:p>
@@ -9182,7 +9182,7 @@
           <a:noFill/>
           <a:extLst>
             <a:ext uri="{909E8E84-426E-40dd-AFC4-6F175D3DCCD1}">
-              <a14:hiddenFill xmlns="" xmlns:a14="http://schemas.microsoft.com/office/drawing/2010/main">
+              <a14:hiddenFill xmlns:a14="http://schemas.microsoft.com/office/drawing/2010/main" xmlns="">
                 <a:solidFill>
                   <a:srgbClr val="FFFFFF"/>
                 </a:solidFill>
@@ -9256,7 +9256,7 @@
               </a:ln>
               <a:extLst>
                 <a:ext uri="{91240B29-F687-4f45-9708-019B960494DF}">
-                  <a14:hiddenLine xmlns="" xmlns:a14="http://schemas.microsoft.com/office/drawing/2010/main" w="9525">
+                  <a14:hiddenLine xmlns:a14="http://schemas.microsoft.com/office/drawing/2010/main" xmlns="" w="9525">
                     <a:solidFill>
                       <a:srgbClr val="000000"/>
                     </a:solidFill>
@@ -9346,7 +9346,7 @@
               </a:ln>
               <a:extLst>
                 <a:ext uri="{91240B29-F687-4f45-9708-019B960494DF}">
-                  <a14:hiddenLine xmlns="" xmlns:a14="http://schemas.microsoft.com/office/drawing/2010/main" w="9525">
+                  <a14:hiddenLine xmlns:a14="http://schemas.microsoft.com/office/drawing/2010/main" xmlns="" w="9525">
                     <a:solidFill>
                       <a:srgbClr val="000000"/>
                     </a:solidFill>
@@ -9436,7 +9436,7 @@
               </a:ln>
               <a:extLst>
                 <a:ext uri="{91240B29-F687-4f45-9708-019B960494DF}">
-                  <a14:hiddenLine xmlns="" xmlns:a14="http://schemas.microsoft.com/office/drawing/2010/main" w="9525">
+                  <a14:hiddenLine xmlns:a14="http://schemas.microsoft.com/office/drawing/2010/main" xmlns="" w="9525">
                     <a:solidFill>
                       <a:srgbClr val="000000"/>
                     </a:solidFill>
@@ -9498,7 +9498,7 @@
               </a:ln>
               <a:extLst>
                 <a:ext uri="{91240B29-F687-4f45-9708-019B960494DF}">
-                  <a14:hiddenLine xmlns="" xmlns:a14="http://schemas.microsoft.com/office/drawing/2010/main" w="9525">
+                  <a14:hiddenLine xmlns:a14="http://schemas.microsoft.com/office/drawing/2010/main" xmlns="" w="9525">
                     <a:solidFill>
                       <a:srgbClr val="000000"/>
                     </a:solidFill>
@@ -9588,7 +9588,7 @@
               </a:ln>
               <a:extLst>
                 <a:ext uri="{91240B29-F687-4f45-9708-019B960494DF}">
-                  <a14:hiddenLine xmlns="" xmlns:a14="http://schemas.microsoft.com/office/drawing/2010/main" w="9525">
+                  <a14:hiddenLine xmlns:a14="http://schemas.microsoft.com/office/drawing/2010/main" xmlns="" w="9525">
                     <a:solidFill>
                       <a:srgbClr val="000000"/>
                     </a:solidFill>
@@ -9650,7 +9650,7 @@
               </a:ln>
               <a:extLst>
                 <a:ext uri="{91240B29-F687-4f45-9708-019B960494DF}">
-                  <a14:hiddenLine xmlns="" xmlns:a14="http://schemas.microsoft.com/office/drawing/2010/main" w="9525">
+                  <a14:hiddenLine xmlns:a14="http://schemas.microsoft.com/office/drawing/2010/main" xmlns="" w="9525">
                     <a:solidFill>
                       <a:srgbClr val="000000"/>
                     </a:solidFill>
@@ -9712,7 +9712,7 @@
               </a:ln>
               <a:extLst>
                 <a:ext uri="{91240B29-F687-4f45-9708-019B960494DF}">
-                  <a14:hiddenLine xmlns="" xmlns:a14="http://schemas.microsoft.com/office/drawing/2010/main" w="9525">
+                  <a14:hiddenLine xmlns:a14="http://schemas.microsoft.com/office/drawing/2010/main" xmlns="" w="9525">
                     <a:solidFill>
                       <a:srgbClr val="000000"/>
                     </a:solidFill>
@@ -9802,7 +9802,7 @@
               </a:ln>
               <a:extLst>
                 <a:ext uri="{91240B29-F687-4f45-9708-019B960494DF}">
-                  <a14:hiddenLine xmlns="" xmlns:a14="http://schemas.microsoft.com/office/drawing/2010/main" w="9525">
+                  <a14:hiddenLine xmlns:a14="http://schemas.microsoft.com/office/drawing/2010/main" xmlns="" w="9525">
                     <a:solidFill>
                       <a:srgbClr val="000000"/>
                     </a:solidFill>
@@ -9892,7 +9892,7 @@
               </a:ln>
               <a:extLst>
                 <a:ext uri="{91240B29-F687-4f45-9708-019B960494DF}">
-                  <a14:hiddenLine xmlns="" xmlns:a14="http://schemas.microsoft.com/office/drawing/2010/main" w="9525">
+                  <a14:hiddenLine xmlns:a14="http://schemas.microsoft.com/office/drawing/2010/main" xmlns="" w="9525">
                     <a:solidFill>
                       <a:srgbClr val="000000"/>
                     </a:solidFill>
@@ -9954,7 +9954,7 @@
               </a:ln>
               <a:extLst>
                 <a:ext uri="{91240B29-F687-4f45-9708-019B960494DF}">
-                  <a14:hiddenLine xmlns="" xmlns:a14="http://schemas.microsoft.com/office/drawing/2010/main" w="9525">
+                  <a14:hiddenLine xmlns:a14="http://schemas.microsoft.com/office/drawing/2010/main" xmlns="" w="9525">
                     <a:solidFill>
                       <a:srgbClr val="000000"/>
                     </a:solidFill>
@@ -10064,7 +10064,7 @@
               </a:ln>
               <a:extLst>
                 <a:ext uri="{91240B29-F687-4f45-9708-019B960494DF}">
-                  <a14:hiddenLine xmlns="" xmlns:a14="http://schemas.microsoft.com/office/drawing/2010/main" w="9525">
+                  <a14:hiddenLine xmlns:a14="http://schemas.microsoft.com/office/drawing/2010/main" xmlns="" w="9525">
                     <a:solidFill>
                       <a:srgbClr val="000000"/>
                     </a:solidFill>
@@ -10148,7 +10148,7 @@
               </a:ln>
               <a:extLst>
                 <a:ext uri="{91240B29-F687-4f45-9708-019B960494DF}">
-                  <a14:hiddenLine xmlns="" xmlns:a14="http://schemas.microsoft.com/office/drawing/2010/main" w="9525">
+                  <a14:hiddenLine xmlns:a14="http://schemas.microsoft.com/office/drawing/2010/main" xmlns="" w="9525">
                     <a:solidFill>
                       <a:srgbClr val="000000"/>
                     </a:solidFill>
@@ -10210,7 +10210,7 @@
               </a:ln>
               <a:extLst>
                 <a:ext uri="{91240B29-F687-4f45-9708-019B960494DF}">
-                  <a14:hiddenLine xmlns="" xmlns:a14="http://schemas.microsoft.com/office/drawing/2010/main" w="9525">
+                  <a14:hiddenLine xmlns:a14="http://schemas.microsoft.com/office/drawing/2010/main" xmlns="" w="9525">
                     <a:solidFill>
                       <a:srgbClr val="000000"/>
                     </a:solidFill>
@@ -10272,7 +10272,7 @@
               </a:ln>
               <a:extLst>
                 <a:ext uri="{91240B29-F687-4f45-9708-019B960494DF}">
-                  <a14:hiddenLine xmlns="" xmlns:a14="http://schemas.microsoft.com/office/drawing/2010/main" w="9525">
+                  <a14:hiddenLine xmlns:a14="http://schemas.microsoft.com/office/drawing/2010/main" xmlns="" w="9525">
                     <a:solidFill>
                       <a:srgbClr val="000000"/>
                     </a:solidFill>
@@ -10362,7 +10362,7 @@
               </a:ln>
               <a:extLst>
                 <a:ext uri="{91240B29-F687-4f45-9708-019B960494DF}">
-                  <a14:hiddenLine xmlns="" xmlns:a14="http://schemas.microsoft.com/office/drawing/2010/main" w="9525">
+                  <a14:hiddenLine xmlns:a14="http://schemas.microsoft.com/office/drawing/2010/main" xmlns="" w="9525">
                     <a:solidFill>
                       <a:srgbClr val="000000"/>
                     </a:solidFill>
@@ -10396,7 +10396,7 @@
               </a:ln>
               <a:extLst>
                 <a:ext uri="{91240B29-F687-4f45-9708-019B960494DF}">
-                  <a14:hiddenLine xmlns="" xmlns:a14="http://schemas.microsoft.com/office/drawing/2010/main" w="9525">
+                  <a14:hiddenLine xmlns:a14="http://schemas.microsoft.com/office/drawing/2010/main" xmlns="" w="9525">
                     <a:solidFill>
                       <a:srgbClr val="000000"/>
                     </a:solidFill>
@@ -10461,7 +10461,7 @@
               </a:ln>
               <a:extLst>
                 <a:ext uri="{91240B29-F687-4f45-9708-019B960494DF}">
-                  <a14:hiddenLine xmlns="" xmlns:a14="http://schemas.microsoft.com/office/drawing/2010/main" w="9525">
+                  <a14:hiddenLine xmlns:a14="http://schemas.microsoft.com/office/drawing/2010/main" xmlns="" w="9525">
                     <a:solidFill>
                       <a:srgbClr val="000000"/>
                     </a:solidFill>
@@ -10551,7 +10551,7 @@
               </a:ln>
               <a:extLst>
                 <a:ext uri="{91240B29-F687-4f45-9708-019B960494DF}">
-                  <a14:hiddenLine xmlns="" xmlns:a14="http://schemas.microsoft.com/office/drawing/2010/main" w="9525">
+                  <a14:hiddenLine xmlns:a14="http://schemas.microsoft.com/office/drawing/2010/main" xmlns="" w="9525">
                     <a:solidFill>
                       <a:srgbClr val="000000"/>
                     </a:solidFill>
@@ -10613,7 +10613,7 @@
               </a:ln>
               <a:extLst>
                 <a:ext uri="{91240B29-F687-4f45-9708-019B960494DF}">
-                  <a14:hiddenLine xmlns="" xmlns:a14="http://schemas.microsoft.com/office/drawing/2010/main" w="9525">
+                  <a14:hiddenLine xmlns:a14="http://schemas.microsoft.com/office/drawing/2010/main" xmlns="" w="9525">
                     <a:solidFill>
                       <a:srgbClr val="000000"/>
                     </a:solidFill>
@@ -10703,7 +10703,7 @@
               </a:ln>
               <a:extLst>
                 <a:ext uri="{91240B29-F687-4f45-9708-019B960494DF}">
-                  <a14:hiddenLine xmlns="" xmlns:a14="http://schemas.microsoft.com/office/drawing/2010/main" w="9525">
+                  <a14:hiddenLine xmlns:a14="http://schemas.microsoft.com/office/drawing/2010/main" xmlns="" w="9525">
                     <a:solidFill>
                       <a:srgbClr val="000000"/>
                     </a:solidFill>
@@ -10768,7 +10768,7 @@
               </a:ln>
               <a:extLst>
                 <a:ext uri="{91240B29-F687-4f45-9708-019B960494DF}">
-                  <a14:hiddenLine xmlns="" xmlns:a14="http://schemas.microsoft.com/office/drawing/2010/main" w="9525">
+                  <a14:hiddenLine xmlns:a14="http://schemas.microsoft.com/office/drawing/2010/main" xmlns="" w="9525">
                     <a:solidFill>
                       <a:srgbClr val="000000"/>
                     </a:solidFill>
@@ -10830,7 +10830,7 @@
               </a:ln>
               <a:extLst>
                 <a:ext uri="{91240B29-F687-4f45-9708-019B960494DF}">
-                  <a14:hiddenLine xmlns="" xmlns:a14="http://schemas.microsoft.com/office/drawing/2010/main" w="9525">
+                  <a14:hiddenLine xmlns:a14="http://schemas.microsoft.com/office/drawing/2010/main" xmlns="" w="9525">
                     <a:solidFill>
                       <a:srgbClr val="000000"/>
                     </a:solidFill>
@@ -10920,7 +10920,7 @@
               </a:ln>
               <a:extLst>
                 <a:ext uri="{91240B29-F687-4f45-9708-019B960494DF}">
-                  <a14:hiddenLine xmlns="" xmlns:a14="http://schemas.microsoft.com/office/drawing/2010/main" w="9525">
+                  <a14:hiddenLine xmlns:a14="http://schemas.microsoft.com/office/drawing/2010/main" xmlns="" w="9525">
                     <a:solidFill>
                       <a:srgbClr val="000000"/>
                     </a:solidFill>
@@ -11010,7 +11010,7 @@
               </a:ln>
               <a:extLst>
                 <a:ext uri="{91240B29-F687-4f45-9708-019B960494DF}">
-                  <a14:hiddenLine xmlns="" xmlns:a14="http://schemas.microsoft.com/office/drawing/2010/main" w="9525">
+                  <a14:hiddenLine xmlns:a14="http://schemas.microsoft.com/office/drawing/2010/main" xmlns="" w="9525">
                     <a:solidFill>
                       <a:srgbClr val="000000"/>
                     </a:solidFill>
@@ -11075,7 +11075,7 @@
               </a:ln>
               <a:extLst>
                 <a:ext uri="{91240B29-F687-4f45-9708-019B960494DF}">
-                  <a14:hiddenLine xmlns="" xmlns:a14="http://schemas.microsoft.com/office/drawing/2010/main" w="9525">
+                  <a14:hiddenLine xmlns:a14="http://schemas.microsoft.com/office/drawing/2010/main" xmlns="" w="9525">
                     <a:solidFill>
                       <a:srgbClr val="000000"/>
                     </a:solidFill>
@@ -11195,7 +11195,7 @@
               </a:ln>
               <a:extLst>
                 <a:ext uri="{91240B29-F687-4f45-9708-019B960494DF}">
-                  <a14:hiddenLine xmlns="" xmlns:a14="http://schemas.microsoft.com/office/drawing/2010/main" w="9525">
+                  <a14:hiddenLine xmlns:a14="http://schemas.microsoft.com/office/drawing/2010/main" xmlns="" w="9525">
                     <a:solidFill>
                       <a:srgbClr val="000000"/>
                     </a:solidFill>
@@ -11293,7 +11293,7 @@
               </a:ln>
               <a:extLst>
                 <a:ext uri="{91240B29-F687-4f45-9708-019B960494DF}">
-                  <a14:hiddenLine xmlns="" xmlns:a14="http://schemas.microsoft.com/office/drawing/2010/main" w="9525">
+                  <a14:hiddenLine xmlns:a14="http://schemas.microsoft.com/office/drawing/2010/main" xmlns="" w="9525">
                     <a:solidFill>
                       <a:srgbClr val="000000"/>
                     </a:solidFill>
@@ -11408,7 +11408,7 @@
               </a:ln>
               <a:extLst>
                 <a:ext uri="{91240B29-F687-4f45-9708-019B960494DF}">
-                  <a14:hiddenLine xmlns="" xmlns:a14="http://schemas.microsoft.com/office/drawing/2010/main" w="9525">
+                  <a14:hiddenLine xmlns:a14="http://schemas.microsoft.com/office/drawing/2010/main" xmlns="" w="9525">
                     <a:solidFill>
                       <a:srgbClr val="000000"/>
                     </a:solidFill>
@@ -11498,7 +11498,7 @@
               </a:ln>
               <a:extLst>
                 <a:ext uri="{91240B29-F687-4f45-9708-019B960494DF}">
-                  <a14:hiddenLine xmlns="" xmlns:a14="http://schemas.microsoft.com/office/drawing/2010/main" w="9525">
+                  <a14:hiddenLine xmlns:a14="http://schemas.microsoft.com/office/drawing/2010/main" xmlns="" w="9525">
                     <a:solidFill>
                       <a:srgbClr val="000000"/>
                     </a:solidFill>
@@ -11563,7 +11563,7 @@
               </a:ln>
               <a:extLst>
                 <a:ext uri="{91240B29-F687-4f45-9708-019B960494DF}">
-                  <a14:hiddenLine xmlns="" xmlns:a14="http://schemas.microsoft.com/office/drawing/2010/main" w="9525">
+                  <a14:hiddenLine xmlns:a14="http://schemas.microsoft.com/office/drawing/2010/main" xmlns="" w="9525">
                     <a:solidFill>
                       <a:srgbClr val="000000"/>
                     </a:solidFill>
@@ -11653,7 +11653,7 @@
               </a:ln>
               <a:extLst>
                 <a:ext uri="{91240B29-F687-4f45-9708-019B960494DF}">
-                  <a14:hiddenLine xmlns="" xmlns:a14="http://schemas.microsoft.com/office/drawing/2010/main" w="9525">
+                  <a14:hiddenLine xmlns:a14="http://schemas.microsoft.com/office/drawing/2010/main" xmlns="" w="9525">
                     <a:solidFill>
                       <a:srgbClr val="000000"/>
                     </a:solidFill>
@@ -11721,7 +11721,7 @@
               </a:ln>
               <a:extLst>
                 <a:ext uri="{91240B29-F687-4f45-9708-019B960494DF}">
-                  <a14:hiddenLine xmlns="" xmlns:a14="http://schemas.microsoft.com/office/drawing/2010/main" w="9525">
+                  <a14:hiddenLine xmlns:a14="http://schemas.microsoft.com/office/drawing/2010/main" xmlns="" w="9525">
                     <a:solidFill>
                       <a:srgbClr val="000000"/>
                     </a:solidFill>
@@ -11811,7 +11811,7 @@
               </a:ln>
               <a:extLst>
                 <a:ext uri="{91240B29-F687-4f45-9708-019B960494DF}">
-                  <a14:hiddenLine xmlns="" xmlns:a14="http://schemas.microsoft.com/office/drawing/2010/main" w="9525">
+                  <a14:hiddenLine xmlns:a14="http://schemas.microsoft.com/office/drawing/2010/main" xmlns="" w="9525">
                     <a:solidFill>
                       <a:srgbClr val="000000"/>
                     </a:solidFill>
@@ -11879,7 +11879,7 @@
               </a:ln>
               <a:extLst>
                 <a:ext uri="{91240B29-F687-4f45-9708-019B960494DF}">
-                  <a14:hiddenLine xmlns="" xmlns:a14="http://schemas.microsoft.com/office/drawing/2010/main" w="9525">
+                  <a14:hiddenLine xmlns:a14="http://schemas.microsoft.com/office/drawing/2010/main" xmlns="" w="9525">
                     <a:solidFill>
                       <a:srgbClr val="000000"/>
                     </a:solidFill>
@@ -11969,7 +11969,7 @@
               </a:ln>
               <a:extLst>
                 <a:ext uri="{91240B29-F687-4f45-9708-019B960494DF}">
-                  <a14:hiddenLine xmlns="" xmlns:a14="http://schemas.microsoft.com/office/drawing/2010/main" w="9525">
+                  <a14:hiddenLine xmlns:a14="http://schemas.microsoft.com/office/drawing/2010/main" xmlns="" w="9525">
                     <a:solidFill>
                       <a:srgbClr val="000000"/>
                     </a:solidFill>
@@ -12003,7 +12003,7 @@
               </a:ln>
               <a:extLst>
                 <a:ext uri="{91240B29-F687-4f45-9708-019B960494DF}">
-                  <a14:hiddenLine xmlns="" xmlns:a14="http://schemas.microsoft.com/office/drawing/2010/main" w="9525">
+                  <a14:hiddenLine xmlns:a14="http://schemas.microsoft.com/office/drawing/2010/main" xmlns="" w="9525">
                     <a:solidFill>
                       <a:srgbClr val="000000"/>
                     </a:solidFill>
@@ -12143,7 +12143,7 @@
           <a:p>
             <a:fld id="{3CBC1C18-307B-4F68-A007-B5B542270E8D}" type="datetimeFigureOut">
               <a:rPr lang="en-US" smtClean="0"/>
-              <a:t>3/6/20</a:t>
+              <a:t>3/9/20</a:t>
             </a:fld>
             <a:endParaRPr lang="en-US" dirty="0"/>
           </a:p>
@@ -12575,7 +12575,7 @@
           <p:cNvPr id="2" name="Titel 1">
             <a:extLst>
               <a:ext uri="{FF2B5EF4-FFF2-40B4-BE49-F238E27FC236}">
-                <a16:creationId xmlns:a16="http://schemas.microsoft.com/office/drawing/2014/main" xmlns="" id="{EE60B694-AC50-3844-B32E-82E1AC3A4ADC}"/>
+                <a16:creationId xmlns:a16="http://schemas.microsoft.com/office/drawing/2014/main" id="{EE60B694-AC50-3844-B32E-82E1AC3A4ADC}"/>
               </a:ext>
             </a:extLst>
           </p:cNvPr>
@@ -12616,7 +12616,7 @@
           <p:cNvPr id="3" name="Untertitel 2">
             <a:extLst>
               <a:ext uri="{FF2B5EF4-FFF2-40B4-BE49-F238E27FC236}">
-                <a16:creationId xmlns:a16="http://schemas.microsoft.com/office/drawing/2014/main" xmlns="" id="{181FED3C-ADC9-524D-BFB5-BB1EFC503FBC}"/>
+                <a16:creationId xmlns:a16="http://schemas.microsoft.com/office/drawing/2014/main" id="{181FED3C-ADC9-524D-BFB5-BB1EFC503FBC}"/>
               </a:ext>
             </a:extLst>
           </p:cNvPr>
@@ -12662,13 +12662,6 @@
   <p:clrMapOvr>
     <a:masterClrMapping/>
   </p:clrMapOvr>
-  <p:timing>
-    <p:tnLst>
-      <p:par>
-        <p:cTn id="1" dur="indefinite" restart="never" nodeType="tmRoot"/>
-      </p:par>
-    </p:tnLst>
-  </p:timing>
 </p:sld>
 </file>
 
@@ -14801,18 +14794,13 @@
             <a:p>
               <a:pPr algn="ctr"/>
               <a:r>
-                <a:rPr lang="de-CH" sz="1600" b="1" dirty="0" err="1">
+                <a:rPr lang="de-CH" sz="1400" b="1" dirty="0">
                   <a:solidFill>
                     <a:schemeClr val="tx1"/>
                   </a:solidFill>
                 </a:rPr>
-                <a:t>Hippy</a:t>
+                <a:t>Hippie</a:t>
               </a:r>
-              <a:endParaRPr lang="de-CH" sz="1600" b="1" dirty="0">
-                <a:solidFill>
-                  <a:schemeClr val="tx1"/>
-                </a:solidFill>
-              </a:endParaRPr>
             </a:p>
           </p:txBody>
         </p:sp>
@@ -14827,13 +14815,6 @@
   <p:clrMapOvr>
     <a:masterClrMapping/>
   </p:clrMapOvr>
-  <p:timing>
-    <p:tnLst>
-      <p:par>
-        <p:cTn id="1" dur="indefinite" restart="never" nodeType="tmRoot"/>
-      </p:par>
-    </p:tnLst>
-  </p:timing>
 </p:sld>
 </file>
 
@@ -15551,18 +15532,13 @@
             <a:p>
               <a:pPr algn="ctr"/>
               <a:r>
-                <a:rPr lang="de-CH" sz="1600" b="1" dirty="0" err="1">
+                <a:rPr lang="de-CH" sz="1400" b="1" dirty="0">
                   <a:solidFill>
                     <a:schemeClr val="tx1"/>
                   </a:solidFill>
                 </a:rPr>
-                <a:t>Hippy</a:t>
+                <a:t>Hippie</a:t>
               </a:r>
-              <a:endParaRPr lang="de-CH" sz="1600" b="1" dirty="0">
-                <a:solidFill>
-                  <a:schemeClr val="tx1"/>
-                </a:solidFill>
-              </a:endParaRPr>
             </a:p>
           </p:txBody>
         </p:sp>
@@ -15751,13 +15727,6 @@
   <p:clrMapOvr>
     <a:masterClrMapping/>
   </p:clrMapOvr>
-  <p:timing>
-    <p:tnLst>
-      <p:par>
-        <p:cTn id="1" dur="indefinite" restart="never" nodeType="tmRoot"/>
-      </p:par>
-    </p:tnLst>
-  </p:timing>
 </p:sld>
 </file>
 
@@ -16247,18 +16216,13 @@
               <a:p>
                 <a:pPr algn="ctr"/>
                 <a:r>
-                  <a:rPr lang="de-CH" sz="1600" b="1" dirty="0" err="1">
+                  <a:rPr lang="de-CH" sz="1400" b="1" dirty="0">
                     <a:solidFill>
                       <a:schemeClr val="tx1"/>
                     </a:solidFill>
                   </a:rPr>
-                  <a:t>Hippy</a:t>
+                  <a:t>Hippie</a:t>
                 </a:r>
-                <a:endParaRPr lang="de-CH" sz="1600" b="1" dirty="0">
-                  <a:solidFill>
-                    <a:schemeClr val="tx1"/>
-                  </a:solidFill>
-                </a:endParaRPr>
               </a:p>
             </p:txBody>
           </p:sp>
@@ -16688,13 +16652,6 @@
   <p:clrMapOvr>
     <a:masterClrMapping/>
   </p:clrMapOvr>
-  <p:timing>
-    <p:tnLst>
-      <p:par>
-        <p:cTn id="1" dur="indefinite" restart="never" nodeType="tmRoot"/>
-      </p:par>
-    </p:tnLst>
-  </p:timing>
 </p:sld>
 </file>
 
@@ -17022,15 +16979,7 @@
                   <a:schemeClr val="bg1"/>
                 </a:solidFill>
               </a:rPr>
-              <a:t>Mei:	</a:t>
-            </a:r>
-            <a:r>
-              <a:rPr lang="de-CH" sz="1600" dirty="0" smtClean="0">
-                <a:solidFill>
-                  <a:schemeClr val="bg1"/>
-                </a:solidFill>
-              </a:rPr>
-              <a:t>	0 </a:t>
+              <a:t>Mei:		0 </a:t>
             </a:r>
             <a:r>
               <a:rPr lang="de-CH" sz="1600" dirty="0" err="1">
@@ -17449,10 +17398,9 @@
             <a:p>
               <a:pPr algn="ctr"/>
               <a:r>
-                <a:rPr lang="de-CH" sz="1200" dirty="0" smtClean="0"/>
+                <a:rPr lang="de-CH" sz="1200" dirty="0"/>
                 <a:t>10</a:t>
               </a:r>
-              <a:endParaRPr lang="de-CH" sz="1200" dirty="0"/>
             </a:p>
           </p:txBody>
         </p:sp>
@@ -17502,13 +17450,6 @@
   <p:clrMapOvr>
     <a:masterClrMapping/>
   </p:clrMapOvr>
-  <p:timing>
-    <p:tnLst>
-      <p:par>
-        <p:cTn id="1" dur="indefinite" restart="never" nodeType="tmRoot"/>
-      </p:par>
-    </p:tnLst>
-  </p:timing>
 </p:sld>
 </file>
 
@@ -17768,21 +17709,8 @@
                   <a:schemeClr val="bg1"/>
                 </a:solidFill>
               </a:rPr>
-              <a:t> </a:t>
-            </a:r>
-            <a:r>
-              <a:rPr lang="de-CH" sz="1600" dirty="0" smtClean="0">
-                <a:solidFill>
-                  <a:schemeClr val="bg1"/>
-                </a:solidFill>
-              </a:rPr>
-              <a:t>^^</a:t>
-            </a:r>
-            <a:endParaRPr lang="de-CH" sz="1600" dirty="0">
-              <a:solidFill>
-                <a:schemeClr val="bg1"/>
-              </a:solidFill>
-            </a:endParaRPr>
+              <a:t> ^^</a:t>
+            </a:r>
           </a:p>
         </p:txBody>
       </p:sp>
@@ -17930,15 +17858,7 @@
                   <a:schemeClr val="bg1"/>
                 </a:solidFill>
               </a:rPr>
-              <a:t>Mei:	</a:t>
-            </a:r>
-            <a:r>
-              <a:rPr lang="de-CH" sz="1600" dirty="0" smtClean="0">
-                <a:solidFill>
-                  <a:schemeClr val="bg1"/>
-                </a:solidFill>
-              </a:rPr>
-              <a:t>	0 </a:t>
+              <a:t>Mei:		0 </a:t>
             </a:r>
             <a:r>
               <a:rPr lang="de-CH" sz="1600" dirty="0" err="1">
@@ -18594,10 +18514,9 @@
             <a:p>
               <a:pPr algn="ctr"/>
               <a:r>
-                <a:rPr lang="de-CH" sz="1200" dirty="0" smtClean="0"/>
+                <a:rPr lang="de-CH" sz="1200" dirty="0"/>
                 <a:t>10</a:t>
               </a:r>
-              <a:endParaRPr lang="de-CH" sz="1200" dirty="0"/>
             </a:p>
           </p:txBody>
         </p:sp>
@@ -19759,15 +19678,7 @@
                   <a:schemeClr val="bg1"/>
                 </a:solidFill>
               </a:rPr>
-              <a:t>Mei:	</a:t>
-            </a:r>
-            <a:r>
-              <a:rPr lang="de-CH" sz="1600" dirty="0" smtClean="0">
-                <a:solidFill>
-                  <a:schemeClr val="bg1"/>
-                </a:solidFill>
-              </a:rPr>
-              <a:t>	0 </a:t>
+              <a:t>Mei:		0 </a:t>
             </a:r>
             <a:r>
               <a:rPr lang="de-CH" sz="1600" dirty="0" err="1">
@@ -20810,10 +20721,9 @@
             <a:p>
               <a:pPr algn="ctr"/>
               <a:r>
-                <a:rPr lang="de-CH" sz="1200" dirty="0" smtClean="0"/>
+                <a:rPr lang="de-CH" sz="1200" dirty="0"/>
                 <a:t>10</a:t>
               </a:r>
-              <a:endParaRPr lang="de-CH" sz="1200" dirty="0"/>
             </a:p>
           </p:txBody>
         </p:sp>
@@ -20863,13 +20773,6 @@
   <p:clrMapOvr>
     <a:masterClrMapping/>
   </p:clrMapOvr>
-  <p:timing>
-    <p:tnLst>
-      <p:par>
-        <p:cTn id="1" dur="indefinite" restart="never" nodeType="tmRoot"/>
-      </p:par>
-    </p:tnLst>
-  </p:timing>
 </p:sld>
 </file>
 
@@ -21285,15 +21188,7 @@
                   <a:schemeClr val="bg1"/>
                 </a:solidFill>
               </a:rPr>
-              <a:t>Mei:	</a:t>
-            </a:r>
-            <a:r>
-              <a:rPr lang="de-CH" sz="1600" dirty="0" smtClean="0">
-                <a:solidFill>
-                  <a:schemeClr val="bg1"/>
-                </a:solidFill>
-              </a:rPr>
-              <a:t>	0 </a:t>
+              <a:t>Mei:		0 </a:t>
             </a:r>
             <a:r>
               <a:rPr lang="de-CH" sz="1600" dirty="0" err="1">
@@ -22451,10 +22346,9 @@
             <a:p>
               <a:pPr algn="ctr"/>
               <a:r>
-                <a:rPr lang="de-CH" sz="1200" dirty="0" smtClean="0"/>
+                <a:rPr lang="de-CH" sz="1200" dirty="0"/>
                 <a:t>10</a:t>
               </a:r>
-              <a:endParaRPr lang="de-CH" sz="1200" dirty="0"/>
             </a:p>
           </p:txBody>
         </p:sp>
@@ -22504,13 +22398,6 @@
   <p:clrMapOvr>
     <a:masterClrMapping/>
   </p:clrMapOvr>
-  <p:timing>
-    <p:tnLst>
-      <p:par>
-        <p:cTn id="1" dur="indefinite" restart="never" nodeType="tmRoot"/>
-      </p:par>
-    </p:tnLst>
-  </p:timing>
 </p:sld>
 </file>
 
@@ -22934,15 +22821,7 @@
                   <a:schemeClr val="bg1"/>
                 </a:solidFill>
               </a:rPr>
-              <a:t>Mei:	</a:t>
-            </a:r>
-            <a:r>
-              <a:rPr lang="de-CH" sz="1600" dirty="0" smtClean="0">
-                <a:solidFill>
-                  <a:schemeClr val="bg1"/>
-                </a:solidFill>
-              </a:rPr>
-              <a:t>	0 </a:t>
+              <a:t>Mei:		0 </a:t>
             </a:r>
             <a:r>
               <a:rPr lang="de-CH" sz="1600" dirty="0" err="1">
@@ -24108,10 +23987,9 @@
             <a:p>
               <a:pPr algn="ctr"/>
               <a:r>
-                <a:rPr lang="de-CH" sz="1200" dirty="0" smtClean="0"/>
+                <a:rPr lang="de-CH" sz="1200" dirty="0"/>
                 <a:t>10</a:t>
               </a:r>
-              <a:endParaRPr lang="de-CH" sz="1200" dirty="0"/>
             </a:p>
           </p:txBody>
         </p:sp>
@@ -24161,13 +24039,6 @@
   <p:clrMapOvr>
     <a:masterClrMapping/>
   </p:clrMapOvr>
-  <p:timing>
-    <p:tnLst>
-      <p:par>
-        <p:cTn id="1" dur="indefinite" restart="never" nodeType="tmRoot"/>
-      </p:par>
-    </p:tnLst>
-  </p:timing>
 </p:sld>
 </file>
 
@@ -24193,7 +24064,7 @@
           <p:cNvPr id="2" name="Titel 1">
             <a:extLst>
               <a:ext uri="{FF2B5EF4-FFF2-40B4-BE49-F238E27FC236}">
-                <a16:creationId xmlns:a16="http://schemas.microsoft.com/office/drawing/2014/main" xmlns="" id="{D160F170-6247-1840-B5C6-D0D137BA9740}"/>
+                <a16:creationId xmlns:a16="http://schemas.microsoft.com/office/drawing/2014/main" id="{D160F170-6247-1840-B5C6-D0D137BA9740}"/>
               </a:ext>
             </a:extLst>
           </p:cNvPr>
@@ -24226,7 +24097,7 @@
           <p:cNvPr id="3" name="Inhaltsplatzhalter 2">
             <a:extLst>
               <a:ext uri="{FF2B5EF4-FFF2-40B4-BE49-F238E27FC236}">
-                <a16:creationId xmlns:a16="http://schemas.microsoft.com/office/drawing/2014/main" xmlns="" id="{46C43541-F3E5-6D43-A359-86280DFD53F2}"/>
+                <a16:creationId xmlns:a16="http://schemas.microsoft.com/office/drawing/2014/main" id="{46C43541-F3E5-6D43-A359-86280DFD53F2}"/>
               </a:ext>
             </a:extLst>
           </p:cNvPr>
@@ -24300,13 +24171,6 @@
   <p:clrMapOvr>
     <a:masterClrMapping/>
   </p:clrMapOvr>
-  <p:timing>
-    <p:tnLst>
-      <p:par>
-        <p:cTn id="1" dur="indefinite" restart="never" nodeType="tmRoot"/>
-      </p:par>
-    </p:tnLst>
-  </p:timing>
 </p:sld>
 </file>
 
@@ -24707,23 +24571,7 @@
                   <a:schemeClr val="bg1"/>
                 </a:solidFill>
               </a:rPr>
-              <a:t>Anna: 	</a:t>
-            </a:r>
-            <a:r>
-              <a:rPr lang="de-CH" sz="1600" dirty="0" smtClean="0">
-                <a:solidFill>
-                  <a:schemeClr val="bg1"/>
-                </a:solidFill>
-              </a:rPr>
-              <a:t>36</a:t>
-            </a:r>
-            <a:r>
-              <a:rPr lang="de-CH" sz="1600" dirty="0" smtClean="0">
-                <a:solidFill>
-                  <a:schemeClr val="bg1"/>
-                </a:solidFill>
-              </a:rPr>
-              <a:t>0 </a:t>
+              <a:t>Anna: 	360 </a:t>
             </a:r>
             <a:r>
               <a:rPr lang="de-CH" sz="1600" dirty="0" err="1">
@@ -24746,15 +24594,7 @@
                   <a:schemeClr val="bg1"/>
                 </a:solidFill>
               </a:rPr>
-              <a:t>Mei:	</a:t>
-            </a:r>
-            <a:r>
-              <a:rPr lang="de-CH" sz="1600" dirty="0" smtClean="0">
-                <a:solidFill>
-                  <a:schemeClr val="bg1"/>
-                </a:solidFill>
-              </a:rPr>
-              <a:t>	140 </a:t>
+              <a:t>Mei:		140 </a:t>
             </a:r>
             <a:r>
               <a:rPr lang="de-CH" sz="1600" dirty="0" err="1">
@@ -25757,18 +25597,13 @@
           <a:p>
             <a:pPr algn="ctr"/>
             <a:r>
-              <a:rPr lang="de-CH" i="1" dirty="0" smtClean="0">
+              <a:rPr lang="de-CH" i="1" dirty="0">
                 <a:solidFill>
                   <a:schemeClr val="bg1"/>
                 </a:solidFill>
               </a:rPr>
               <a:t>Nach einer Spielrunde </a:t>
             </a:r>
-            <a:endParaRPr lang="de-CH" i="1" dirty="0">
-              <a:solidFill>
-                <a:schemeClr val="bg1"/>
-              </a:solidFill>
-            </a:endParaRPr>
           </a:p>
         </p:txBody>
       </p:sp>
@@ -26158,10 +25993,9 @@
             <a:p>
               <a:pPr algn="ctr"/>
               <a:r>
-                <a:rPr lang="de-CH" sz="1200" dirty="0" smtClean="0"/>
+                <a:rPr lang="de-CH" sz="1200" dirty="0"/>
                 <a:t>10</a:t>
               </a:r>
-              <a:endParaRPr lang="de-CH" sz="1200" dirty="0"/>
             </a:p>
           </p:txBody>
         </p:sp>
@@ -26689,15 +26523,7 @@
                   <a:schemeClr val="bg1"/>
                 </a:solidFill>
               </a:rPr>
-              <a:t>Anna: 	</a:t>
-            </a:r>
-            <a:r>
-              <a:rPr lang="de-CH" sz="1600" dirty="0" smtClean="0">
-                <a:solidFill>
-                  <a:schemeClr val="bg1"/>
-                </a:solidFill>
-              </a:rPr>
-              <a:t>350 </a:t>
+              <a:t>Anna: 	350 </a:t>
             </a:r>
             <a:r>
               <a:rPr lang="de-CH" sz="1600" dirty="0" err="1">
@@ -26720,15 +26546,7 @@
                   <a:schemeClr val="bg1"/>
                 </a:solidFill>
               </a:rPr>
-              <a:t>Mei:	</a:t>
-            </a:r>
-            <a:r>
-              <a:rPr lang="de-CH" sz="1600" dirty="0" smtClean="0">
-                <a:solidFill>
-                  <a:schemeClr val="bg1"/>
-                </a:solidFill>
-              </a:rPr>
-              <a:t>	140 </a:t>
+              <a:t>Mei:		140 </a:t>
             </a:r>
             <a:r>
               <a:rPr lang="de-CH" sz="1600" dirty="0" err="1">
@@ -28131,10 +27949,9 @@
             <a:p>
               <a:pPr algn="ctr"/>
               <a:r>
-                <a:rPr lang="de-CH" sz="1200" dirty="0" smtClean="0"/>
+                <a:rPr lang="de-CH" sz="1200" dirty="0"/>
                 <a:t>10</a:t>
               </a:r>
-              <a:endParaRPr lang="de-CH" sz="1200" dirty="0"/>
             </a:p>
           </p:txBody>
         </p:sp>
@@ -28333,7 +28150,7 @@
           <p:cNvPr id="2" name="Titel 1">
             <a:extLst>
               <a:ext uri="{FF2B5EF4-FFF2-40B4-BE49-F238E27FC236}">
-                <a16:creationId xmlns:a16="http://schemas.microsoft.com/office/drawing/2014/main" xmlns="" id="{0BC03841-02CB-C047-AE91-FD2F5EC54DD5}"/>
+                <a16:creationId xmlns:a16="http://schemas.microsoft.com/office/drawing/2014/main" id="{0BC03841-02CB-C047-AE91-FD2F5EC54DD5}"/>
               </a:ext>
             </a:extLst>
           </p:cNvPr>
@@ -28361,7 +28178,7 @@
           <p:cNvPr id="3" name="Inhaltsplatzhalter 2">
             <a:extLst>
               <a:ext uri="{FF2B5EF4-FFF2-40B4-BE49-F238E27FC236}">
-                <a16:creationId xmlns:a16="http://schemas.microsoft.com/office/drawing/2014/main" xmlns="" id="{C8C3955F-84EF-024B-8F03-D7BD18821B31}"/>
+                <a16:creationId xmlns:a16="http://schemas.microsoft.com/office/drawing/2014/main" id="{C8C3955F-84EF-024B-8F03-D7BD18821B31}"/>
               </a:ext>
             </a:extLst>
           </p:cNvPr>
@@ -28849,7 +28666,7 @@
           <p:cNvPr id="2" name="Titel 1">
             <a:extLst>
               <a:ext uri="{FF2B5EF4-FFF2-40B4-BE49-F238E27FC236}">
-                <a16:creationId xmlns:a16="http://schemas.microsoft.com/office/drawing/2014/main" xmlns="" id="{67CDCE25-4C49-3F4A-8043-0325D65E56BA}"/>
+                <a16:creationId xmlns:a16="http://schemas.microsoft.com/office/drawing/2014/main" id="{67CDCE25-4C49-3F4A-8043-0325D65E56BA}"/>
               </a:ext>
             </a:extLst>
           </p:cNvPr>
@@ -28878,7 +28695,7 @@
           <p:cNvPr id="3" name="Inhaltsplatzhalter 2">
             <a:extLst>
               <a:ext uri="{FF2B5EF4-FFF2-40B4-BE49-F238E27FC236}">
-                <a16:creationId xmlns:a16="http://schemas.microsoft.com/office/drawing/2014/main" xmlns="" id="{68C650EC-7FD7-0D4F-81F5-F5C0D394A542}"/>
+                <a16:creationId xmlns:a16="http://schemas.microsoft.com/office/drawing/2014/main" id="{68C650EC-7FD7-0D4F-81F5-F5C0D394A542}"/>
               </a:ext>
             </a:extLst>
           </p:cNvPr>
@@ -29248,7 +29065,7 @@
           <p:cNvPr id="2" name="Titel 1">
             <a:extLst>
               <a:ext uri="{FF2B5EF4-FFF2-40B4-BE49-F238E27FC236}">
-                <a16:creationId xmlns:a16="http://schemas.microsoft.com/office/drawing/2014/main" xmlns="" id="{9C11DF2D-7981-2442-9502-48940D1C550B}"/>
+                <a16:creationId xmlns:a16="http://schemas.microsoft.com/office/drawing/2014/main" id="{9C11DF2D-7981-2442-9502-48940D1C550B}"/>
               </a:ext>
             </a:extLst>
           </p:cNvPr>
@@ -29277,7 +29094,7 @@
           <p:cNvPr id="3" name="Inhaltsplatzhalter 2">
             <a:extLst>
               <a:ext uri="{FF2B5EF4-FFF2-40B4-BE49-F238E27FC236}">
-                <a16:creationId xmlns:a16="http://schemas.microsoft.com/office/drawing/2014/main" xmlns="" id="{F58655C7-3D94-064B-B88F-19D266A32BE1}"/>
+                <a16:creationId xmlns:a16="http://schemas.microsoft.com/office/drawing/2014/main" id="{F58655C7-3D94-064B-B88F-19D266A32BE1}"/>
               </a:ext>
             </a:extLst>
           </p:cNvPr>
@@ -29323,6 +29140,13 @@
             <a:r>
               <a:rPr lang="de-DE" dirty="0"/>
               <a:t>Überträgt die Spielzüge an den Server</a:t>
+            </a:r>
+          </a:p>
+          <a:p>
+            <a:pPr lvl="1"/>
+            <a:r>
+              <a:rPr lang="de-DE" dirty="0"/>
+              <a:t>Via Protokoll</a:t>
             </a:r>
           </a:p>
           <a:p>
@@ -29560,6 +29384,55 @@
                       </p:childTnLst>
                     </p:cTn>
                   </p:par>
+                  <p:par>
+                    <p:cTn id="19" fill="hold">
+                      <p:stCondLst>
+                        <p:cond delay="indefinite"/>
+                      </p:stCondLst>
+                      <p:childTnLst>
+                        <p:par>
+                          <p:cTn id="20" fill="hold">
+                            <p:stCondLst>
+                              <p:cond delay="0"/>
+                            </p:stCondLst>
+                            <p:childTnLst>
+                              <p:par>
+                                <p:cTn id="21" presetID="1" presetClass="entr" presetSubtype="0" fill="hold" nodeType="clickEffect">
+                                  <p:stCondLst>
+                                    <p:cond delay="0"/>
+                                  </p:stCondLst>
+                                  <p:childTnLst>
+                                    <p:set>
+                                      <p:cBhvr>
+                                        <p:cTn id="22" dur="1" fill="hold">
+                                          <p:stCondLst>
+                                            <p:cond delay="0"/>
+                                          </p:stCondLst>
+                                        </p:cTn>
+                                        <p:tgtEl>
+                                          <p:spTgt spid="3">
+                                            <p:txEl>
+                                              <p:pRg st="5" end="5"/>
+                                            </p:txEl>
+                                          </p:spTgt>
+                                        </p:tgtEl>
+                                        <p:attrNameLst>
+                                          <p:attrName>style.visibility</p:attrName>
+                                        </p:attrNameLst>
+                                      </p:cBhvr>
+                                      <p:to>
+                                        <p:strVal val="visible"/>
+                                      </p:to>
+                                    </p:set>
+                                  </p:childTnLst>
+                                </p:cTn>
+                              </p:par>
+                            </p:childTnLst>
+                          </p:cTn>
+                        </p:par>
+                      </p:childTnLst>
+                    </p:cTn>
+                  </p:par>
                 </p:childTnLst>
               </p:cTn>
               <p:prevCondLst>
@@ -29607,7 +29480,7 @@
           <p:cNvPr id="2" name="Titel 1">
             <a:extLst>
               <a:ext uri="{FF2B5EF4-FFF2-40B4-BE49-F238E27FC236}">
-                <a16:creationId xmlns:a16="http://schemas.microsoft.com/office/drawing/2014/main" xmlns="" id="{BEC9EF60-B7F3-4D45-B772-642698EAD3F1}"/>
+                <a16:creationId xmlns:a16="http://schemas.microsoft.com/office/drawing/2014/main" id="{BEC9EF60-B7F3-4D45-B772-642698EAD3F1}"/>
               </a:ext>
             </a:extLst>
           </p:cNvPr>
@@ -29636,7 +29509,7 @@
           <p:cNvPr id="3" name="Inhaltsplatzhalter 2">
             <a:extLst>
               <a:ext uri="{FF2B5EF4-FFF2-40B4-BE49-F238E27FC236}">
-                <a16:creationId xmlns:a16="http://schemas.microsoft.com/office/drawing/2014/main" xmlns="" id="{C253C894-A10A-6948-A977-7538A9145706}"/>
+                <a16:creationId xmlns:a16="http://schemas.microsoft.com/office/drawing/2014/main" id="{C253C894-A10A-6948-A977-7538A9145706}"/>
               </a:ext>
             </a:extLst>
           </p:cNvPr>
@@ -29654,24 +29527,14 @@
           <a:p>
             <a:r>
               <a:rPr lang="de-DE" dirty="0"/>
-              <a:t>Tagebuch: </a:t>
-            </a:r>
-            <a:r>
-              <a:rPr lang="de-DE" dirty="0" smtClean="0"/>
-              <a:t>Johannes</a:t>
-            </a:r>
-            <a:endParaRPr lang="de-DE" dirty="0"/>
+              <a:t>Tagebuch: Johannes</a:t>
+            </a:r>
           </a:p>
           <a:p>
             <a:r>
               <a:rPr lang="de-DE" dirty="0"/>
-              <a:t>GUI: </a:t>
-            </a:r>
-            <a:r>
-              <a:rPr lang="de-DE" dirty="0" smtClean="0"/>
-              <a:t>Meipei, Anna</a:t>
-            </a:r>
-            <a:endParaRPr lang="de-DE" dirty="0"/>
+              <a:t>GUI: Meipei, Anna</a:t>
+            </a:r>
           </a:p>
           <a:p>
             <a:r>
@@ -29699,13 +29562,8 @@
           <a:p>
             <a:r>
               <a:rPr lang="de-DE" dirty="0"/>
-              <a:t>Handbuch: </a:t>
-            </a:r>
-            <a:r>
-              <a:rPr lang="de-DE" dirty="0" smtClean="0"/>
-              <a:t>Johannes</a:t>
-            </a:r>
-            <a:endParaRPr lang="de-DE" dirty="0"/>
+              <a:t>Handbuch: Johannes</a:t>
+            </a:r>
           </a:p>
         </p:txBody>
       </p:sp>
@@ -30068,7 +29926,7 @@
           <p:cNvPr id="2" name="Titel 1">
             <a:extLst>
               <a:ext uri="{FF2B5EF4-FFF2-40B4-BE49-F238E27FC236}">
-                <a16:creationId xmlns:a16="http://schemas.microsoft.com/office/drawing/2014/main" xmlns="" id="{58BD989A-247C-334B-98C4-BEA5BF24A922}"/>
+                <a16:creationId xmlns:a16="http://schemas.microsoft.com/office/drawing/2014/main" id="{58BD989A-247C-334B-98C4-BEA5BF24A922}"/>
               </a:ext>
             </a:extLst>
           </p:cNvPr>
@@ -30096,7 +29954,7 @@
           <p:cNvPr id="3" name="Inhaltsplatzhalter 2">
             <a:extLst>
               <a:ext uri="{FF2B5EF4-FFF2-40B4-BE49-F238E27FC236}">
-                <a16:creationId xmlns:a16="http://schemas.microsoft.com/office/drawing/2014/main" xmlns="" id="{486FDFB3-07DF-C143-A9B9-1CF12C0A2ACD}"/>
+                <a16:creationId xmlns:a16="http://schemas.microsoft.com/office/drawing/2014/main" id="{486FDFB3-07DF-C143-A9B9-1CF12C0A2ACD}"/>
               </a:ext>
             </a:extLst>
           </p:cNvPr>
@@ -30113,18 +29971,17 @@
           <a:lstStyle/>
           <a:p>
             <a:r>
-              <a:rPr lang="de-DE" dirty="0" smtClean="0"/>
+              <a:rPr lang="de-DE" dirty="0"/>
               <a:t>WhatsApp/</a:t>
             </a:r>
             <a:r>
-              <a:rPr lang="de-DE" dirty="0" err="1" smtClean="0"/>
+              <a:rPr lang="de-DE" dirty="0" err="1"/>
               <a:t>Discord</a:t>
             </a:r>
             <a:r>
-              <a:rPr lang="de-DE" dirty="0" smtClean="0"/>
+              <a:rPr lang="de-DE" dirty="0"/>
               <a:t>, Skype</a:t>
             </a:r>
-            <a:endParaRPr lang="de-DE" dirty="0"/>
           </a:p>
           <a:p>
             <a:r>
@@ -30369,7 +30226,7 @@
           <p:cNvPr id="2" name="Titel 1">
             <a:extLst>
               <a:ext uri="{FF2B5EF4-FFF2-40B4-BE49-F238E27FC236}">
-                <a16:creationId xmlns:a16="http://schemas.microsoft.com/office/drawing/2014/main" xmlns="" id="{A9DB09D8-C533-4347-99F4-1DFCA12240E5}"/>
+                <a16:creationId xmlns:a16="http://schemas.microsoft.com/office/drawing/2014/main" id="{A9DB09D8-C533-4347-99F4-1DFCA12240E5}"/>
               </a:ext>
             </a:extLst>
           </p:cNvPr>
@@ -30398,7 +30255,7 @@
           <p:cNvPr id="3" name="Inhaltsplatzhalter 2">
             <a:extLst>
               <a:ext uri="{FF2B5EF4-FFF2-40B4-BE49-F238E27FC236}">
-                <a16:creationId xmlns:a16="http://schemas.microsoft.com/office/drawing/2014/main" xmlns="" id="{4066DF28-1C69-6D44-9D65-3D3CE2042E84}"/>
+                <a16:creationId xmlns:a16="http://schemas.microsoft.com/office/drawing/2014/main" id="{4066DF28-1C69-6D44-9D65-3D3CE2042E84}"/>
               </a:ext>
             </a:extLst>
           </p:cNvPr>
@@ -30428,21 +30285,13 @@
           <a:p>
             <a:r>
               <a:rPr lang="de-CH" dirty="0"/>
-              <a:t>https://</a:t>
-            </a:r>
-            <a:r>
-              <a:rPr lang="de-CH" dirty="0" smtClean="0"/>
-              <a:t>image.shutterstock.com/image-photo/playing-cards-hand-isolated-on-260nw-397538776.jpg</a:t>
+              <a:t>https://image.shutterstock.com/image-photo/playing-cards-hand-isolated-on-260nw-397538776.jpg</a:t>
             </a:r>
           </a:p>
           <a:p>
             <a:r>
               <a:rPr lang="de-CH" dirty="0"/>
-              <a:t>https://</a:t>
-            </a:r>
-            <a:r>
-              <a:rPr lang="de-CH" dirty="0" smtClean="0"/>
-              <a:t>de.cleanpng.com/png-o67csq/preview.html</a:t>
+              <a:t>https://de.cleanpng.com/png-o67csq/preview.html</a:t>
             </a:r>
           </a:p>
           <a:p>
@@ -30463,13 +30312,6 @@
   <p:clrMapOvr>
     <a:masterClrMapping/>
   </p:clrMapOvr>
-  <p:timing>
-    <p:tnLst>
-      <p:par>
-        <p:cTn id="1" dur="indefinite" restart="never" nodeType="tmRoot"/>
-      </p:par>
-    </p:tnLst>
-  </p:timing>
 </p:sld>
 </file>
 
@@ -30495,7 +30337,7 @@
           <p:cNvPr id="2" name="Titel 1">
             <a:extLst>
               <a:ext uri="{FF2B5EF4-FFF2-40B4-BE49-F238E27FC236}">
-                <a16:creationId xmlns:a16="http://schemas.microsoft.com/office/drawing/2014/main" xmlns="" id="{0ABAC4F0-599E-C84B-BFD7-F0FDAD0E7B7E}"/>
+                <a16:creationId xmlns:a16="http://schemas.microsoft.com/office/drawing/2014/main" id="{6110DCC2-8A8F-C240-BA6A-BDD8B345BBBF}"/>
               </a:ext>
             </a:extLst>
           </p:cNvPr>
@@ -30508,8 +30350,8 @@
         </p:nvSpPr>
         <p:spPr>
           <a:xfrm>
-            <a:off x="4105330" y="2268643"/>
-            <a:ext cx="9905998" cy="1478570"/>
+            <a:off x="1060506" y="1364753"/>
+            <a:ext cx="11131494" cy="3606640"/>
           </a:xfrm>
         </p:spPr>
         <p:txBody>
@@ -30519,8 +30361,8 @@
           <a:lstStyle/>
           <a:p>
             <a:r>
-              <a:rPr lang="de-DE" sz="5400" dirty="0"/>
-              <a:t>Fragen?</a:t>
+              <a:rPr lang="de-DE" sz="4400" dirty="0"/>
+              <a:t>Vielen dank für eure Aufmerksamkeit!</a:t>
             </a:r>
           </a:p>
         </p:txBody>
@@ -30528,20 +30370,13 @@
     </p:spTree>
     <p:extLst>
       <p:ext uri="{BB962C8B-B14F-4D97-AF65-F5344CB8AC3E}">
-        <p14:creationId xmlns:p14="http://schemas.microsoft.com/office/powerpoint/2010/main" val="1940052306"/>
+        <p14:creationId xmlns:p14="http://schemas.microsoft.com/office/powerpoint/2010/main" val="245925274"/>
       </p:ext>
     </p:extLst>
   </p:cSld>
   <p:clrMapOvr>
     <a:masterClrMapping/>
   </p:clrMapOvr>
-  <p:timing>
-    <p:tnLst>
-      <p:par>
-        <p:cTn id="1" dur="indefinite" restart="never" nodeType="tmRoot"/>
-      </p:par>
-    </p:tnLst>
-  </p:timing>
 </p:sld>
 </file>
 
@@ -30567,7 +30402,7 @@
           <p:cNvPr id="2" name="Titel 1">
             <a:extLst>
               <a:ext uri="{FF2B5EF4-FFF2-40B4-BE49-F238E27FC236}">
-                <a16:creationId xmlns:a16="http://schemas.microsoft.com/office/drawing/2014/main" xmlns="" id="{6110DCC2-8A8F-C240-BA6A-BDD8B345BBBF}"/>
+                <a16:creationId xmlns:a16="http://schemas.microsoft.com/office/drawing/2014/main" id="{0ABAC4F0-599E-C84B-BFD7-F0FDAD0E7B7E}"/>
               </a:ext>
             </a:extLst>
           </p:cNvPr>
@@ -30580,8 +30415,8 @@
         </p:nvSpPr>
         <p:spPr>
           <a:xfrm>
-            <a:off x="1060506" y="1364753"/>
-            <a:ext cx="11131494" cy="3606640"/>
+            <a:off x="4105330" y="2268643"/>
+            <a:ext cx="9905998" cy="1478570"/>
           </a:xfrm>
         </p:spPr>
         <p:txBody>
@@ -30591,8 +30426,8 @@
           <a:lstStyle/>
           <a:p>
             <a:r>
-              <a:rPr lang="de-DE" sz="4400" dirty="0"/>
-              <a:t>Vielen dank für eure Aufmerksamkeit!</a:t>
+              <a:rPr lang="de-DE" sz="5400" dirty="0"/>
+              <a:t>Fragen?</a:t>
             </a:r>
           </a:p>
         </p:txBody>
@@ -30600,20 +30435,13 @@
     </p:spTree>
     <p:extLst>
       <p:ext uri="{BB962C8B-B14F-4D97-AF65-F5344CB8AC3E}">
-        <p14:creationId xmlns:p14="http://schemas.microsoft.com/office/powerpoint/2010/main" val="245925274"/>
+        <p14:creationId xmlns:p14="http://schemas.microsoft.com/office/powerpoint/2010/main" val="1940052306"/>
       </p:ext>
     </p:extLst>
   </p:cSld>
   <p:clrMapOvr>
     <a:masterClrMapping/>
   </p:clrMapOvr>
-  <p:timing>
-    <p:tnLst>
-      <p:par>
-        <p:cTn id="1" dur="indefinite" restart="never" nodeType="tmRoot"/>
-      </p:par>
-    </p:tnLst>
-  </p:timing>
 </p:sld>
 </file>
 
@@ -30639,7 +30467,7 @@
           <p:cNvPr id="2" name="Titel 1">
             <a:extLst>
               <a:ext uri="{FF2B5EF4-FFF2-40B4-BE49-F238E27FC236}">
-                <a16:creationId xmlns:a16="http://schemas.microsoft.com/office/drawing/2014/main" xmlns="" id="{E50D757A-0022-8846-A9B3-07DC3F49537E}"/>
+                <a16:creationId xmlns:a16="http://schemas.microsoft.com/office/drawing/2014/main" id="{E50D757A-0022-8846-A9B3-07DC3F49537E}"/>
               </a:ext>
             </a:extLst>
           </p:cNvPr>
@@ -30667,7 +30495,7 @@
           <p:cNvPr id="3" name="Inhaltsplatzhalter 2">
             <a:extLst>
               <a:ext uri="{FF2B5EF4-FFF2-40B4-BE49-F238E27FC236}">
-                <a16:creationId xmlns:a16="http://schemas.microsoft.com/office/drawing/2014/main" xmlns="" id="{46E573F9-8531-5D4A-BD5A-972B6BBE3338}"/>
+                <a16:creationId xmlns:a16="http://schemas.microsoft.com/office/drawing/2014/main" id="{46E573F9-8531-5D4A-BD5A-972B6BBE3338}"/>
               </a:ext>
             </a:extLst>
           </p:cNvPr>
@@ -30691,26 +30519,25 @@
           <a:lstStyle/>
           <a:p>
             <a:r>
-              <a:rPr lang="de-DE" dirty="0" smtClean="0"/>
+              <a:rPr lang="de-DE" dirty="0"/>
               <a:t>Unsere Spielidee</a:t>
             </a:r>
           </a:p>
           <a:p>
             <a:r>
-              <a:rPr lang="de-DE" dirty="0" smtClean="0"/>
+              <a:rPr lang="de-DE" dirty="0"/>
               <a:t>Spielbeschreibung/Regeln</a:t>
             </a:r>
-            <a:endParaRPr lang="de-DE" dirty="0"/>
-          </a:p>
-          <a:p>
-            <a:r>
-              <a:rPr lang="de-DE" dirty="0" smtClean="0"/>
+          </a:p>
+          <a:p>
+            <a:r>
+              <a:rPr lang="de-DE" dirty="0"/>
               <a:t>Karten</a:t>
             </a:r>
           </a:p>
           <a:p>
             <a:r>
-              <a:rPr lang="de-DE" dirty="0" err="1" smtClean="0"/>
+              <a:rPr lang="de-DE" dirty="0" err="1"/>
               <a:t>Mockup</a:t>
             </a:r>
             <a:endParaRPr lang="de-DE" dirty="0"/>
@@ -30729,10 +30556,9 @@
           </a:p>
           <a:p>
             <a:r>
-              <a:rPr lang="de-DE" dirty="0" smtClean="0"/>
+              <a:rPr lang="de-DE" dirty="0"/>
               <a:t>Organisation/Software</a:t>
             </a:r>
-            <a:endParaRPr lang="de-DE" dirty="0"/>
           </a:p>
           <a:p>
             <a:r>
@@ -30752,13 +30578,6 @@
   <p:clrMapOvr>
     <a:masterClrMapping/>
   </p:clrMapOvr>
-  <p:timing>
-    <p:tnLst>
-      <p:par>
-        <p:cTn id="1" dur="indefinite" restart="never" nodeType="tmRoot"/>
-      </p:par>
-    </p:tnLst>
-  </p:timing>
 </p:sld>
 </file>
 
@@ -30784,7 +30603,7 @@
           <p:cNvPr id="2" name="Titel 1">
             <a:extLst>
               <a:ext uri="{FF2B5EF4-FFF2-40B4-BE49-F238E27FC236}">
-                <a16:creationId xmlns:a16="http://schemas.microsoft.com/office/drawing/2014/main" xmlns="" id="{0525B8FD-813E-1949-8DE5-018FE4AE8759}"/>
+                <a16:creationId xmlns:a16="http://schemas.microsoft.com/office/drawing/2014/main" id="{0525B8FD-813E-1949-8DE5-018FE4AE8759}"/>
               </a:ext>
             </a:extLst>
           </p:cNvPr>
@@ -30817,7 +30636,7 @@
           <p:cNvPr id="3" name="Inhaltsplatzhalter 2">
             <a:extLst>
               <a:ext uri="{FF2B5EF4-FFF2-40B4-BE49-F238E27FC236}">
-                <a16:creationId xmlns:a16="http://schemas.microsoft.com/office/drawing/2014/main" xmlns="" id="{762EE8DD-91AC-494D-9395-E2DCAA275E32}"/>
+                <a16:creationId xmlns:a16="http://schemas.microsoft.com/office/drawing/2014/main" id="{762EE8DD-91AC-494D-9395-E2DCAA275E32}"/>
               </a:ext>
             </a:extLst>
           </p:cNvPr>
@@ -31080,7 +30899,7 @@
           <p:cNvPr id="2" name="Titel 1">
             <a:extLst>
               <a:ext uri="{FF2B5EF4-FFF2-40B4-BE49-F238E27FC236}">
-                <a16:creationId xmlns:a16="http://schemas.microsoft.com/office/drawing/2014/main" xmlns="" id="{2EF4FCBA-731E-9F44-8F9A-B1FD7247AFA9}"/>
+                <a16:creationId xmlns:a16="http://schemas.microsoft.com/office/drawing/2014/main" id="{2EF4FCBA-731E-9F44-8F9A-B1FD7247AFA9}"/>
               </a:ext>
             </a:extLst>
           </p:cNvPr>
@@ -31108,7 +30927,7 @@
           <p:cNvPr id="3" name="Inhaltsplatzhalter 2">
             <a:extLst>
               <a:ext uri="{FF2B5EF4-FFF2-40B4-BE49-F238E27FC236}">
-                <a16:creationId xmlns:a16="http://schemas.microsoft.com/office/drawing/2014/main" xmlns="" id="{0D560CEC-8975-1E4B-98B6-7CCEE15EF428}"/>
+                <a16:creationId xmlns:a16="http://schemas.microsoft.com/office/drawing/2014/main" id="{0D560CEC-8975-1E4B-98B6-7CCEE15EF428}"/>
               </a:ext>
             </a:extLst>
           </p:cNvPr>
@@ -31132,12 +30951,16 @@
           <a:lstStyle/>
           <a:p>
             <a:r>
+              <a:rPr lang="de-DE" dirty="0"/>
+              <a:t>Auf der Basis von </a:t>
+            </a:r>
+            <a:r>
               <a:rPr lang="de-DE" dirty="0" err="1"/>
               <a:t>Blackjack</a:t>
             </a:r>
             <a:r>
               <a:rPr lang="de-DE" dirty="0"/>
-              <a:t>-basierend </a:t>
+              <a:t> </a:t>
             </a:r>
           </a:p>
           <a:p>
@@ -31561,7 +31384,7 @@
           <p:cNvPr id="2" name="Titel 1">
             <a:extLst>
               <a:ext uri="{FF2B5EF4-FFF2-40B4-BE49-F238E27FC236}">
-                <a16:creationId xmlns:a16="http://schemas.microsoft.com/office/drawing/2014/main" xmlns="" id="{4652E078-A8AE-A249-A604-314491CEED1F}"/>
+                <a16:creationId xmlns:a16="http://schemas.microsoft.com/office/drawing/2014/main" id="{4652E078-A8AE-A249-A604-314491CEED1F}"/>
               </a:ext>
             </a:extLst>
           </p:cNvPr>
@@ -31589,7 +31412,7 @@
           <p:cNvPr id="3" name="Inhaltsplatzhalter 2">
             <a:extLst>
               <a:ext uri="{FF2B5EF4-FFF2-40B4-BE49-F238E27FC236}">
-                <a16:creationId xmlns:a16="http://schemas.microsoft.com/office/drawing/2014/main" xmlns="" id="{6B2781FC-CC33-9A42-9027-D3FF11A493E3}"/>
+                <a16:creationId xmlns:a16="http://schemas.microsoft.com/office/drawing/2014/main" id="{6B2781FC-CC33-9A42-9027-D3FF11A493E3}"/>
               </a:ext>
             </a:extLst>
           </p:cNvPr>
@@ -31624,7 +31447,7 @@
           <a:p>
             <a:r>
               <a:rPr lang="de-CH" dirty="0"/>
-              <a:t>Diejenigen, die über 180 haben, bekommen 0 </a:t>
+              <a:t>Diejenigen, die über 180KP haben, bekommen 0 </a:t>
             </a:r>
             <a:r>
               <a:rPr lang="de-CH" dirty="0" err="1"/>
@@ -31906,7 +31729,7 @@
           <p:cNvPr id="2" name="Titel 1">
             <a:extLst>
               <a:ext uri="{FF2B5EF4-FFF2-40B4-BE49-F238E27FC236}">
-                <a16:creationId xmlns:a16="http://schemas.microsoft.com/office/drawing/2014/main" xmlns="" id="{A0B6D1F5-044D-5541-AE81-908DF7850310}"/>
+                <a16:creationId xmlns:a16="http://schemas.microsoft.com/office/drawing/2014/main" id="{A0B6D1F5-044D-5541-AE81-908DF7850310}"/>
               </a:ext>
             </a:extLst>
           </p:cNvPr>
@@ -31934,7 +31757,7 @@
           <p:cNvPr id="4" name="Gruppierung 15">
             <a:extLst>
               <a:ext uri="{FF2B5EF4-FFF2-40B4-BE49-F238E27FC236}">
-                <a16:creationId xmlns:a16="http://schemas.microsoft.com/office/drawing/2014/main" xmlns="" id="{F2A3C544-5A54-0041-9D7F-D7920CA26010}"/>
+                <a16:creationId xmlns:a16="http://schemas.microsoft.com/office/drawing/2014/main" id="{F2A3C544-5A54-0041-9D7F-D7920CA26010}"/>
               </a:ext>
             </a:extLst>
           </p:cNvPr>
@@ -31954,7 +31777,7 @@
             <p:cNvPr id="6" name="Gruppierung 9">
               <a:extLst>
                 <a:ext uri="{FF2B5EF4-FFF2-40B4-BE49-F238E27FC236}">
-                  <a16:creationId xmlns:a16="http://schemas.microsoft.com/office/drawing/2014/main" xmlns="" id="{95B575EB-1778-9D48-9118-AD511FA8B493}"/>
+                  <a16:creationId xmlns:a16="http://schemas.microsoft.com/office/drawing/2014/main" id="{95B575EB-1778-9D48-9118-AD511FA8B493}"/>
                 </a:ext>
               </a:extLst>
             </p:cNvPr>
@@ -31974,7 +31797,7 @@
               <p:cNvPr id="8" name="Rechteck 7">
                 <a:extLst>
                   <a:ext uri="{FF2B5EF4-FFF2-40B4-BE49-F238E27FC236}">
-                    <a16:creationId xmlns:a16="http://schemas.microsoft.com/office/drawing/2014/main" xmlns="" id="{2436FA58-3BD4-6B40-B340-006A0868D6BA}"/>
+                    <a16:creationId xmlns:a16="http://schemas.microsoft.com/office/drawing/2014/main" id="{2436FA58-3BD4-6B40-B340-006A0868D6BA}"/>
                   </a:ext>
                 </a:extLst>
               </p:cNvPr>
@@ -32031,7 +31854,7 @@
               <p:cNvPr id="9" name="Bild 7">
                 <a:extLst>
                   <a:ext uri="{FF2B5EF4-FFF2-40B4-BE49-F238E27FC236}">
-                    <a16:creationId xmlns:a16="http://schemas.microsoft.com/office/drawing/2014/main" xmlns="" id="{665F0002-A45D-514D-829F-633BC21DFB0D}"/>
+                    <a16:creationId xmlns:a16="http://schemas.microsoft.com/office/drawing/2014/main" id="{665F0002-A45D-514D-829F-633BC21DFB0D}"/>
                   </a:ext>
                 </a:extLst>
               </p:cNvPr>
@@ -32075,7 +31898,7 @@
               <p:cNvPr id="10" name="Eckige Klammer links/rechts 9">
                 <a:extLst>
                   <a:ext uri="{FF2B5EF4-FFF2-40B4-BE49-F238E27FC236}">
-                    <a16:creationId xmlns:a16="http://schemas.microsoft.com/office/drawing/2014/main" xmlns="" id="{1714D6B3-F7FC-8048-93AD-435B89B1F27A}"/>
+                    <a16:creationId xmlns:a16="http://schemas.microsoft.com/office/drawing/2014/main" id="{1714D6B3-F7FC-8048-93AD-435B89B1F27A}"/>
                   </a:ext>
                 </a:extLst>
               </p:cNvPr>
@@ -32128,7 +31951,7 @@
             <p:cNvPr id="7" name="Textfeld 6">
               <a:extLst>
                 <a:ext uri="{FF2B5EF4-FFF2-40B4-BE49-F238E27FC236}">
-                  <a16:creationId xmlns:a16="http://schemas.microsoft.com/office/drawing/2014/main" xmlns="" id="{8433563C-EE80-EE4E-901C-675959ADA995}"/>
+                  <a16:creationId xmlns:a16="http://schemas.microsoft.com/office/drawing/2014/main" id="{8433563C-EE80-EE4E-901C-675959ADA995}"/>
                 </a:ext>
               </a:extLst>
             </p:cNvPr>
@@ -32165,7 +31988,7 @@
           <p:cNvPr id="11" name="Gruppierung 34">
             <a:extLst>
               <a:ext uri="{FF2B5EF4-FFF2-40B4-BE49-F238E27FC236}">
-                <a16:creationId xmlns:a16="http://schemas.microsoft.com/office/drawing/2014/main" xmlns="" id="{3485E2B2-7841-3142-ABEA-1F3D6C5221A0}"/>
+                <a16:creationId xmlns:a16="http://schemas.microsoft.com/office/drawing/2014/main" id="{3485E2B2-7841-3142-ABEA-1F3D6C5221A0}"/>
               </a:ext>
             </a:extLst>
           </p:cNvPr>
@@ -32185,7 +32008,7 @@
             <p:cNvPr id="12" name="Gruppierung 16">
               <a:extLst>
                 <a:ext uri="{FF2B5EF4-FFF2-40B4-BE49-F238E27FC236}">
-                  <a16:creationId xmlns:a16="http://schemas.microsoft.com/office/drawing/2014/main" xmlns="" id="{EF46E303-78D2-8547-9E8B-E382A416B776}"/>
+                  <a16:creationId xmlns:a16="http://schemas.microsoft.com/office/drawing/2014/main" id="{EF46E303-78D2-8547-9E8B-E382A416B776}"/>
                 </a:ext>
               </a:extLst>
             </p:cNvPr>
@@ -32205,7 +32028,7 @@
               <p:cNvPr id="14" name="Gruppierung 17">
                 <a:extLst>
                   <a:ext uri="{FF2B5EF4-FFF2-40B4-BE49-F238E27FC236}">
-                    <a16:creationId xmlns:a16="http://schemas.microsoft.com/office/drawing/2014/main" xmlns="" id="{283A544A-DFC9-1044-A110-98D01B8B2752}"/>
+                    <a16:creationId xmlns:a16="http://schemas.microsoft.com/office/drawing/2014/main" id="{283A544A-DFC9-1044-A110-98D01B8B2752}"/>
                   </a:ext>
                 </a:extLst>
               </p:cNvPr>
@@ -32225,7 +32048,7 @@
                 <p:cNvPr id="16" name="Rechteck 15">
                   <a:extLst>
                     <a:ext uri="{FF2B5EF4-FFF2-40B4-BE49-F238E27FC236}">
-                      <a16:creationId xmlns:a16="http://schemas.microsoft.com/office/drawing/2014/main" xmlns="" id="{25D14A1D-34B5-0748-9BD4-E1B30A63BA7F}"/>
+                      <a16:creationId xmlns:a16="http://schemas.microsoft.com/office/drawing/2014/main" id="{25D14A1D-34B5-0748-9BD4-E1B30A63BA7F}"/>
                     </a:ext>
                   </a:extLst>
                 </p:cNvPr>
@@ -32282,7 +32105,7 @@
                 <p:cNvPr id="17" name="Eckige Klammer links/rechts 16">
                   <a:extLst>
                     <a:ext uri="{FF2B5EF4-FFF2-40B4-BE49-F238E27FC236}">
-                      <a16:creationId xmlns:a16="http://schemas.microsoft.com/office/drawing/2014/main" xmlns="" id="{6C8B3868-732E-FE41-9BC3-D7D6109C6BFE}"/>
+                      <a16:creationId xmlns:a16="http://schemas.microsoft.com/office/drawing/2014/main" id="{6C8B3868-732E-FE41-9BC3-D7D6109C6BFE}"/>
                     </a:ext>
                   </a:extLst>
                 </p:cNvPr>
@@ -32335,7 +32158,7 @@
               <p:cNvPr id="15" name="Textfeld 14">
                 <a:extLst>
                   <a:ext uri="{FF2B5EF4-FFF2-40B4-BE49-F238E27FC236}">
-                    <a16:creationId xmlns:a16="http://schemas.microsoft.com/office/drawing/2014/main" xmlns="" id="{9E5C2EA2-9192-7D43-A75C-5CDE3672E1D4}"/>
+                    <a16:creationId xmlns:a16="http://schemas.microsoft.com/office/drawing/2014/main" id="{9E5C2EA2-9192-7D43-A75C-5CDE3672E1D4}"/>
                   </a:ext>
                 </a:extLst>
               </p:cNvPr>
@@ -32372,7 +32195,7 @@
             <p:cNvPr id="13" name="Bild 28">
               <a:extLst>
                 <a:ext uri="{FF2B5EF4-FFF2-40B4-BE49-F238E27FC236}">
-                  <a16:creationId xmlns:a16="http://schemas.microsoft.com/office/drawing/2014/main" xmlns="" id="{9BC0CA9E-92A6-5D45-ADF4-315A16BEAF7B}"/>
+                  <a16:creationId xmlns:a16="http://schemas.microsoft.com/office/drawing/2014/main" id="{9BC0CA9E-92A6-5D45-ADF4-315A16BEAF7B}"/>
                 </a:ext>
               </a:extLst>
             </p:cNvPr>
@@ -32409,7 +32232,7 @@
           <p:cNvPr id="18" name="Gruppierung 33">
             <a:extLst>
               <a:ext uri="{FF2B5EF4-FFF2-40B4-BE49-F238E27FC236}">
-                <a16:creationId xmlns:a16="http://schemas.microsoft.com/office/drawing/2014/main" xmlns="" id="{29446206-8E72-3A4B-AE9C-83E3EB1CE839}"/>
+                <a16:creationId xmlns:a16="http://schemas.microsoft.com/office/drawing/2014/main" id="{29446206-8E72-3A4B-AE9C-83E3EB1CE839}"/>
               </a:ext>
             </a:extLst>
           </p:cNvPr>
@@ -32429,7 +32252,7 @@
             <p:cNvPr id="19" name="Gruppierung 22">
               <a:extLst>
                 <a:ext uri="{FF2B5EF4-FFF2-40B4-BE49-F238E27FC236}">
-                  <a16:creationId xmlns:a16="http://schemas.microsoft.com/office/drawing/2014/main" xmlns="" id="{97839AE2-4B6E-F14E-82AD-213862262763}"/>
+                  <a16:creationId xmlns:a16="http://schemas.microsoft.com/office/drawing/2014/main" id="{97839AE2-4B6E-F14E-82AD-213862262763}"/>
                 </a:ext>
               </a:extLst>
             </p:cNvPr>
@@ -32449,7 +32272,7 @@
               <p:cNvPr id="22" name="Rechteck 21">
                 <a:extLst>
                   <a:ext uri="{FF2B5EF4-FFF2-40B4-BE49-F238E27FC236}">
-                    <a16:creationId xmlns:a16="http://schemas.microsoft.com/office/drawing/2014/main" xmlns="" id="{0ACC97E8-9251-3342-87EE-637613E70539}"/>
+                    <a16:creationId xmlns:a16="http://schemas.microsoft.com/office/drawing/2014/main" id="{0ACC97E8-9251-3342-87EE-637613E70539}"/>
                   </a:ext>
                 </a:extLst>
               </p:cNvPr>
@@ -32506,7 +32329,7 @@
               <p:cNvPr id="23" name="Textfeld 22">
                 <a:extLst>
                   <a:ext uri="{FF2B5EF4-FFF2-40B4-BE49-F238E27FC236}">
-                    <a16:creationId xmlns:a16="http://schemas.microsoft.com/office/drawing/2014/main" xmlns="" id="{3893EA98-6F38-9548-930E-D31D3D2D40C8}"/>
+                    <a16:creationId xmlns:a16="http://schemas.microsoft.com/office/drawing/2014/main" id="{3893EA98-6F38-9548-930E-D31D3D2D40C8}"/>
                   </a:ext>
                 </a:extLst>
               </p:cNvPr>
@@ -32543,7 +32366,7 @@
             <p:cNvPr id="20" name="Eckige Klammer links/rechts 19">
               <a:extLst>
                 <a:ext uri="{FF2B5EF4-FFF2-40B4-BE49-F238E27FC236}">
-                  <a16:creationId xmlns:a16="http://schemas.microsoft.com/office/drawing/2014/main" xmlns="" id="{F480CA3F-AEDA-7C4E-88F9-3700D8B80FA9}"/>
+                  <a16:creationId xmlns:a16="http://schemas.microsoft.com/office/drawing/2014/main" id="{F480CA3F-AEDA-7C4E-88F9-3700D8B80FA9}"/>
                 </a:ext>
               </a:extLst>
             </p:cNvPr>
@@ -32595,7 +32418,7 @@
             <p:cNvPr id="21" name="Bild 32">
               <a:extLst>
                 <a:ext uri="{FF2B5EF4-FFF2-40B4-BE49-F238E27FC236}">
-                  <a16:creationId xmlns:a16="http://schemas.microsoft.com/office/drawing/2014/main" xmlns="" id="{A33C873E-CAF6-2D46-8A47-CF75F155C7F4}"/>
+                  <a16:creationId xmlns:a16="http://schemas.microsoft.com/office/drawing/2014/main" id="{A33C873E-CAF6-2D46-8A47-CF75F155C7F4}"/>
                 </a:ext>
               </a:extLst>
             </p:cNvPr>
@@ -32832,7 +32655,7 @@
           <p:cNvPr id="2" name="Titel 1">
             <a:extLst>
               <a:ext uri="{FF2B5EF4-FFF2-40B4-BE49-F238E27FC236}">
-                <a16:creationId xmlns:a16="http://schemas.microsoft.com/office/drawing/2014/main" xmlns="" id="{203376D5-E3AD-2542-A70C-357F076A9AB8}"/>
+                <a16:creationId xmlns:a16="http://schemas.microsoft.com/office/drawing/2014/main" id="{203376D5-E3AD-2542-A70C-357F076A9AB8}"/>
               </a:ext>
             </a:extLst>
           </p:cNvPr>
@@ -32873,13 +32696,6 @@
   <p:clrMapOvr>
     <a:masterClrMapping/>
   </p:clrMapOvr>
-  <p:timing>
-    <p:tnLst>
-      <p:par>
-        <p:cTn id="1" dur="indefinite" restart="never" nodeType="tmRoot"/>
-      </p:par>
-    </p:tnLst>
-  </p:timing>
 </p:sld>
 </file>
 
